--- a/_book/plot/unnamed-chunk-75-1.pptx
+++ b/_book/plot/unnamed-chunk-75-1.pptx
@@ -3157,108 +3157,204 @@
           </p:nvSpPr>
           <p:spPr>
             <a:xfrm>
-              <a:off x="4294735" y="1973107"/>
-              <a:ext cx="205366" cy="1808317"/>
+              <a:off x="5025569" y="1973107"/>
+              <a:ext cx="1679410" cy="1808317"/>
             </a:xfrm>
             <a:custGeom>
               <a:avLst/>
               <a:pathLst>
-                <a:path w="205366" h="1808317">
+                <a:path w="1679410" h="1808317">
                   <a:moveTo>
                     <a:pt x="0" y="1808317"/>
                   </a:moveTo>
                   <a:lnTo>
-                    <a:pt x="7081" y="1746365"/>
-                  </a:lnTo>
-                  <a:lnTo>
-                    <a:pt x="14163" y="1684412"/>
-                  </a:lnTo>
-                  <a:lnTo>
-                    <a:pt x="21244" y="1622460"/>
-                  </a:lnTo>
-                  <a:lnTo>
-                    <a:pt x="28326" y="1560508"/>
-                  </a:lnTo>
-                  <a:lnTo>
-                    <a:pt x="35407" y="1498555"/>
-                  </a:lnTo>
-                  <a:lnTo>
-                    <a:pt x="42489" y="1436603"/>
-                  </a:lnTo>
-                  <a:lnTo>
-                    <a:pt x="49571" y="1374650"/>
-                  </a:lnTo>
-                  <a:lnTo>
-                    <a:pt x="56652" y="1312698"/>
-                  </a:lnTo>
-                  <a:lnTo>
-                    <a:pt x="63734" y="1250746"/>
-                  </a:lnTo>
-                  <a:lnTo>
-                    <a:pt x="70815" y="1188793"/>
-                  </a:lnTo>
-                  <a:lnTo>
-                    <a:pt x="77897" y="1126841"/>
-                  </a:lnTo>
-                  <a:lnTo>
-                    <a:pt x="84979" y="1064889"/>
-                  </a:lnTo>
-                  <a:lnTo>
-                    <a:pt x="92060" y="1002936"/>
-                  </a:lnTo>
-                  <a:lnTo>
-                    <a:pt x="99142" y="940984"/>
-                  </a:lnTo>
-                  <a:lnTo>
-                    <a:pt x="106223" y="879032"/>
-                  </a:lnTo>
-                  <a:lnTo>
-                    <a:pt x="113305" y="817079"/>
-                  </a:lnTo>
-                  <a:lnTo>
-                    <a:pt x="120387" y="755127"/>
-                  </a:lnTo>
-                  <a:lnTo>
-                    <a:pt x="127468" y="693175"/>
-                  </a:lnTo>
-                  <a:lnTo>
-                    <a:pt x="134550" y="631222"/>
-                  </a:lnTo>
-                  <a:lnTo>
-                    <a:pt x="141631" y="569270"/>
-                  </a:lnTo>
-                  <a:lnTo>
-                    <a:pt x="148713" y="507318"/>
-                  </a:lnTo>
-                  <a:lnTo>
-                    <a:pt x="155794" y="445365"/>
-                  </a:lnTo>
-                  <a:lnTo>
-                    <a:pt x="162876" y="383413"/>
-                  </a:lnTo>
-                  <a:lnTo>
-                    <a:pt x="169958" y="321461"/>
-                  </a:lnTo>
-                  <a:lnTo>
-                    <a:pt x="177039" y="259508"/>
-                  </a:lnTo>
-                  <a:lnTo>
-                    <a:pt x="184121" y="197556"/>
-                  </a:lnTo>
-                  <a:lnTo>
-                    <a:pt x="191202" y="135604"/>
-                  </a:lnTo>
-                  <a:lnTo>
-                    <a:pt x="198284" y="73651"/>
-                  </a:lnTo>
-                  <a:lnTo>
-                    <a:pt x="205366" y="11699"/>
-                  </a:lnTo>
-                  <a:lnTo>
-                    <a:pt x="137075" y="5202"/>
-                  </a:lnTo>
-                  <a:lnTo>
-                    <a:pt x="68586" y="1301"/>
+                    <a:pt x="57910" y="1785196"/>
+                  </a:lnTo>
+                  <a:lnTo>
+                    <a:pt x="115821" y="1762074"/>
+                  </a:lnTo>
+                  <a:lnTo>
+                    <a:pt x="173732" y="1738953"/>
+                  </a:lnTo>
+                  <a:lnTo>
+                    <a:pt x="231642" y="1715832"/>
+                  </a:lnTo>
+                  <a:lnTo>
+                    <a:pt x="289553" y="1692711"/>
+                  </a:lnTo>
+                  <a:lnTo>
+                    <a:pt x="347464" y="1669589"/>
+                  </a:lnTo>
+                  <a:lnTo>
+                    <a:pt x="405374" y="1646468"/>
+                  </a:lnTo>
+                  <a:lnTo>
+                    <a:pt x="463285" y="1623347"/>
+                  </a:lnTo>
+                  <a:lnTo>
+                    <a:pt x="521196" y="1600226"/>
+                  </a:lnTo>
+                  <a:lnTo>
+                    <a:pt x="579107" y="1577104"/>
+                  </a:lnTo>
+                  <a:lnTo>
+                    <a:pt x="637017" y="1553983"/>
+                  </a:lnTo>
+                  <a:lnTo>
+                    <a:pt x="694928" y="1530862"/>
+                  </a:lnTo>
+                  <a:lnTo>
+                    <a:pt x="752839" y="1507741"/>
+                  </a:lnTo>
+                  <a:lnTo>
+                    <a:pt x="810749" y="1484619"/>
+                  </a:lnTo>
+                  <a:lnTo>
+                    <a:pt x="868660" y="1461498"/>
+                  </a:lnTo>
+                  <a:lnTo>
+                    <a:pt x="926571" y="1438377"/>
+                  </a:lnTo>
+                  <a:lnTo>
+                    <a:pt x="984481" y="1415256"/>
+                  </a:lnTo>
+                  <a:lnTo>
+                    <a:pt x="1042392" y="1392134"/>
+                  </a:lnTo>
+                  <a:lnTo>
+                    <a:pt x="1100303" y="1369013"/>
+                  </a:lnTo>
+                  <a:lnTo>
+                    <a:pt x="1158214" y="1345892"/>
+                  </a:lnTo>
+                  <a:lnTo>
+                    <a:pt x="1216124" y="1322770"/>
+                  </a:lnTo>
+                  <a:lnTo>
+                    <a:pt x="1274035" y="1299649"/>
+                  </a:lnTo>
+                  <a:lnTo>
+                    <a:pt x="1331946" y="1276528"/>
+                  </a:lnTo>
+                  <a:lnTo>
+                    <a:pt x="1389856" y="1253407"/>
+                  </a:lnTo>
+                  <a:lnTo>
+                    <a:pt x="1447767" y="1230285"/>
+                  </a:lnTo>
+                  <a:lnTo>
+                    <a:pt x="1505678" y="1207164"/>
+                  </a:lnTo>
+                  <a:lnTo>
+                    <a:pt x="1563589" y="1184043"/>
+                  </a:lnTo>
+                  <a:lnTo>
+                    <a:pt x="1621499" y="1160922"/>
+                  </a:lnTo>
+                  <a:lnTo>
+                    <a:pt x="1679410" y="1137800"/>
+                  </a:lnTo>
+                  <a:lnTo>
+                    <a:pt x="1655627" y="1081055"/>
+                  </a:lnTo>
+                  <a:lnTo>
+                    <a:pt x="1629927" y="1025151"/>
+                  </a:lnTo>
+                  <a:lnTo>
+                    <a:pt x="1602340" y="970155"/>
+                  </a:lnTo>
+                  <a:lnTo>
+                    <a:pt x="1572898" y="916128"/>
+                  </a:lnTo>
+                  <a:lnTo>
+                    <a:pt x="1541636" y="863134"/>
+                  </a:lnTo>
+                  <a:lnTo>
+                    <a:pt x="1508588" y="811235"/>
+                  </a:lnTo>
+                  <a:lnTo>
+                    <a:pt x="1473794" y="760490"/>
+                  </a:lnTo>
+                  <a:lnTo>
+                    <a:pt x="1437294" y="710958"/>
+                  </a:lnTo>
+                  <a:lnTo>
+                    <a:pt x="1399130" y="662696"/>
+                  </a:lnTo>
+                  <a:lnTo>
+                    <a:pt x="1359346" y="615761"/>
+                  </a:lnTo>
+                  <a:lnTo>
+                    <a:pt x="1317988" y="570206"/>
+                  </a:lnTo>
+                  <a:lnTo>
+                    <a:pt x="1275105" y="526085"/>
+                  </a:lnTo>
+                  <a:lnTo>
+                    <a:pt x="1230745" y="483448"/>
+                  </a:lnTo>
+                  <a:lnTo>
+                    <a:pt x="1184961" y="442345"/>
+                  </a:lnTo>
+                  <a:lnTo>
+                    <a:pt x="1137804" y="402823"/>
+                  </a:lnTo>
+                  <a:lnTo>
+                    <a:pt x="1089331" y="364929"/>
+                  </a:lnTo>
+                  <a:lnTo>
+                    <a:pt x="1039596" y="328705"/>
+                  </a:lnTo>
+                  <a:lnTo>
+                    <a:pt x="988658" y="294195"/>
+                  </a:lnTo>
+                  <a:lnTo>
+                    <a:pt x="936575" y="261437"/>
+                  </a:lnTo>
+                  <a:lnTo>
+                    <a:pt x="883408" y="230470"/>
+                  </a:lnTo>
+                  <a:lnTo>
+                    <a:pt x="829219" y="201330"/>
+                  </a:lnTo>
+                  <a:lnTo>
+                    <a:pt x="774069" y="174050"/>
+                  </a:lnTo>
+                  <a:lnTo>
+                    <a:pt x="718023" y="148662"/>
+                  </a:lnTo>
+                  <a:lnTo>
+                    <a:pt x="661146" y="125196"/>
+                  </a:lnTo>
+                  <a:lnTo>
+                    <a:pt x="603503" y="103678"/>
+                  </a:lnTo>
+                  <a:lnTo>
+                    <a:pt x="545162" y="84133"/>
+                  </a:lnTo>
+                  <a:lnTo>
+                    <a:pt x="486190" y="66585"/>
+                  </a:lnTo>
+                  <a:lnTo>
+                    <a:pt x="426655" y="51053"/>
+                  </a:lnTo>
+                  <a:lnTo>
+                    <a:pt x="366625" y="37555"/>
+                  </a:lnTo>
+                  <a:lnTo>
+                    <a:pt x="306172" y="26108"/>
+                  </a:lnTo>
+                  <a:lnTo>
+                    <a:pt x="245364" y="16723"/>
+                  </a:lnTo>
+                  <a:lnTo>
+                    <a:pt x="184272" y="9413"/>
+                  </a:lnTo>
+                  <a:lnTo>
+                    <a:pt x="122966" y="4185"/>
+                  </a:lnTo>
+                  <a:lnTo>
+                    <a:pt x="61518" y="1046"/>
                   </a:lnTo>
                   <a:lnTo>
                     <a:pt x="0" y="0"/>
@@ -3380,402 +3476,348 @@
           </p:nvSpPr>
           <p:spPr>
             <a:xfrm>
-              <a:off x="4294735" y="1984806"/>
-              <a:ext cx="1808192" cy="3320525"/>
+              <a:off x="5025569" y="3110908"/>
+              <a:ext cx="1808296" cy="2467962"/>
             </a:xfrm>
             <a:custGeom>
               <a:avLst/>
               <a:pathLst>
-                <a:path w="1808192" h="3320525">
+                <a:path w="1808296" h="2467962">
                   <a:moveTo>
-                    <a:pt x="0" y="1796618"/>
+                    <a:pt x="0" y="670516"/>
                   </a:moveTo>
                   <a:lnTo>
-                    <a:pt x="33569" y="1849166"/>
-                  </a:lnTo>
-                  <a:lnTo>
-                    <a:pt x="67138" y="1901715"/>
-                  </a:lnTo>
-                  <a:lnTo>
-                    <a:pt x="100707" y="1954263"/>
-                  </a:lnTo>
-                  <a:lnTo>
-                    <a:pt x="134277" y="2006812"/>
-                  </a:lnTo>
-                  <a:lnTo>
-                    <a:pt x="167846" y="2059360"/>
-                  </a:lnTo>
-                  <a:lnTo>
-                    <a:pt x="201415" y="2111909"/>
-                  </a:lnTo>
-                  <a:lnTo>
-                    <a:pt x="234984" y="2164457"/>
-                  </a:lnTo>
-                  <a:lnTo>
-                    <a:pt x="268554" y="2217006"/>
-                  </a:lnTo>
-                  <a:lnTo>
-                    <a:pt x="302123" y="2269554"/>
-                  </a:lnTo>
-                  <a:lnTo>
-                    <a:pt x="335692" y="2322103"/>
-                  </a:lnTo>
-                  <a:lnTo>
-                    <a:pt x="369261" y="2374651"/>
-                  </a:lnTo>
-                  <a:lnTo>
-                    <a:pt x="402831" y="2427200"/>
-                  </a:lnTo>
-                  <a:lnTo>
-                    <a:pt x="436400" y="2479748"/>
-                  </a:lnTo>
-                  <a:lnTo>
-                    <a:pt x="469969" y="2532297"/>
-                  </a:lnTo>
-                  <a:lnTo>
-                    <a:pt x="503539" y="2584845"/>
-                  </a:lnTo>
-                  <a:lnTo>
-                    <a:pt x="537108" y="2637394"/>
-                  </a:lnTo>
-                  <a:lnTo>
-                    <a:pt x="570677" y="2689942"/>
-                  </a:lnTo>
-                  <a:lnTo>
-                    <a:pt x="604246" y="2742491"/>
-                  </a:lnTo>
-                  <a:lnTo>
-                    <a:pt x="637816" y="2795039"/>
-                  </a:lnTo>
-                  <a:lnTo>
-                    <a:pt x="671385" y="2847588"/>
-                  </a:lnTo>
-                  <a:lnTo>
-                    <a:pt x="704954" y="2900137"/>
-                  </a:lnTo>
-                  <a:lnTo>
-                    <a:pt x="738523" y="2952685"/>
-                  </a:lnTo>
-                  <a:lnTo>
-                    <a:pt x="772093" y="3005234"/>
-                  </a:lnTo>
-                  <a:lnTo>
-                    <a:pt x="805662" y="3057782"/>
-                  </a:lnTo>
-                  <a:lnTo>
-                    <a:pt x="839231" y="3110331"/>
-                  </a:lnTo>
-                  <a:lnTo>
-                    <a:pt x="872801" y="3162879"/>
-                  </a:lnTo>
-                  <a:lnTo>
-                    <a:pt x="906370" y="3215428"/>
-                  </a:lnTo>
-                  <a:lnTo>
-                    <a:pt x="939939" y="3267976"/>
-                  </a:lnTo>
-                  <a:lnTo>
-                    <a:pt x="973508" y="3320525"/>
-                  </a:lnTo>
-                  <a:lnTo>
-                    <a:pt x="1024982" y="3286390"/>
-                  </a:lnTo>
-                  <a:lnTo>
-                    <a:pt x="1075261" y="3250518"/>
-                  </a:lnTo>
-                  <a:lnTo>
-                    <a:pt x="1124285" y="3212949"/>
-                  </a:lnTo>
-                  <a:lnTo>
-                    <a:pt x="1171997" y="3173728"/>
-                  </a:lnTo>
-                  <a:lnTo>
-                    <a:pt x="1218342" y="3132901"/>
-                  </a:lnTo>
-                  <a:lnTo>
-                    <a:pt x="1263266" y="3090515"/>
-                  </a:lnTo>
-                  <a:lnTo>
-                    <a:pt x="1306716" y="3046619"/>
-                  </a:lnTo>
-                  <a:lnTo>
-                    <a:pt x="1348642" y="3001265"/>
-                  </a:lnTo>
-                  <a:lnTo>
-                    <a:pt x="1388994" y="2954506"/>
-                  </a:lnTo>
-                  <a:lnTo>
-                    <a:pt x="1427726" y="2906396"/>
-                  </a:lnTo>
-                  <a:lnTo>
-                    <a:pt x="1464793" y="2856991"/>
-                  </a:lnTo>
-                  <a:lnTo>
-                    <a:pt x="1500151" y="2806350"/>
-                  </a:lnTo>
-                  <a:lnTo>
-                    <a:pt x="1533758" y="2754530"/>
-                  </a:lnTo>
-                  <a:lnTo>
-                    <a:pt x="1565577" y="2701593"/>
-                  </a:lnTo>
-                  <a:lnTo>
-                    <a:pt x="1595569" y="2647600"/>
-                  </a:lnTo>
-                  <a:lnTo>
-                    <a:pt x="1623699" y="2592615"/>
-                  </a:lnTo>
-                  <a:lnTo>
-                    <a:pt x="1649936" y="2536700"/>
-                  </a:lnTo>
-                  <a:lnTo>
-                    <a:pt x="1674247" y="2479923"/>
-                  </a:lnTo>
-                  <a:lnTo>
-                    <a:pt x="1696606" y="2422348"/>
-                  </a:lnTo>
-                  <a:lnTo>
-                    <a:pt x="1716985" y="2364044"/>
-                  </a:lnTo>
-                  <a:lnTo>
-                    <a:pt x="1735361" y="2305077"/>
-                  </a:lnTo>
-                  <a:lnTo>
-                    <a:pt x="1751713" y="2245517"/>
-                  </a:lnTo>
-                  <a:lnTo>
-                    <a:pt x="1766022" y="2185434"/>
-                  </a:lnTo>
-                  <a:lnTo>
-                    <a:pt x="1778270" y="2124897"/>
-                  </a:lnTo>
-                  <a:lnTo>
-                    <a:pt x="1788443" y="2063977"/>
-                  </a:lnTo>
-                  <a:lnTo>
-                    <a:pt x="1796530" y="2002745"/>
-                  </a:lnTo>
-                  <a:lnTo>
-                    <a:pt x="1802522" y="1941273"/>
-                  </a:lnTo>
-                  <a:lnTo>
-                    <a:pt x="1806410" y="1879632"/>
-                  </a:lnTo>
-                  <a:lnTo>
-                    <a:pt x="1808192" y="1817894"/>
-                  </a:lnTo>
-                  <a:lnTo>
-                    <a:pt x="1807864" y="1756131"/>
-                  </a:lnTo>
-                  <a:lnTo>
-                    <a:pt x="1805427" y="1694415"/>
-                  </a:lnTo>
-                  <a:lnTo>
-                    <a:pt x="1800883" y="1632819"/>
-                  </a:lnTo>
-                  <a:lnTo>
-                    <a:pt x="1794239" y="1571414"/>
-                  </a:lnTo>
-                  <a:lnTo>
-                    <a:pt x="1785502" y="1510271"/>
-                  </a:lnTo>
-                  <a:lnTo>
-                    <a:pt x="1774681" y="1449463"/>
-                  </a:lnTo>
-                  <a:lnTo>
-                    <a:pt x="1761791" y="1389059"/>
-                  </a:lnTo>
-                  <a:lnTo>
-                    <a:pt x="1746845" y="1329131"/>
-                  </a:lnTo>
-                  <a:lnTo>
-                    <a:pt x="1729861" y="1269749"/>
-                  </a:lnTo>
-                  <a:lnTo>
-                    <a:pt x="1710859" y="1210981"/>
-                  </a:lnTo>
-                  <a:lnTo>
-                    <a:pt x="1689862" y="1152896"/>
-                  </a:lnTo>
-                  <a:lnTo>
-                    <a:pt x="1666893" y="1095562"/>
-                  </a:lnTo>
-                  <a:lnTo>
-                    <a:pt x="1641979" y="1039046"/>
-                  </a:lnTo>
-                  <a:lnTo>
-                    <a:pt x="1615150" y="983414"/>
-                  </a:lnTo>
-                  <a:lnTo>
-                    <a:pt x="1586437" y="928730"/>
-                  </a:lnTo>
-                  <a:lnTo>
-                    <a:pt x="1555873" y="875059"/>
-                  </a:lnTo>
-                  <a:lnTo>
-                    <a:pt x="1523494" y="822463"/>
-                  </a:lnTo>
-                  <a:lnTo>
-                    <a:pt x="1489338" y="771004"/>
-                  </a:lnTo>
-                  <a:lnTo>
-                    <a:pt x="1453444" y="720740"/>
-                  </a:lnTo>
-                  <a:lnTo>
-                    <a:pt x="1415854" y="671732"/>
-                  </a:lnTo>
-                  <a:lnTo>
-                    <a:pt x="1376613" y="624037"/>
-                  </a:lnTo>
-                  <a:lnTo>
-                    <a:pt x="1335766" y="577709"/>
-                  </a:lnTo>
-                  <a:lnTo>
-                    <a:pt x="1293361" y="532803"/>
-                  </a:lnTo>
-                  <a:lnTo>
-                    <a:pt x="1249447" y="489371"/>
-                  </a:lnTo>
-                  <a:lnTo>
-                    <a:pt x="1204075" y="447465"/>
-                  </a:lnTo>
-                  <a:lnTo>
-                    <a:pt x="1157299" y="407132"/>
-                  </a:lnTo>
-                  <a:lnTo>
-                    <a:pt x="1109173" y="368421"/>
-                  </a:lnTo>
-                  <a:lnTo>
-                    <a:pt x="1059752" y="331375"/>
-                  </a:lnTo>
-                  <a:lnTo>
-                    <a:pt x="1009096" y="296039"/>
-                  </a:lnTo>
-                  <a:lnTo>
-                    <a:pt x="957262" y="262453"/>
-                  </a:lnTo>
-                  <a:lnTo>
-                    <a:pt x="904311" y="230657"/>
-                  </a:lnTo>
-                  <a:lnTo>
-                    <a:pt x="850306" y="200688"/>
-                  </a:lnTo>
-                  <a:lnTo>
-                    <a:pt x="795308" y="172581"/>
-                  </a:lnTo>
-                  <a:lnTo>
-                    <a:pt x="739383" y="146368"/>
-                  </a:lnTo>
-                  <a:lnTo>
-                    <a:pt x="682595" y="122080"/>
-                  </a:lnTo>
-                  <a:lnTo>
-                    <a:pt x="625011" y="99746"/>
-                  </a:lnTo>
-                  <a:lnTo>
-                    <a:pt x="566698" y="79392"/>
-                  </a:lnTo>
-                  <a:lnTo>
-                    <a:pt x="507724" y="61040"/>
-                  </a:lnTo>
-                  <a:lnTo>
-                    <a:pt x="448157" y="44714"/>
-                  </a:lnTo>
-                  <a:lnTo>
-                    <a:pt x="388067" y="30431"/>
-                  </a:lnTo>
-                  <a:lnTo>
-                    <a:pt x="327525" y="18209"/>
-                  </a:lnTo>
-                  <a:lnTo>
-                    <a:pt x="266601" y="8061"/>
-                  </a:lnTo>
-                  <a:lnTo>
-                    <a:pt x="205366" y="0"/>
-                  </a:lnTo>
-                  <a:lnTo>
-                    <a:pt x="198284" y="61952"/>
-                  </a:lnTo>
-                  <a:lnTo>
-                    <a:pt x="191202" y="123904"/>
-                  </a:lnTo>
-                  <a:lnTo>
-                    <a:pt x="184121" y="185857"/>
-                  </a:lnTo>
-                  <a:lnTo>
-                    <a:pt x="177039" y="247809"/>
-                  </a:lnTo>
-                  <a:lnTo>
-                    <a:pt x="169958" y="309761"/>
-                  </a:lnTo>
-                  <a:lnTo>
-                    <a:pt x="162876" y="371714"/>
-                  </a:lnTo>
-                  <a:lnTo>
-                    <a:pt x="155794" y="433666"/>
-                  </a:lnTo>
-                  <a:lnTo>
-                    <a:pt x="148713" y="495618"/>
-                  </a:lnTo>
-                  <a:lnTo>
-                    <a:pt x="141631" y="557571"/>
-                  </a:lnTo>
-                  <a:lnTo>
-                    <a:pt x="134550" y="619523"/>
-                  </a:lnTo>
-                  <a:lnTo>
-                    <a:pt x="127468" y="681475"/>
-                  </a:lnTo>
-                  <a:lnTo>
-                    <a:pt x="120387" y="743428"/>
-                  </a:lnTo>
-                  <a:lnTo>
-                    <a:pt x="113305" y="805380"/>
-                  </a:lnTo>
-                  <a:lnTo>
-                    <a:pt x="106223" y="867332"/>
-                  </a:lnTo>
-                  <a:lnTo>
-                    <a:pt x="99142" y="929285"/>
-                  </a:lnTo>
-                  <a:lnTo>
-                    <a:pt x="92060" y="991237"/>
-                  </a:lnTo>
-                  <a:lnTo>
-                    <a:pt x="84979" y="1053189"/>
-                  </a:lnTo>
-                  <a:lnTo>
-                    <a:pt x="77897" y="1115142"/>
-                  </a:lnTo>
-                  <a:lnTo>
-                    <a:pt x="70815" y="1177094"/>
-                  </a:lnTo>
-                  <a:lnTo>
-                    <a:pt x="63734" y="1239046"/>
-                  </a:lnTo>
-                  <a:lnTo>
-                    <a:pt x="56652" y="1300999"/>
-                  </a:lnTo>
-                  <a:lnTo>
-                    <a:pt x="49571" y="1362951"/>
-                  </a:lnTo>
-                  <a:lnTo>
-                    <a:pt x="42489" y="1424904"/>
-                  </a:lnTo>
-                  <a:lnTo>
-                    <a:pt x="35407" y="1486856"/>
-                  </a:lnTo>
-                  <a:lnTo>
-                    <a:pt x="28326" y="1548808"/>
-                  </a:lnTo>
-                  <a:lnTo>
-                    <a:pt x="21244" y="1610761"/>
-                  </a:lnTo>
-                  <a:lnTo>
-                    <a:pt x="14163" y="1672713"/>
-                  </a:lnTo>
-                  <a:lnTo>
-                    <a:pt x="7081" y="1734665"/>
+                    <a:pt x="6827" y="732497"/>
+                  </a:lnTo>
+                  <a:lnTo>
+                    <a:pt x="13654" y="794478"/>
+                  </a:lnTo>
+                  <a:lnTo>
+                    <a:pt x="20481" y="856459"/>
+                  </a:lnTo>
+                  <a:lnTo>
+                    <a:pt x="27308" y="918440"/>
+                  </a:lnTo>
+                  <a:lnTo>
+                    <a:pt x="34135" y="980421"/>
+                  </a:lnTo>
+                  <a:lnTo>
+                    <a:pt x="40962" y="1042401"/>
+                  </a:lnTo>
+                  <a:lnTo>
+                    <a:pt x="47789" y="1104382"/>
+                  </a:lnTo>
+                  <a:lnTo>
+                    <a:pt x="54616" y="1166363"/>
+                  </a:lnTo>
+                  <a:lnTo>
+                    <a:pt x="61444" y="1228344"/>
+                  </a:lnTo>
+                  <a:lnTo>
+                    <a:pt x="68271" y="1290325"/>
+                  </a:lnTo>
+                  <a:lnTo>
+                    <a:pt x="75098" y="1352306"/>
+                  </a:lnTo>
+                  <a:lnTo>
+                    <a:pt x="81925" y="1414287"/>
+                  </a:lnTo>
+                  <a:lnTo>
+                    <a:pt x="88752" y="1476268"/>
+                  </a:lnTo>
+                  <a:lnTo>
+                    <a:pt x="95579" y="1538249"/>
+                  </a:lnTo>
+                  <a:lnTo>
+                    <a:pt x="102406" y="1600230"/>
+                  </a:lnTo>
+                  <a:lnTo>
+                    <a:pt x="109233" y="1662211"/>
+                  </a:lnTo>
+                  <a:lnTo>
+                    <a:pt x="116060" y="1724191"/>
+                  </a:lnTo>
+                  <a:lnTo>
+                    <a:pt x="122888" y="1786172"/>
+                  </a:lnTo>
+                  <a:lnTo>
+                    <a:pt x="129715" y="1848153"/>
+                  </a:lnTo>
+                  <a:lnTo>
+                    <a:pt x="136542" y="1910134"/>
+                  </a:lnTo>
+                  <a:lnTo>
+                    <a:pt x="143369" y="1972115"/>
+                  </a:lnTo>
+                  <a:lnTo>
+                    <a:pt x="150196" y="2034096"/>
+                  </a:lnTo>
+                  <a:lnTo>
+                    <a:pt x="157023" y="2096077"/>
+                  </a:lnTo>
+                  <a:lnTo>
+                    <a:pt x="163850" y="2158058"/>
+                  </a:lnTo>
+                  <a:lnTo>
+                    <a:pt x="170677" y="2220039"/>
+                  </a:lnTo>
+                  <a:lnTo>
+                    <a:pt x="177504" y="2282020"/>
+                  </a:lnTo>
+                  <a:lnTo>
+                    <a:pt x="184332" y="2344001"/>
+                  </a:lnTo>
+                  <a:lnTo>
+                    <a:pt x="191159" y="2405981"/>
+                  </a:lnTo>
+                  <a:lnTo>
+                    <a:pt x="197986" y="2467962"/>
+                  </a:lnTo>
+                  <a:lnTo>
+                    <a:pt x="259137" y="2460170"/>
+                  </a:lnTo>
+                  <a:lnTo>
+                    <a:pt x="319987" y="2450297"/>
+                  </a:lnTo>
+                  <a:lnTo>
+                    <a:pt x="380465" y="2438356"/>
+                  </a:lnTo>
+                  <a:lnTo>
+                    <a:pt x="440501" y="2424360"/>
+                  </a:lnTo>
+                  <a:lnTo>
+                    <a:pt x="500025" y="2408327"/>
+                  </a:lnTo>
+                  <a:lnTo>
+                    <a:pt x="558968" y="2390273"/>
+                  </a:lnTo>
+                  <a:lnTo>
+                    <a:pt x="617262" y="2370222"/>
+                  </a:lnTo>
+                  <a:lnTo>
+                    <a:pt x="674838" y="2348194"/>
+                  </a:lnTo>
+                  <a:lnTo>
+                    <a:pt x="731630" y="2324218"/>
+                  </a:lnTo>
+                  <a:lnTo>
+                    <a:pt x="787571" y="2298319"/>
+                  </a:lnTo>
+                  <a:lnTo>
+                    <a:pt x="842598" y="2270529"/>
+                  </a:lnTo>
+                  <a:lnTo>
+                    <a:pt x="896645" y="2240879"/>
+                  </a:lnTo>
+                  <a:lnTo>
+                    <a:pt x="949650" y="2209404"/>
+                  </a:lnTo>
+                  <a:lnTo>
+                    <a:pt x="1001551" y="2176141"/>
+                  </a:lnTo>
+                  <a:lnTo>
+                    <a:pt x="1052289" y="2141128"/>
+                  </a:lnTo>
+                  <a:lnTo>
+                    <a:pt x="1101803" y="2104406"/>
+                  </a:lnTo>
+                  <a:lnTo>
+                    <a:pt x="1150038" y="2066018"/>
+                  </a:lnTo>
+                  <a:lnTo>
+                    <a:pt x="1196935" y="2026007"/>
+                  </a:lnTo>
+                  <a:lnTo>
+                    <a:pt x="1242442" y="1984422"/>
+                  </a:lnTo>
+                  <a:lnTo>
+                    <a:pt x="1286505" y="1941310"/>
+                  </a:lnTo>
+                  <a:lnTo>
+                    <a:pt x="1329072" y="1896721"/>
+                  </a:lnTo>
+                  <a:lnTo>
+                    <a:pt x="1370095" y="1850706"/>
+                  </a:lnTo>
+                  <a:lnTo>
+                    <a:pt x="1409526" y="1803321"/>
+                  </a:lnTo>
+                  <a:lnTo>
+                    <a:pt x="1447319" y="1754618"/>
+                  </a:lnTo>
+                  <a:lnTo>
+                    <a:pt x="1483430" y="1704656"/>
+                  </a:lnTo>
+                  <a:lnTo>
+                    <a:pt x="1517817" y="1653493"/>
+                  </a:lnTo>
+                  <a:lnTo>
+                    <a:pt x="1550440" y="1601186"/>
+                  </a:lnTo>
+                  <a:lnTo>
+                    <a:pt x="1581261" y="1547798"/>
+                  </a:lnTo>
+                  <a:lnTo>
+                    <a:pt x="1610244" y="1493391"/>
+                  </a:lnTo>
+                  <a:lnTo>
+                    <a:pt x="1637357" y="1438028"/>
+                  </a:lnTo>
+                  <a:lnTo>
+                    <a:pt x="1662566" y="1381772"/>
+                  </a:lnTo>
+                  <a:lnTo>
+                    <a:pt x="1685843" y="1324690"/>
+                  </a:lnTo>
+                  <a:lnTo>
+                    <a:pt x="1707161" y="1266847"/>
+                  </a:lnTo>
+                  <a:lnTo>
+                    <a:pt x="1726495" y="1208312"/>
+                  </a:lnTo>
+                  <a:lnTo>
+                    <a:pt x="1743823" y="1149152"/>
+                  </a:lnTo>
+                  <a:lnTo>
+                    <a:pt x="1759124" y="1089435"/>
+                  </a:lnTo>
+                  <a:lnTo>
+                    <a:pt x="1772381" y="1029232"/>
+                  </a:lnTo>
+                  <a:lnTo>
+                    <a:pt x="1783578" y="968611"/>
+                  </a:lnTo>
+                  <a:lnTo>
+                    <a:pt x="1792702" y="907644"/>
+                  </a:lnTo>
+                  <a:lnTo>
+                    <a:pt x="1799743" y="846402"/>
+                  </a:lnTo>
+                  <a:lnTo>
+                    <a:pt x="1804692" y="784955"/>
+                  </a:lnTo>
+                  <a:lnTo>
+                    <a:pt x="1807544" y="723376"/>
+                  </a:lnTo>
+                  <a:lnTo>
+                    <a:pt x="1808296" y="661734"/>
+                  </a:lnTo>
+                  <a:lnTo>
+                    <a:pt x="1806946" y="600103"/>
+                  </a:lnTo>
+                  <a:lnTo>
+                    <a:pt x="1803496" y="538554"/>
+                  </a:lnTo>
+                  <a:lnTo>
+                    <a:pt x="1797950" y="477158"/>
+                  </a:lnTo>
+                  <a:lnTo>
+                    <a:pt x="1790314" y="415987"/>
+                  </a:lnTo>
+                  <a:lnTo>
+                    <a:pt x="1780598" y="355112"/>
+                  </a:lnTo>
+                  <a:lnTo>
+                    <a:pt x="1768813" y="294603"/>
+                  </a:lnTo>
+                  <a:lnTo>
+                    <a:pt x="1754972" y="234531"/>
+                  </a:lnTo>
+                  <a:lnTo>
+                    <a:pt x="1739092" y="174966"/>
+                  </a:lnTo>
+                  <a:lnTo>
+                    <a:pt x="1721190" y="115977"/>
+                  </a:lnTo>
+                  <a:lnTo>
+                    <a:pt x="1701289" y="57632"/>
+                  </a:lnTo>
+                  <a:lnTo>
+                    <a:pt x="1679410" y="0"/>
+                  </a:lnTo>
+                  <a:lnTo>
+                    <a:pt x="1621499" y="23121"/>
+                  </a:lnTo>
+                  <a:lnTo>
+                    <a:pt x="1563589" y="46242"/>
+                  </a:lnTo>
+                  <a:lnTo>
+                    <a:pt x="1505678" y="69363"/>
+                  </a:lnTo>
+                  <a:lnTo>
+                    <a:pt x="1447767" y="92485"/>
+                  </a:lnTo>
+                  <a:lnTo>
+                    <a:pt x="1389856" y="115606"/>
+                  </a:lnTo>
+                  <a:lnTo>
+                    <a:pt x="1331946" y="138727"/>
+                  </a:lnTo>
+                  <a:lnTo>
+                    <a:pt x="1274035" y="161848"/>
+                  </a:lnTo>
+                  <a:lnTo>
+                    <a:pt x="1216124" y="184970"/>
+                  </a:lnTo>
+                  <a:lnTo>
+                    <a:pt x="1158214" y="208091"/>
+                  </a:lnTo>
+                  <a:lnTo>
+                    <a:pt x="1100303" y="231212"/>
+                  </a:lnTo>
+                  <a:lnTo>
+                    <a:pt x="1042392" y="254333"/>
+                  </a:lnTo>
+                  <a:lnTo>
+                    <a:pt x="984481" y="277455"/>
+                  </a:lnTo>
+                  <a:lnTo>
+                    <a:pt x="926571" y="300576"/>
+                  </a:lnTo>
+                  <a:lnTo>
+                    <a:pt x="868660" y="323697"/>
+                  </a:lnTo>
+                  <a:lnTo>
+                    <a:pt x="810749" y="346818"/>
+                  </a:lnTo>
+                  <a:lnTo>
+                    <a:pt x="752839" y="369940"/>
+                  </a:lnTo>
+                  <a:lnTo>
+                    <a:pt x="694928" y="393061"/>
+                  </a:lnTo>
+                  <a:lnTo>
+                    <a:pt x="637017" y="416182"/>
+                  </a:lnTo>
+                  <a:lnTo>
+                    <a:pt x="579107" y="439303"/>
+                  </a:lnTo>
+                  <a:lnTo>
+                    <a:pt x="521196" y="462425"/>
+                  </a:lnTo>
+                  <a:lnTo>
+                    <a:pt x="463285" y="485546"/>
+                  </a:lnTo>
+                  <a:lnTo>
+                    <a:pt x="405374" y="508667"/>
+                  </a:lnTo>
+                  <a:lnTo>
+                    <a:pt x="347464" y="531788"/>
+                  </a:lnTo>
+                  <a:lnTo>
+                    <a:pt x="289553" y="554910"/>
+                  </a:lnTo>
+                  <a:lnTo>
+                    <a:pt x="231642" y="578031"/>
+                  </a:lnTo>
+                  <a:lnTo>
+                    <a:pt x="173732" y="601152"/>
+                  </a:lnTo>
+                  <a:lnTo>
+                    <a:pt x="115821" y="624274"/>
+                  </a:lnTo>
+                  <a:lnTo>
+                    <a:pt x="57910" y="647395"/>
                   </a:lnTo>
                   <a:close/>
                 </a:path>
@@ -3810,513 +3852,474 @@
           </p:nvSpPr>
           <p:spPr>
             <a:xfrm>
-              <a:off x="2486441" y="1973107"/>
-              <a:ext cx="2781802" cy="3616541"/>
+              <a:off x="3217402" y="1973107"/>
+              <a:ext cx="2006153" cy="3616575"/>
             </a:xfrm>
             <a:custGeom>
               <a:avLst/>
               <a:pathLst>
-                <a:path w="2781802" h="3616541">
+                <a:path w="2006153" h="3616575">
                   <a:moveTo>
-                    <a:pt x="1808294" y="1808317"/>
+                    <a:pt x="1808167" y="1808317"/>
                   </a:moveTo>
                   <a:lnTo>
-                    <a:pt x="1808294" y="1745961"/>
-                  </a:lnTo>
-                  <a:lnTo>
-                    <a:pt x="1808294" y="1683605"/>
-                  </a:lnTo>
-                  <a:lnTo>
-                    <a:pt x="1808294" y="1621250"/>
-                  </a:lnTo>
-                  <a:lnTo>
-                    <a:pt x="1808294" y="1558894"/>
-                  </a:lnTo>
-                  <a:lnTo>
-                    <a:pt x="1808294" y="1496538"/>
-                  </a:lnTo>
-                  <a:lnTo>
-                    <a:pt x="1808294" y="1434182"/>
-                  </a:lnTo>
-                  <a:lnTo>
-                    <a:pt x="1808294" y="1371827"/>
-                  </a:lnTo>
-                  <a:lnTo>
-                    <a:pt x="1808294" y="1309471"/>
-                  </a:lnTo>
-                  <a:lnTo>
-                    <a:pt x="1808294" y="1247115"/>
-                  </a:lnTo>
-                  <a:lnTo>
-                    <a:pt x="1808294" y="1184759"/>
-                  </a:lnTo>
-                  <a:lnTo>
-                    <a:pt x="1808294" y="1122403"/>
-                  </a:lnTo>
-                  <a:lnTo>
-                    <a:pt x="1808294" y="1060048"/>
-                  </a:lnTo>
-                  <a:lnTo>
-                    <a:pt x="1808294" y="997692"/>
-                  </a:lnTo>
-                  <a:lnTo>
-                    <a:pt x="1808294" y="935336"/>
-                  </a:lnTo>
-                  <a:lnTo>
-                    <a:pt x="1808294" y="872980"/>
-                  </a:lnTo>
-                  <a:lnTo>
-                    <a:pt x="1808294" y="810625"/>
-                  </a:lnTo>
-                  <a:lnTo>
-                    <a:pt x="1808294" y="748269"/>
-                  </a:lnTo>
-                  <a:lnTo>
-                    <a:pt x="1808294" y="685913"/>
-                  </a:lnTo>
-                  <a:lnTo>
-                    <a:pt x="1808294" y="623557"/>
-                  </a:lnTo>
-                  <a:lnTo>
-                    <a:pt x="1808294" y="561201"/>
-                  </a:lnTo>
-                  <a:lnTo>
-                    <a:pt x="1808294" y="498846"/>
-                  </a:lnTo>
-                  <a:lnTo>
-                    <a:pt x="1808294" y="436490"/>
-                  </a:lnTo>
-                  <a:lnTo>
-                    <a:pt x="1808294" y="374134"/>
-                  </a:lnTo>
-                  <a:lnTo>
-                    <a:pt x="1808294" y="311778"/>
-                  </a:lnTo>
-                  <a:lnTo>
-                    <a:pt x="1808294" y="249423"/>
-                  </a:lnTo>
-                  <a:lnTo>
-                    <a:pt x="1808294" y="187067"/>
-                  </a:lnTo>
-                  <a:lnTo>
-                    <a:pt x="1808294" y="124711"/>
-                  </a:lnTo>
-                  <a:lnTo>
-                    <a:pt x="1808294" y="62355"/>
-                  </a:lnTo>
-                  <a:lnTo>
-                    <a:pt x="1808294" y="0"/>
-                  </a:lnTo>
-                  <a:lnTo>
-                    <a:pt x="1746755" y="1047"/>
-                  </a:lnTo>
-                  <a:lnTo>
-                    <a:pt x="1685288" y="4188"/>
-                  </a:lnTo>
-                  <a:lnTo>
-                    <a:pt x="1623963" y="9419"/>
-                  </a:lnTo>
-                  <a:lnTo>
-                    <a:pt x="1562852" y="16734"/>
-                  </a:lnTo>
-                  <a:lnTo>
-                    <a:pt x="1502025" y="26124"/>
-                  </a:lnTo>
-                  <a:lnTo>
-                    <a:pt x="1441553" y="37579"/>
-                  </a:lnTo>
-                  <a:lnTo>
-                    <a:pt x="1381506" y="51085"/>
-                  </a:lnTo>
-                  <a:lnTo>
-                    <a:pt x="1321953" y="66627"/>
-                  </a:lnTo>
-                  <a:lnTo>
-                    <a:pt x="1262964" y="84186"/>
-                  </a:lnTo>
-                  <a:lnTo>
-                    <a:pt x="1204606" y="103743"/>
-                  </a:lnTo>
-                  <a:lnTo>
-                    <a:pt x="1146948" y="125274"/>
-                  </a:lnTo>
-                  <a:lnTo>
-                    <a:pt x="1090056" y="148755"/>
-                  </a:lnTo>
-                  <a:lnTo>
-                    <a:pt x="1033996" y="174158"/>
-                  </a:lnTo>
-                  <a:lnTo>
-                    <a:pt x="978832" y="201455"/>
-                  </a:lnTo>
-                  <a:lnTo>
-                    <a:pt x="924630" y="230613"/>
-                  </a:lnTo>
-                  <a:lnTo>
-                    <a:pt x="871451" y="261598"/>
-                  </a:lnTo>
-                  <a:lnTo>
-                    <a:pt x="819358" y="294376"/>
-                  </a:lnTo>
-                  <a:lnTo>
-                    <a:pt x="768410" y="328907"/>
-                  </a:lnTo>
-                  <a:lnTo>
-                    <a:pt x="718667" y="365152"/>
-                  </a:lnTo>
-                  <a:lnTo>
-                    <a:pt x="670186" y="403068"/>
-                  </a:lnTo>
-                  <a:lnTo>
-                    <a:pt x="623024" y="442613"/>
-                  </a:lnTo>
-                  <a:lnTo>
-                    <a:pt x="577234" y="483740"/>
-                  </a:lnTo>
-                  <a:lnTo>
-                    <a:pt x="532871" y="526401"/>
-                  </a:lnTo>
-                  <a:lnTo>
-                    <a:pt x="489985" y="570547"/>
-                  </a:lnTo>
-                  <a:lnTo>
-                    <a:pt x="448626" y="616127"/>
-                  </a:lnTo>
-                  <a:lnTo>
-                    <a:pt x="408843" y="663088"/>
-                  </a:lnTo>
-                  <a:lnTo>
-                    <a:pt x="370680" y="711376"/>
-                  </a:lnTo>
-                  <a:lnTo>
-                    <a:pt x="334183" y="760934"/>
-                  </a:lnTo>
-                  <a:lnTo>
-                    <a:pt x="299394" y="811706"/>
-                  </a:lnTo>
-                  <a:lnTo>
-                    <a:pt x="266352" y="863632"/>
-                  </a:lnTo>
-                  <a:lnTo>
-                    <a:pt x="235097" y="916653"/>
-                  </a:lnTo>
-                  <a:lnTo>
-                    <a:pt x="205664" y="970707"/>
-                  </a:lnTo>
-                  <a:lnTo>
-                    <a:pt x="178088" y="1025730"/>
-                  </a:lnTo>
-                  <a:lnTo>
-                    <a:pt x="152400" y="1081661"/>
-                  </a:lnTo>
-                  <a:lnTo>
-                    <a:pt x="128631" y="1138433"/>
-                  </a:lnTo>
-                  <a:lnTo>
-                    <a:pt x="106807" y="1195981"/>
-                  </a:lnTo>
-                  <a:lnTo>
-                    <a:pt x="86954" y="1254239"/>
-                  </a:lnTo>
-                  <a:lnTo>
-                    <a:pt x="69095" y="1313138"/>
-                  </a:lnTo>
-                  <a:lnTo>
-                    <a:pt x="53252" y="1372612"/>
-                  </a:lnTo>
-                  <a:lnTo>
-                    <a:pt x="39441" y="1432589"/>
-                  </a:lnTo>
-                  <a:lnTo>
-                    <a:pt x="27679" y="1493002"/>
-                  </a:lnTo>
-                  <a:lnTo>
-                    <a:pt x="17980" y="1553781"/>
-                  </a:lnTo>
-                  <a:lnTo>
-                    <a:pt x="10355" y="1614854"/>
-                  </a:lnTo>
-                  <a:lnTo>
-                    <a:pt x="4812" y="1676151"/>
-                  </a:lnTo>
-                  <a:lnTo>
-                    <a:pt x="1359" y="1737602"/>
-                  </a:lnTo>
-                  <a:lnTo>
-                    <a:pt x="0" y="1799134"/>
-                  </a:lnTo>
-                  <a:lnTo>
-                    <a:pt x="734" y="1860677"/>
-                  </a:lnTo>
-                  <a:lnTo>
-                    <a:pt x="3563" y="1922159"/>
-                  </a:lnTo>
-                  <a:lnTo>
-                    <a:pt x="8483" y="1983510"/>
-                  </a:lnTo>
-                  <a:lnTo>
-                    <a:pt x="15487" y="2044657"/>
-                  </a:lnTo>
-                  <a:lnTo>
-                    <a:pt x="24568" y="2105531"/>
-                  </a:lnTo>
-                  <a:lnTo>
-                    <a:pt x="35716" y="2166060"/>
-                  </a:lnTo>
-                  <a:lnTo>
-                    <a:pt x="48917" y="2226175"/>
-                  </a:lnTo>
-                  <a:lnTo>
-                    <a:pt x="64156" y="2285806"/>
-                  </a:lnTo>
-                  <a:lnTo>
-                    <a:pt x="81416" y="2344884"/>
-                  </a:lnTo>
-                  <a:lnTo>
-                    <a:pt x="100676" y="2403340"/>
-                  </a:lnTo>
-                  <a:lnTo>
-                    <a:pt x="121914" y="2461107"/>
-                  </a:lnTo>
-                  <a:lnTo>
-                    <a:pt x="145106" y="2518118"/>
-                  </a:lnTo>
-                  <a:lnTo>
-                    <a:pt x="170224" y="2574306"/>
-                  </a:lnTo>
-                  <a:lnTo>
-                    <a:pt x="197240" y="2629608"/>
-                  </a:lnTo>
-                  <a:lnTo>
-                    <a:pt x="226122" y="2683957"/>
-                  </a:lnTo>
-                  <a:lnTo>
-                    <a:pt x="256837" y="2737293"/>
-                  </a:lnTo>
-                  <a:lnTo>
-                    <a:pt x="289350" y="2789552"/>
-                  </a:lnTo>
-                  <a:lnTo>
-                    <a:pt x="323622" y="2840674"/>
-                  </a:lnTo>
-                  <a:lnTo>
-                    <a:pt x="359614" y="2890601"/>
-                  </a:lnTo>
-                  <a:lnTo>
-                    <a:pt x="397284" y="2939274"/>
-                  </a:lnTo>
-                  <a:lnTo>
-                    <a:pt x="436588" y="2986636"/>
-                  </a:lnTo>
-                  <a:lnTo>
-                    <a:pt x="477482" y="3032634"/>
-                  </a:lnTo>
-                  <a:lnTo>
-                    <a:pt x="519917" y="3077214"/>
-                  </a:lnTo>
-                  <a:lnTo>
-                    <a:pt x="563845" y="3120323"/>
-                  </a:lnTo>
-                  <a:lnTo>
-                    <a:pt x="609215" y="3161913"/>
-                  </a:lnTo>
-                  <a:lnTo>
-                    <a:pt x="655973" y="3201934"/>
-                  </a:lnTo>
-                  <a:lnTo>
-                    <a:pt x="704066" y="3240341"/>
-                  </a:lnTo>
-                  <a:lnTo>
-                    <a:pt x="753439" y="3277090"/>
-                  </a:lnTo>
-                  <a:lnTo>
-                    <a:pt x="804033" y="3312136"/>
-                  </a:lnTo>
-                  <a:lnTo>
-                    <a:pt x="855791" y="3345441"/>
-                  </a:lnTo>
-                  <a:lnTo>
-                    <a:pt x="908652" y="3376965"/>
-                  </a:lnTo>
-                  <a:lnTo>
-                    <a:pt x="962556" y="3406672"/>
-                  </a:lnTo>
-                  <a:lnTo>
-                    <a:pt x="1017439" y="3434527"/>
-                  </a:lnTo>
-                  <a:lnTo>
-                    <a:pt x="1073238" y="3460499"/>
-                  </a:lnTo>
-                  <a:lnTo>
-                    <a:pt x="1129889" y="3484556"/>
-                  </a:lnTo>
-                  <a:lnTo>
-                    <a:pt x="1187326" y="3506672"/>
-                  </a:lnTo>
-                  <a:lnTo>
-                    <a:pt x="1245482" y="3526821"/>
-                  </a:lnTo>
-                  <a:lnTo>
-                    <a:pt x="1304290" y="3544978"/>
-                  </a:lnTo>
-                  <a:lnTo>
-                    <a:pt x="1363682" y="3561124"/>
-                  </a:lnTo>
-                  <a:lnTo>
-                    <a:pt x="1423588" y="3575239"/>
-                  </a:lnTo>
-                  <a:lnTo>
-                    <a:pt x="1483941" y="3587307"/>
-                  </a:lnTo>
-                  <a:lnTo>
-                    <a:pt x="1544669" y="3597315"/>
-                  </a:lnTo>
-                  <a:lnTo>
-                    <a:pt x="1605703" y="3605250"/>
-                  </a:lnTo>
-                  <a:lnTo>
-                    <a:pt x="1666971" y="3611104"/>
-                  </a:lnTo>
-                  <a:lnTo>
-                    <a:pt x="1728403" y="3614869"/>
-                  </a:lnTo>
-                  <a:lnTo>
-                    <a:pt x="1789928" y="3616541"/>
-                  </a:lnTo>
-                  <a:lnTo>
-                    <a:pt x="1851474" y="3616119"/>
-                  </a:lnTo>
-                  <a:lnTo>
-                    <a:pt x="1912970" y="3613602"/>
-                  </a:lnTo>
-                  <a:lnTo>
-                    <a:pt x="1974345" y="3608994"/>
-                  </a:lnTo>
-                  <a:lnTo>
-                    <a:pt x="2035527" y="3602301"/>
-                  </a:lnTo>
-                  <a:lnTo>
-                    <a:pt x="2096446" y="3593528"/>
-                  </a:lnTo>
-                  <a:lnTo>
-                    <a:pt x="2157031" y="3582688"/>
-                  </a:lnTo>
-                  <a:lnTo>
-                    <a:pt x="2217212" y="3569793"/>
-                  </a:lnTo>
-                  <a:lnTo>
-                    <a:pt x="2276920" y="3554857"/>
-                  </a:lnTo>
-                  <a:lnTo>
-                    <a:pt x="2336085" y="3537897"/>
-                  </a:lnTo>
-                  <a:lnTo>
-                    <a:pt x="2394638" y="3518934"/>
-                  </a:lnTo>
-                  <a:lnTo>
-                    <a:pt x="2452512" y="3497990"/>
-                  </a:lnTo>
-                  <a:lnTo>
-                    <a:pt x="2509640" y="3475088"/>
-                  </a:lnTo>
-                  <a:lnTo>
-                    <a:pt x="2565955" y="3450255"/>
-                  </a:lnTo>
-                  <a:lnTo>
-                    <a:pt x="2621393" y="3423520"/>
-                  </a:lnTo>
-                  <a:lnTo>
-                    <a:pt x="2675888" y="3394914"/>
-                  </a:lnTo>
-                  <a:lnTo>
-                    <a:pt x="2729379" y="3364471"/>
-                  </a:lnTo>
-                  <a:lnTo>
-                    <a:pt x="2781802" y="3332224"/>
-                  </a:lnTo>
-                  <a:lnTo>
-                    <a:pt x="2748233" y="3279675"/>
-                  </a:lnTo>
-                  <a:lnTo>
-                    <a:pt x="2714664" y="3227127"/>
-                  </a:lnTo>
-                  <a:lnTo>
-                    <a:pt x="2681095" y="3174578"/>
-                  </a:lnTo>
-                  <a:lnTo>
-                    <a:pt x="2647525" y="3122030"/>
-                  </a:lnTo>
-                  <a:lnTo>
-                    <a:pt x="2613956" y="3069481"/>
-                  </a:lnTo>
-                  <a:lnTo>
-                    <a:pt x="2580387" y="3016933"/>
-                  </a:lnTo>
-                  <a:lnTo>
-                    <a:pt x="2546818" y="2964384"/>
-                  </a:lnTo>
-                  <a:lnTo>
-                    <a:pt x="2513248" y="2911836"/>
-                  </a:lnTo>
-                  <a:lnTo>
-                    <a:pt x="2479679" y="2859287"/>
-                  </a:lnTo>
-                  <a:lnTo>
-                    <a:pt x="2446110" y="2806739"/>
-                  </a:lnTo>
-                  <a:lnTo>
-                    <a:pt x="2412540" y="2754190"/>
-                  </a:lnTo>
-                  <a:lnTo>
-                    <a:pt x="2378971" y="2701642"/>
-                  </a:lnTo>
-                  <a:lnTo>
-                    <a:pt x="2345402" y="2649093"/>
-                  </a:lnTo>
-                  <a:lnTo>
-                    <a:pt x="2311833" y="2596545"/>
-                  </a:lnTo>
-                  <a:lnTo>
-                    <a:pt x="2278263" y="2543996"/>
-                  </a:lnTo>
-                  <a:lnTo>
-                    <a:pt x="2244694" y="2491448"/>
-                  </a:lnTo>
-                  <a:lnTo>
-                    <a:pt x="2211125" y="2438899"/>
-                  </a:lnTo>
-                  <a:lnTo>
-                    <a:pt x="2177556" y="2386351"/>
-                  </a:lnTo>
-                  <a:lnTo>
-                    <a:pt x="2143986" y="2333802"/>
-                  </a:lnTo>
-                  <a:lnTo>
-                    <a:pt x="2110417" y="2281254"/>
-                  </a:lnTo>
-                  <a:lnTo>
-                    <a:pt x="2076848" y="2228705"/>
-                  </a:lnTo>
-                  <a:lnTo>
-                    <a:pt x="2043279" y="2176157"/>
-                  </a:lnTo>
-                  <a:lnTo>
-                    <a:pt x="2009709" y="2123608"/>
-                  </a:lnTo>
-                  <a:lnTo>
-                    <a:pt x="1976140" y="2071060"/>
-                  </a:lnTo>
-                  <a:lnTo>
-                    <a:pt x="1942571" y="2018511"/>
-                  </a:lnTo>
-                  <a:lnTo>
-                    <a:pt x="1909001" y="1965962"/>
-                  </a:lnTo>
-                  <a:lnTo>
-                    <a:pt x="1875432" y="1913414"/>
-                  </a:lnTo>
-                  <a:lnTo>
-                    <a:pt x="1841863" y="1860865"/>
+                    <a:pt x="1808167" y="1745961"/>
+                  </a:lnTo>
+                  <a:lnTo>
+                    <a:pt x="1808167" y="1683605"/>
+                  </a:lnTo>
+                  <a:lnTo>
+                    <a:pt x="1808167" y="1621250"/>
+                  </a:lnTo>
+                  <a:lnTo>
+                    <a:pt x="1808167" y="1558894"/>
+                  </a:lnTo>
+                  <a:lnTo>
+                    <a:pt x="1808167" y="1496538"/>
+                  </a:lnTo>
+                  <a:lnTo>
+                    <a:pt x="1808167" y="1434182"/>
+                  </a:lnTo>
+                  <a:lnTo>
+                    <a:pt x="1808167" y="1371827"/>
+                  </a:lnTo>
+                  <a:lnTo>
+                    <a:pt x="1808167" y="1309471"/>
+                  </a:lnTo>
+                  <a:lnTo>
+                    <a:pt x="1808167" y="1247115"/>
+                  </a:lnTo>
+                  <a:lnTo>
+                    <a:pt x="1808167" y="1184759"/>
+                  </a:lnTo>
+                  <a:lnTo>
+                    <a:pt x="1808167" y="1122403"/>
+                  </a:lnTo>
+                  <a:lnTo>
+                    <a:pt x="1808167" y="1060048"/>
+                  </a:lnTo>
+                  <a:lnTo>
+                    <a:pt x="1808167" y="997692"/>
+                  </a:lnTo>
+                  <a:lnTo>
+                    <a:pt x="1808167" y="935336"/>
+                  </a:lnTo>
+                  <a:lnTo>
+                    <a:pt x="1808167" y="872980"/>
+                  </a:lnTo>
+                  <a:lnTo>
+                    <a:pt x="1808167" y="810625"/>
+                  </a:lnTo>
+                  <a:lnTo>
+                    <a:pt x="1808167" y="748269"/>
+                  </a:lnTo>
+                  <a:lnTo>
+                    <a:pt x="1808167" y="685913"/>
+                  </a:lnTo>
+                  <a:lnTo>
+                    <a:pt x="1808167" y="623557"/>
+                  </a:lnTo>
+                  <a:lnTo>
+                    <a:pt x="1808167" y="561201"/>
+                  </a:lnTo>
+                  <a:lnTo>
+                    <a:pt x="1808167" y="498846"/>
+                  </a:lnTo>
+                  <a:lnTo>
+                    <a:pt x="1808167" y="436490"/>
+                  </a:lnTo>
+                  <a:lnTo>
+                    <a:pt x="1808167" y="374134"/>
+                  </a:lnTo>
+                  <a:lnTo>
+                    <a:pt x="1808167" y="311778"/>
+                  </a:lnTo>
+                  <a:lnTo>
+                    <a:pt x="1808167" y="249423"/>
+                  </a:lnTo>
+                  <a:lnTo>
+                    <a:pt x="1808167" y="187067"/>
+                  </a:lnTo>
+                  <a:lnTo>
+                    <a:pt x="1808167" y="124711"/>
+                  </a:lnTo>
+                  <a:lnTo>
+                    <a:pt x="1808167" y="62355"/>
+                  </a:lnTo>
+                  <a:lnTo>
+                    <a:pt x="1808167" y="0"/>
+                  </a:lnTo>
+                  <a:lnTo>
+                    <a:pt x="1746935" y="1036"/>
+                  </a:lnTo>
+                  <a:lnTo>
+                    <a:pt x="1685773" y="4146"/>
+                  </a:lnTo>
+                  <a:lnTo>
+                    <a:pt x="1624752" y="9325"/>
+                  </a:lnTo>
+                  <a:lnTo>
+                    <a:pt x="1563941" y="16568"/>
+                  </a:lnTo>
+                  <a:lnTo>
+                    <a:pt x="1503411" y="25865"/>
+                  </a:lnTo>
+                  <a:lnTo>
+                    <a:pt x="1443229" y="37206"/>
+                  </a:lnTo>
+                  <a:lnTo>
+                    <a:pt x="1383467" y="50579"/>
+                  </a:lnTo>
+                  <a:lnTo>
+                    <a:pt x="1324191" y="65968"/>
+                  </a:lnTo>
+                  <a:lnTo>
+                    <a:pt x="1265470" y="83355"/>
+                  </a:lnTo>
+                  <a:lnTo>
+                    <a:pt x="1207372" y="102721"/>
+                  </a:lnTo>
+                  <a:lnTo>
+                    <a:pt x="1149963" y="124043"/>
+                  </a:lnTo>
+                  <a:lnTo>
+                    <a:pt x="1093309" y="147296"/>
+                  </a:lnTo>
+                  <a:lnTo>
+                    <a:pt x="1037475" y="172455"/>
+                  </a:lnTo>
+                  <a:lnTo>
+                    <a:pt x="982525" y="199489"/>
+                  </a:lnTo>
+                  <a:lnTo>
+                    <a:pt x="928521" y="228369"/>
+                  </a:lnTo>
+                  <a:lnTo>
+                    <a:pt x="875527" y="259061"/>
+                  </a:lnTo>
+                  <a:lnTo>
+                    <a:pt x="823602" y="291530"/>
+                  </a:lnTo>
+                  <a:lnTo>
+                    <a:pt x="772806" y="325738"/>
+                  </a:lnTo>
+                  <a:lnTo>
+                    <a:pt x="723198" y="361647"/>
+                  </a:lnTo>
+                  <a:lnTo>
+                    <a:pt x="674834" y="399215"/>
+                  </a:lnTo>
+                  <a:lnTo>
+                    <a:pt x="627770" y="438399"/>
+                  </a:lnTo>
+                  <a:lnTo>
+                    <a:pt x="582060" y="479154"/>
+                  </a:lnTo>
+                  <a:lnTo>
+                    <a:pt x="537756" y="521434"/>
+                  </a:lnTo>
+                  <a:lnTo>
+                    <a:pt x="494909" y="565190"/>
+                  </a:lnTo>
+                  <a:lnTo>
+                    <a:pt x="453568" y="610371"/>
+                  </a:lnTo>
+                  <a:lnTo>
+                    <a:pt x="413781" y="656926"/>
+                  </a:lnTo>
+                  <a:lnTo>
+                    <a:pt x="375593" y="704802"/>
+                  </a:lnTo>
+                  <a:lnTo>
+                    <a:pt x="339048" y="753944"/>
+                  </a:lnTo>
+                  <a:lnTo>
+                    <a:pt x="304189" y="804294"/>
+                  </a:lnTo>
+                  <a:lnTo>
+                    <a:pt x="271054" y="855797"/>
+                  </a:lnTo>
+                  <a:lnTo>
+                    <a:pt x="239682" y="908392"/>
+                  </a:lnTo>
+                  <a:lnTo>
+                    <a:pt x="210108" y="962018"/>
+                  </a:lnTo>
+                  <a:lnTo>
+                    <a:pt x="182368" y="1016616"/>
+                  </a:lnTo>
+                  <a:lnTo>
+                    <a:pt x="156492" y="1072122"/>
+                  </a:lnTo>
+                  <a:lnTo>
+                    <a:pt x="132511" y="1128471"/>
+                  </a:lnTo>
+                  <a:lnTo>
+                    <a:pt x="110452" y="1185601"/>
+                  </a:lnTo>
+                  <a:lnTo>
+                    <a:pt x="90339" y="1243445"/>
+                  </a:lnTo>
+                  <a:lnTo>
+                    <a:pt x="72197" y="1301937"/>
+                  </a:lnTo>
+                  <a:lnTo>
+                    <a:pt x="56046" y="1361009"/>
+                  </a:lnTo>
+                  <a:lnTo>
+                    <a:pt x="41904" y="1420594"/>
+                  </a:lnTo>
+                  <a:lnTo>
+                    <a:pt x="29789" y="1480625"/>
+                  </a:lnTo>
+                  <a:lnTo>
+                    <a:pt x="19712" y="1541031"/>
+                  </a:lnTo>
+                  <a:lnTo>
+                    <a:pt x="11687" y="1601743"/>
+                  </a:lnTo>
+                  <a:lnTo>
+                    <a:pt x="5723" y="1662693"/>
+                  </a:lnTo>
+                  <a:lnTo>
+                    <a:pt x="1825" y="1723809"/>
+                  </a:lnTo>
+                  <a:lnTo>
+                    <a:pt x="0" y="1785022"/>
+                  </a:lnTo>
+                  <a:lnTo>
+                    <a:pt x="248" y="1846263"/>
+                  </a:lnTo>
+                  <a:lnTo>
+                    <a:pt x="2569" y="1907459"/>
+                  </a:lnTo>
+                  <a:lnTo>
+                    <a:pt x="6962" y="1968542"/>
+                  </a:lnTo>
+                  <a:lnTo>
+                    <a:pt x="13420" y="2029441"/>
+                  </a:lnTo>
+                  <a:lnTo>
+                    <a:pt x="21937" y="2090087"/>
+                  </a:lnTo>
+                  <a:lnTo>
+                    <a:pt x="32502" y="2150409"/>
+                  </a:lnTo>
+                  <a:lnTo>
+                    <a:pt x="45104" y="2210339"/>
+                  </a:lnTo>
+                  <a:lnTo>
+                    <a:pt x="59728" y="2269808"/>
+                  </a:lnTo>
+                  <a:lnTo>
+                    <a:pt x="76357" y="2328748"/>
+                  </a:lnTo>
+                  <a:lnTo>
+                    <a:pt x="94973" y="2387090"/>
+                  </a:lnTo>
+                  <a:lnTo>
+                    <a:pt x="115553" y="2444769"/>
+                  </a:lnTo>
+                  <a:lnTo>
+                    <a:pt x="138075" y="2501718"/>
+                  </a:lnTo>
+                  <a:lnTo>
+                    <a:pt x="162512" y="2557872"/>
+                  </a:lnTo>
+                  <a:lnTo>
+                    <a:pt x="188837" y="2613166"/>
+                  </a:lnTo>
+                  <a:lnTo>
+                    <a:pt x="217019" y="2667537"/>
+                  </a:lnTo>
+                  <a:lnTo>
+                    <a:pt x="247025" y="2720923"/>
+                  </a:lnTo>
+                  <a:lnTo>
+                    <a:pt x="278823" y="2773261"/>
+                  </a:lnTo>
+                  <a:lnTo>
+                    <a:pt x="312374" y="2824493"/>
+                  </a:lnTo>
+                  <a:lnTo>
+                    <a:pt x="347640" y="2874560"/>
+                  </a:lnTo>
+                  <a:lnTo>
+                    <a:pt x="384582" y="2923404"/>
+                  </a:lnTo>
+                  <a:lnTo>
+                    <a:pt x="423157" y="2970969"/>
+                  </a:lnTo>
+                  <a:lnTo>
+                    <a:pt x="463320" y="3017200"/>
+                  </a:lnTo>
+                  <a:lnTo>
+                    <a:pt x="505025" y="3062045"/>
+                  </a:lnTo>
+                  <a:lnTo>
+                    <a:pt x="548226" y="3105452"/>
+                  </a:lnTo>
+                  <a:lnTo>
+                    <a:pt x="592871" y="3147371"/>
+                  </a:lnTo>
+                  <a:lnTo>
+                    <a:pt x="638910" y="3187755"/>
+                  </a:lnTo>
+                  <a:lnTo>
+                    <a:pt x="686290" y="3226556"/>
+                  </a:lnTo>
+                  <a:lnTo>
+                    <a:pt x="734956" y="3263731"/>
+                  </a:lnTo>
+                  <a:lnTo>
+                    <a:pt x="784854" y="3299237"/>
+                  </a:lnTo>
+                  <a:lnTo>
+                    <a:pt x="835925" y="3333033"/>
+                  </a:lnTo>
+                  <a:lnTo>
+                    <a:pt x="888111" y="3365079"/>
+                  </a:lnTo>
+                  <a:lnTo>
+                    <a:pt x="941353" y="3395341"/>
+                  </a:lnTo>
+                  <a:lnTo>
+                    <a:pt x="995588" y="3423782"/>
+                  </a:lnTo>
+                  <a:lnTo>
+                    <a:pt x="1050756" y="3450371"/>
+                  </a:lnTo>
+                  <a:lnTo>
+                    <a:pt x="1106792" y="3475076"/>
+                  </a:lnTo>
+                  <a:lnTo>
+                    <a:pt x="1163633" y="3497870"/>
+                  </a:lnTo>
+                  <a:lnTo>
+                    <a:pt x="1221213" y="3518725"/>
+                  </a:lnTo>
+                  <a:lnTo>
+                    <a:pt x="1279466" y="3537620"/>
+                  </a:lnTo>
+                  <a:lnTo>
+                    <a:pt x="1338326" y="3554530"/>
+                  </a:lnTo>
+                  <a:lnTo>
+                    <a:pt x="1397724" y="3569438"/>
+                  </a:lnTo>
+                  <a:lnTo>
+                    <a:pt x="1457593" y="3582326"/>
+                  </a:lnTo>
+                  <a:lnTo>
+                    <a:pt x="1517864" y="3593180"/>
+                  </a:lnTo>
+                  <a:lnTo>
+                    <a:pt x="1578468" y="3601987"/>
+                  </a:lnTo>
+                  <a:lnTo>
+                    <a:pt x="1639336" y="3608736"/>
+                  </a:lnTo>
+                  <a:lnTo>
+                    <a:pt x="1700397" y="3613420"/>
+                  </a:lnTo>
+                  <a:lnTo>
+                    <a:pt x="1761582" y="3616034"/>
+                  </a:lnTo>
+                  <a:lnTo>
+                    <a:pt x="1822820" y="3616575"/>
+                  </a:lnTo>
+                  <a:lnTo>
+                    <a:pt x="1884042" y="3615042"/>
+                  </a:lnTo>
+                  <a:lnTo>
+                    <a:pt x="1945176" y="3611437"/>
+                  </a:lnTo>
+                  <a:lnTo>
+                    <a:pt x="2006153" y="3605763"/>
+                  </a:lnTo>
+                  <a:lnTo>
+                    <a:pt x="1999326" y="3543782"/>
+                  </a:lnTo>
+                  <a:lnTo>
+                    <a:pt x="1992499" y="3481801"/>
+                  </a:lnTo>
+                  <a:lnTo>
+                    <a:pt x="1985672" y="3419821"/>
+                  </a:lnTo>
+                  <a:lnTo>
+                    <a:pt x="1978845" y="3357840"/>
+                  </a:lnTo>
+                  <a:lnTo>
+                    <a:pt x="1972018" y="3295859"/>
+                  </a:lnTo>
+                  <a:lnTo>
+                    <a:pt x="1965191" y="3233878"/>
+                  </a:lnTo>
+                  <a:lnTo>
+                    <a:pt x="1958363" y="3171897"/>
+                  </a:lnTo>
+                  <a:lnTo>
+                    <a:pt x="1951536" y="3109916"/>
+                  </a:lnTo>
+                  <a:lnTo>
+                    <a:pt x="1944709" y="3047935"/>
+                  </a:lnTo>
+                  <a:lnTo>
+                    <a:pt x="1937882" y="2985954"/>
+                  </a:lnTo>
+                  <a:lnTo>
+                    <a:pt x="1931055" y="2923973"/>
+                  </a:lnTo>
+                  <a:lnTo>
+                    <a:pt x="1924228" y="2861992"/>
+                  </a:lnTo>
+                  <a:lnTo>
+                    <a:pt x="1917401" y="2800011"/>
+                  </a:lnTo>
+                  <a:lnTo>
+                    <a:pt x="1910574" y="2738031"/>
+                  </a:lnTo>
+                  <a:lnTo>
+                    <a:pt x="1903746" y="2676050"/>
+                  </a:lnTo>
+                  <a:lnTo>
+                    <a:pt x="1896919" y="2614069"/>
+                  </a:lnTo>
+                  <a:lnTo>
+                    <a:pt x="1890092" y="2552088"/>
+                  </a:lnTo>
+                  <a:lnTo>
+                    <a:pt x="1883265" y="2490107"/>
+                  </a:lnTo>
+                  <a:lnTo>
+                    <a:pt x="1876438" y="2428126"/>
+                  </a:lnTo>
+                  <a:lnTo>
+                    <a:pt x="1869611" y="2366145"/>
+                  </a:lnTo>
+                  <a:lnTo>
+                    <a:pt x="1862784" y="2304164"/>
+                  </a:lnTo>
+                  <a:lnTo>
+                    <a:pt x="1855957" y="2242183"/>
+                  </a:lnTo>
+                  <a:lnTo>
+                    <a:pt x="1849130" y="2180202"/>
+                  </a:lnTo>
+                  <a:lnTo>
+                    <a:pt x="1842302" y="2118221"/>
+                  </a:lnTo>
+                  <a:lnTo>
+                    <a:pt x="1835475" y="2056241"/>
+                  </a:lnTo>
+                  <a:lnTo>
+                    <a:pt x="1828648" y="1994260"/>
+                  </a:lnTo>
+                  <a:lnTo>
+                    <a:pt x="1821821" y="1932279"/>
+                  </a:lnTo>
+                  <a:lnTo>
+                    <a:pt x="1814994" y="1870298"/>
                   </a:lnTo>
                   <a:close/>
                 </a:path>
@@ -4351,8 +4354,8 @@
           </p:nvSpPr>
           <p:spPr>
             <a:xfrm>
-              <a:off x="4190994" y="2817462"/>
-              <a:ext cx="329449" cy="109040"/>
+              <a:off x="5397619" y="2971615"/>
+              <a:ext cx="289291" cy="109040"/>
             </a:xfrm>
             <a:prstGeom prst="rect">
               <a:avLst/>
@@ -4384,7 +4387,7 @@
                   <a:latin typeface="Arial"/>
                   <a:cs typeface="Arial"/>
                 </a:rPr>
-                <a:t>1.8%</a:t>
+                <a:t>19%</a:t>
               </a:r>
             </a:p>
           </p:txBody>
@@ -4397,7 +4400,7 @@
           </p:nvSpPr>
           <p:spPr>
             <a:xfrm>
-              <a:off x="4980272" y="3516378"/>
+              <a:off x="5605430" y="4185492"/>
               <a:ext cx="409835" cy="109040"/>
             </a:xfrm>
             <a:prstGeom prst="rect">
@@ -4430,7 +4433,7 @@
                   <a:latin typeface="Arial"/>
                   <a:cs typeface="Arial"/>
                 </a:rPr>
-                <a:t>39.1%</a:t>
+                <a:t>29.3%</a:t>
               </a:r>
             </a:p>
           </p:txBody>
@@ -4443,7 +4446,53 @@
           </p:nvSpPr>
           <p:spPr>
             <a:xfrm>
-              <a:off x="3291768" y="3973708"/>
+              <a:off x="3927411" y="3769728"/>
+              <a:ext cx="409835" cy="109040"/>
+            </a:xfrm>
+            <a:prstGeom prst="rect">
+              <a:avLst/>
+            </a:prstGeom>
+            <a:noFill/>
+          </p:spPr>
+          <p:txBody>
+            <a:bodyPr lIns="0" rIns="0" tIns="0" bIns="0" anchorCtr="1" anchor="ctr" wrap="none"/>
+            <a:lstStyle/>
+            <a:p>
+              <a:pPr algn="l" marL="0" marR="0" indent="0">
+                <a:lnSpc>
+                  <a:spcPts val="1138"/>
+                </a:lnSpc>
+                <a:spcBef>
+                  <a:spcPts val="0"/>
+                </a:spcBef>
+                <a:spcAft>
+                  <a:spcPts val="0"/>
+                </a:spcAft>
+              </a:pPr>
+              <a:r>
+                <a:rPr sz="1138">
+                  <a:solidFill>
+                    <a:srgbClr val="FFFFFF">
+                      <a:alpha val="100000"/>
+                    </a:srgbClr>
+                  </a:solidFill>
+                  <a:latin typeface="Arial"/>
+                  <a:cs typeface="Arial"/>
+                </a:rPr>
+                <a:t>51.7%</a:t>
+              </a:r>
+            </a:p>
+          </p:txBody>
+        </p:sp>
+        <p:sp>
+          <p:nvSpPr>
+            <p:cNvPr id="10" name="tx10"/>
+            <p:cNvSpPr/>
+            <p:nvPr/>
+          </p:nvSpPr>
+          <p:spPr>
+            <a:xfrm>
+              <a:off x="5395377" y="2968259"/>
               <a:ext cx="289291" cy="109040"/>
             </a:xfrm>
             <a:prstGeom prst="rect">
@@ -4476,53 +4525,7 @@
                   <a:latin typeface="Arial"/>
                   <a:cs typeface="Arial"/>
                 </a:rPr>
-                <a:t>59%</a:t>
-              </a:r>
-            </a:p>
-          </p:txBody>
-        </p:sp>
-        <p:sp>
-          <p:nvSpPr>
-            <p:cNvPr id="10" name="tx10"/>
-            <p:cNvSpPr/>
-            <p:nvPr/>
-          </p:nvSpPr>
-          <p:spPr>
-            <a:xfrm>
-              <a:off x="4188751" y="2814105"/>
-              <a:ext cx="329449" cy="109040"/>
-            </a:xfrm>
-            <a:prstGeom prst="rect">
-              <a:avLst/>
-            </a:prstGeom>
-            <a:noFill/>
-          </p:spPr>
-          <p:txBody>
-            <a:bodyPr lIns="0" rIns="0" tIns="0" bIns="0" anchorCtr="1" anchor="ctr" wrap="none"/>
-            <a:lstStyle/>
-            <a:p>
-              <a:pPr algn="l" marL="0" marR="0" indent="0">
-                <a:lnSpc>
-                  <a:spcPts val="1138"/>
-                </a:lnSpc>
-                <a:spcBef>
-                  <a:spcPts val="0"/>
-                </a:spcBef>
-                <a:spcAft>
-                  <a:spcPts val="0"/>
-                </a:spcAft>
-              </a:pPr>
-              <a:r>
-                <a:rPr sz="1138">
-                  <a:solidFill>
-                    <a:srgbClr val="FFFFFF">
-                      <a:alpha val="100000"/>
-                    </a:srgbClr>
-                  </a:solidFill>
-                  <a:latin typeface="Arial"/>
-                  <a:cs typeface="Arial"/>
-                </a:rPr>
-                <a:t>1.8%</a:t>
+                <a:t>19%</a:t>
               </a:r>
             </a:p>
           </p:txBody>
@@ -4535,7 +4538,7 @@
           </p:nvSpPr>
           <p:spPr>
             <a:xfrm>
-              <a:off x="4978029" y="3513022"/>
+              <a:off x="5603187" y="4182136"/>
               <a:ext cx="409835" cy="109040"/>
             </a:xfrm>
             <a:prstGeom prst="rect">
@@ -4568,7 +4571,7 @@
                   <a:latin typeface="Arial"/>
                   <a:cs typeface="Arial"/>
                 </a:rPr>
-                <a:t>39.1%</a:t>
+                <a:t>29.3%</a:t>
               </a:r>
             </a:p>
           </p:txBody>
@@ -4581,7 +4584,53 @@
           </p:nvSpPr>
           <p:spPr>
             <a:xfrm>
-              <a:off x="3289526" y="3970351"/>
+              <a:off x="3925169" y="3766372"/>
+              <a:ext cx="409835" cy="109040"/>
+            </a:xfrm>
+            <a:prstGeom prst="rect">
+              <a:avLst/>
+            </a:prstGeom>
+            <a:noFill/>
+          </p:spPr>
+          <p:txBody>
+            <a:bodyPr lIns="0" rIns="0" tIns="0" bIns="0" anchorCtr="1" anchor="ctr" wrap="none"/>
+            <a:lstStyle/>
+            <a:p>
+              <a:pPr algn="l" marL="0" marR="0" indent="0">
+                <a:lnSpc>
+                  <a:spcPts val="1138"/>
+                </a:lnSpc>
+                <a:spcBef>
+                  <a:spcPts val="0"/>
+                </a:spcBef>
+                <a:spcAft>
+                  <a:spcPts val="0"/>
+                </a:spcAft>
+              </a:pPr>
+              <a:r>
+                <a:rPr sz="1138">
+                  <a:solidFill>
+                    <a:srgbClr val="FFFFFF">
+                      <a:alpha val="100000"/>
+                    </a:srgbClr>
+                  </a:solidFill>
+                  <a:latin typeface="Arial"/>
+                  <a:cs typeface="Arial"/>
+                </a:rPr>
+                <a:t>51.7%</a:t>
+              </a:r>
+            </a:p>
+          </p:txBody>
+        </p:sp>
+        <p:sp>
+          <p:nvSpPr>
+            <p:cNvPr id="13" name="tx13"/>
+            <p:cNvSpPr/>
+            <p:nvPr/>
+          </p:nvSpPr>
+          <p:spPr>
+            <a:xfrm>
+              <a:off x="5392020" y="2966016"/>
               <a:ext cx="289291" cy="109040"/>
             </a:xfrm>
             <a:prstGeom prst="rect">
@@ -4614,53 +4663,7 @@
                   <a:latin typeface="Arial"/>
                   <a:cs typeface="Arial"/>
                 </a:rPr>
-                <a:t>59%</a:t>
-              </a:r>
-            </a:p>
-          </p:txBody>
-        </p:sp>
-        <p:sp>
-          <p:nvSpPr>
-            <p:cNvPr id="13" name="tx13"/>
-            <p:cNvSpPr/>
-            <p:nvPr/>
-          </p:nvSpPr>
-          <p:spPr>
-            <a:xfrm>
-              <a:off x="4185394" y="2811863"/>
-              <a:ext cx="329449" cy="109040"/>
-            </a:xfrm>
-            <a:prstGeom prst="rect">
-              <a:avLst/>
-            </a:prstGeom>
-            <a:noFill/>
-          </p:spPr>
-          <p:txBody>
-            <a:bodyPr lIns="0" rIns="0" tIns="0" bIns="0" anchorCtr="1" anchor="ctr" wrap="none"/>
-            <a:lstStyle/>
-            <a:p>
-              <a:pPr algn="l" marL="0" marR="0" indent="0">
-                <a:lnSpc>
-                  <a:spcPts val="1138"/>
-                </a:lnSpc>
-                <a:spcBef>
-                  <a:spcPts val="0"/>
-                </a:spcBef>
-                <a:spcAft>
-                  <a:spcPts val="0"/>
-                </a:spcAft>
-              </a:pPr>
-              <a:r>
-                <a:rPr sz="1138">
-                  <a:solidFill>
-                    <a:srgbClr val="FFFFFF">
-                      <a:alpha val="100000"/>
-                    </a:srgbClr>
-                  </a:solidFill>
-                  <a:latin typeface="Arial"/>
-                  <a:cs typeface="Arial"/>
-                </a:rPr>
-                <a:t>1.8%</a:t>
+                <a:t>19%</a:t>
               </a:r>
             </a:p>
           </p:txBody>
@@ -4673,7 +4676,7 @@
           </p:nvSpPr>
           <p:spPr>
             <a:xfrm>
-              <a:off x="4974672" y="3510779"/>
+              <a:off x="5599831" y="4179893"/>
               <a:ext cx="409835" cy="109040"/>
             </a:xfrm>
             <a:prstGeom prst="rect">
@@ -4706,7 +4709,7 @@
                   <a:latin typeface="Arial"/>
                   <a:cs typeface="Arial"/>
                 </a:rPr>
-                <a:t>39.1%</a:t>
+                <a:t>29.3%</a:t>
               </a:r>
             </a:p>
           </p:txBody>
@@ -4719,7 +4722,53 @@
           </p:nvSpPr>
           <p:spPr>
             <a:xfrm>
-              <a:off x="3286169" y="3968109"/>
+              <a:off x="3921812" y="3764129"/>
+              <a:ext cx="409835" cy="109040"/>
+            </a:xfrm>
+            <a:prstGeom prst="rect">
+              <a:avLst/>
+            </a:prstGeom>
+            <a:noFill/>
+          </p:spPr>
+          <p:txBody>
+            <a:bodyPr lIns="0" rIns="0" tIns="0" bIns="0" anchorCtr="1" anchor="ctr" wrap="none"/>
+            <a:lstStyle/>
+            <a:p>
+              <a:pPr algn="l" marL="0" marR="0" indent="0">
+                <a:lnSpc>
+                  <a:spcPts val="1138"/>
+                </a:lnSpc>
+                <a:spcBef>
+                  <a:spcPts val="0"/>
+                </a:spcBef>
+                <a:spcAft>
+                  <a:spcPts val="0"/>
+                </a:spcAft>
+              </a:pPr>
+              <a:r>
+                <a:rPr sz="1138">
+                  <a:solidFill>
+                    <a:srgbClr val="FFFFFF">
+                      <a:alpha val="100000"/>
+                    </a:srgbClr>
+                  </a:solidFill>
+                  <a:latin typeface="Arial"/>
+                  <a:cs typeface="Arial"/>
+                </a:rPr>
+                <a:t>51.7%</a:t>
+              </a:r>
+            </a:p>
+          </p:txBody>
+        </p:sp>
+        <p:sp>
+          <p:nvSpPr>
+            <p:cNvPr id="16" name="tx16"/>
+            <p:cNvSpPr/>
+            <p:nvPr/>
+          </p:nvSpPr>
+          <p:spPr>
+            <a:xfrm>
+              <a:off x="5388061" y="2965228"/>
               <a:ext cx="289291" cy="109040"/>
             </a:xfrm>
             <a:prstGeom prst="rect">
@@ -4752,53 +4801,7 @@
                   <a:latin typeface="Arial"/>
                   <a:cs typeface="Arial"/>
                 </a:rPr>
-                <a:t>59%</a:t>
-              </a:r>
-            </a:p>
-          </p:txBody>
-        </p:sp>
-        <p:sp>
-          <p:nvSpPr>
-            <p:cNvPr id="16" name="tx16"/>
-            <p:cNvSpPr/>
-            <p:nvPr/>
-          </p:nvSpPr>
-          <p:spPr>
-            <a:xfrm>
-              <a:off x="4181435" y="2811075"/>
-              <a:ext cx="329449" cy="109040"/>
-            </a:xfrm>
-            <a:prstGeom prst="rect">
-              <a:avLst/>
-            </a:prstGeom>
-            <a:noFill/>
-          </p:spPr>
-          <p:txBody>
-            <a:bodyPr lIns="0" rIns="0" tIns="0" bIns="0" anchorCtr="1" anchor="ctr" wrap="none"/>
-            <a:lstStyle/>
-            <a:p>
-              <a:pPr algn="l" marL="0" marR="0" indent="0">
-                <a:lnSpc>
-                  <a:spcPts val="1138"/>
-                </a:lnSpc>
-                <a:spcBef>
-                  <a:spcPts val="0"/>
-                </a:spcBef>
-                <a:spcAft>
-                  <a:spcPts val="0"/>
-                </a:spcAft>
-              </a:pPr>
-              <a:r>
-                <a:rPr sz="1138">
-                  <a:solidFill>
-                    <a:srgbClr val="FFFFFF">
-                      <a:alpha val="100000"/>
-                    </a:srgbClr>
-                  </a:solidFill>
-                  <a:latin typeface="Arial"/>
-                  <a:cs typeface="Arial"/>
-                </a:rPr>
-                <a:t>1.8%</a:t>
+                <a:t>19%</a:t>
               </a:r>
             </a:p>
           </p:txBody>
@@ -4811,7 +4814,7 @@
           </p:nvSpPr>
           <p:spPr>
             <a:xfrm>
-              <a:off x="4970713" y="3509991"/>
+              <a:off x="5595871" y="4179105"/>
               <a:ext cx="409835" cy="109040"/>
             </a:xfrm>
             <a:prstGeom prst="rect">
@@ -4844,7 +4847,7 @@
                   <a:latin typeface="Arial"/>
                   <a:cs typeface="Arial"/>
                 </a:rPr>
-                <a:t>39.1%</a:t>
+                <a:t>29.3%</a:t>
               </a:r>
             </a:p>
           </p:txBody>
@@ -4857,7 +4860,53 @@
           </p:nvSpPr>
           <p:spPr>
             <a:xfrm>
-              <a:off x="3282210" y="3967321"/>
+              <a:off x="3917852" y="3763341"/>
+              <a:ext cx="409835" cy="109040"/>
+            </a:xfrm>
+            <a:prstGeom prst="rect">
+              <a:avLst/>
+            </a:prstGeom>
+            <a:noFill/>
+          </p:spPr>
+          <p:txBody>
+            <a:bodyPr lIns="0" rIns="0" tIns="0" bIns="0" anchorCtr="1" anchor="ctr" wrap="none"/>
+            <a:lstStyle/>
+            <a:p>
+              <a:pPr algn="l" marL="0" marR="0" indent="0">
+                <a:lnSpc>
+                  <a:spcPts val="1138"/>
+                </a:lnSpc>
+                <a:spcBef>
+                  <a:spcPts val="0"/>
+                </a:spcBef>
+                <a:spcAft>
+                  <a:spcPts val="0"/>
+                </a:spcAft>
+              </a:pPr>
+              <a:r>
+                <a:rPr sz="1138">
+                  <a:solidFill>
+                    <a:srgbClr val="FFFFFF">
+                      <a:alpha val="100000"/>
+                    </a:srgbClr>
+                  </a:solidFill>
+                  <a:latin typeface="Arial"/>
+                  <a:cs typeface="Arial"/>
+                </a:rPr>
+                <a:t>51.7%</a:t>
+              </a:r>
+            </a:p>
+          </p:txBody>
+        </p:sp>
+        <p:sp>
+          <p:nvSpPr>
+            <p:cNvPr id="19" name="tx19"/>
+            <p:cNvSpPr/>
+            <p:nvPr/>
+          </p:nvSpPr>
+          <p:spPr>
+            <a:xfrm>
+              <a:off x="5384101" y="2966016"/>
               <a:ext cx="289291" cy="109040"/>
             </a:xfrm>
             <a:prstGeom prst="rect">
@@ -4890,53 +4939,7 @@
                   <a:latin typeface="Arial"/>
                   <a:cs typeface="Arial"/>
                 </a:rPr>
-                <a:t>59%</a:t>
-              </a:r>
-            </a:p>
-          </p:txBody>
-        </p:sp>
-        <p:sp>
-          <p:nvSpPr>
-            <p:cNvPr id="19" name="tx19"/>
-            <p:cNvSpPr/>
-            <p:nvPr/>
-          </p:nvSpPr>
-          <p:spPr>
-            <a:xfrm>
-              <a:off x="4177476" y="2811863"/>
-              <a:ext cx="329449" cy="109040"/>
-            </a:xfrm>
-            <a:prstGeom prst="rect">
-              <a:avLst/>
-            </a:prstGeom>
-            <a:noFill/>
-          </p:spPr>
-          <p:txBody>
-            <a:bodyPr lIns="0" rIns="0" tIns="0" bIns="0" anchorCtr="1" anchor="ctr" wrap="none"/>
-            <a:lstStyle/>
-            <a:p>
-              <a:pPr algn="l" marL="0" marR="0" indent="0">
-                <a:lnSpc>
-                  <a:spcPts val="1138"/>
-                </a:lnSpc>
-                <a:spcBef>
-                  <a:spcPts val="0"/>
-                </a:spcBef>
-                <a:spcAft>
-                  <a:spcPts val="0"/>
-                </a:spcAft>
-              </a:pPr>
-              <a:r>
-                <a:rPr sz="1138">
-                  <a:solidFill>
-                    <a:srgbClr val="FFFFFF">
-                      <a:alpha val="100000"/>
-                    </a:srgbClr>
-                  </a:solidFill>
-                  <a:latin typeface="Arial"/>
-                  <a:cs typeface="Arial"/>
-                </a:rPr>
-                <a:t>1.8%</a:t>
+                <a:t>19%</a:t>
               </a:r>
             </a:p>
           </p:txBody>
@@ -4949,7 +4952,7 @@
           </p:nvSpPr>
           <p:spPr>
             <a:xfrm>
-              <a:off x="4966753" y="3510779"/>
+              <a:off x="5591912" y="4179893"/>
               <a:ext cx="409835" cy="109040"/>
             </a:xfrm>
             <a:prstGeom prst="rect">
@@ -4982,7 +4985,7 @@
                   <a:latin typeface="Arial"/>
                   <a:cs typeface="Arial"/>
                 </a:rPr>
-                <a:t>39.1%</a:t>
+                <a:t>29.3%</a:t>
               </a:r>
             </a:p>
           </p:txBody>
@@ -4995,7 +4998,53 @@
           </p:nvSpPr>
           <p:spPr>
             <a:xfrm>
-              <a:off x="3278250" y="3968109"/>
+              <a:off x="3913893" y="3764129"/>
+              <a:ext cx="409835" cy="109040"/>
+            </a:xfrm>
+            <a:prstGeom prst="rect">
+              <a:avLst/>
+            </a:prstGeom>
+            <a:noFill/>
+          </p:spPr>
+          <p:txBody>
+            <a:bodyPr lIns="0" rIns="0" tIns="0" bIns="0" anchorCtr="1" anchor="ctr" wrap="none"/>
+            <a:lstStyle/>
+            <a:p>
+              <a:pPr algn="l" marL="0" marR="0" indent="0">
+                <a:lnSpc>
+                  <a:spcPts val="1138"/>
+                </a:lnSpc>
+                <a:spcBef>
+                  <a:spcPts val="0"/>
+                </a:spcBef>
+                <a:spcAft>
+                  <a:spcPts val="0"/>
+                </a:spcAft>
+              </a:pPr>
+              <a:r>
+                <a:rPr sz="1138">
+                  <a:solidFill>
+                    <a:srgbClr val="FFFFFF">
+                      <a:alpha val="100000"/>
+                    </a:srgbClr>
+                  </a:solidFill>
+                  <a:latin typeface="Arial"/>
+                  <a:cs typeface="Arial"/>
+                </a:rPr>
+                <a:t>51.7%</a:t>
+              </a:r>
+            </a:p>
+          </p:txBody>
+        </p:sp>
+        <p:sp>
+          <p:nvSpPr>
+            <p:cNvPr id="22" name="tx22"/>
+            <p:cNvSpPr/>
+            <p:nvPr/>
+          </p:nvSpPr>
+          <p:spPr>
+            <a:xfrm>
+              <a:off x="5380744" y="2968259"/>
               <a:ext cx="289291" cy="109040"/>
             </a:xfrm>
             <a:prstGeom prst="rect">
@@ -5028,53 +5077,7 @@
                   <a:latin typeface="Arial"/>
                   <a:cs typeface="Arial"/>
                 </a:rPr>
-                <a:t>59%</a:t>
-              </a:r>
-            </a:p>
-          </p:txBody>
-        </p:sp>
-        <p:sp>
-          <p:nvSpPr>
-            <p:cNvPr id="22" name="tx22"/>
-            <p:cNvSpPr/>
-            <p:nvPr/>
-          </p:nvSpPr>
-          <p:spPr>
-            <a:xfrm>
-              <a:off x="4174119" y="2814105"/>
-              <a:ext cx="329449" cy="109040"/>
-            </a:xfrm>
-            <a:prstGeom prst="rect">
-              <a:avLst/>
-            </a:prstGeom>
-            <a:noFill/>
-          </p:spPr>
-          <p:txBody>
-            <a:bodyPr lIns="0" rIns="0" tIns="0" bIns="0" anchorCtr="1" anchor="ctr" wrap="none"/>
-            <a:lstStyle/>
-            <a:p>
-              <a:pPr algn="l" marL="0" marR="0" indent="0">
-                <a:lnSpc>
-                  <a:spcPts val="1138"/>
-                </a:lnSpc>
-                <a:spcBef>
-                  <a:spcPts val="0"/>
-                </a:spcBef>
-                <a:spcAft>
-                  <a:spcPts val="0"/>
-                </a:spcAft>
-              </a:pPr>
-              <a:r>
-                <a:rPr sz="1138">
-                  <a:solidFill>
-                    <a:srgbClr val="FFFFFF">
-                      <a:alpha val="100000"/>
-                    </a:srgbClr>
-                  </a:solidFill>
-                  <a:latin typeface="Arial"/>
-                  <a:cs typeface="Arial"/>
-                </a:rPr>
-                <a:t>1.8%</a:t>
+                <a:t>19%</a:t>
               </a:r>
             </a:p>
           </p:txBody>
@@ -5087,7 +5090,7 @@
           </p:nvSpPr>
           <p:spPr>
             <a:xfrm>
-              <a:off x="4963397" y="3513022"/>
+              <a:off x="5588555" y="4182136"/>
               <a:ext cx="409835" cy="109040"/>
             </a:xfrm>
             <a:prstGeom prst="rect">
@@ -5120,7 +5123,7 @@
                   <a:latin typeface="Arial"/>
                   <a:cs typeface="Arial"/>
                 </a:rPr>
-                <a:t>39.1%</a:t>
+                <a:t>29.3%</a:t>
               </a:r>
             </a:p>
           </p:txBody>
@@ -5133,7 +5136,53 @@
           </p:nvSpPr>
           <p:spPr>
             <a:xfrm>
-              <a:off x="3274893" y="3970351"/>
+              <a:off x="3910536" y="3766372"/>
+              <a:ext cx="409835" cy="109040"/>
+            </a:xfrm>
+            <a:prstGeom prst="rect">
+              <a:avLst/>
+            </a:prstGeom>
+            <a:noFill/>
+          </p:spPr>
+          <p:txBody>
+            <a:bodyPr lIns="0" rIns="0" tIns="0" bIns="0" anchorCtr="1" anchor="ctr" wrap="none"/>
+            <a:lstStyle/>
+            <a:p>
+              <a:pPr algn="l" marL="0" marR="0" indent="0">
+                <a:lnSpc>
+                  <a:spcPts val="1138"/>
+                </a:lnSpc>
+                <a:spcBef>
+                  <a:spcPts val="0"/>
+                </a:spcBef>
+                <a:spcAft>
+                  <a:spcPts val="0"/>
+                </a:spcAft>
+              </a:pPr>
+              <a:r>
+                <a:rPr sz="1138">
+                  <a:solidFill>
+                    <a:srgbClr val="FFFFFF">
+                      <a:alpha val="100000"/>
+                    </a:srgbClr>
+                  </a:solidFill>
+                  <a:latin typeface="Arial"/>
+                  <a:cs typeface="Arial"/>
+                </a:rPr>
+                <a:t>51.7%</a:t>
+              </a:r>
+            </a:p>
+          </p:txBody>
+        </p:sp>
+        <p:sp>
+          <p:nvSpPr>
+            <p:cNvPr id="25" name="tx25"/>
+            <p:cNvSpPr/>
+            <p:nvPr/>
+          </p:nvSpPr>
+          <p:spPr>
+            <a:xfrm>
+              <a:off x="5378502" y="2971615"/>
               <a:ext cx="289291" cy="109040"/>
             </a:xfrm>
             <a:prstGeom prst="rect">
@@ -5166,53 +5215,7 @@
                   <a:latin typeface="Arial"/>
                   <a:cs typeface="Arial"/>
                 </a:rPr>
-                <a:t>59%</a:t>
-              </a:r>
-            </a:p>
-          </p:txBody>
-        </p:sp>
-        <p:sp>
-          <p:nvSpPr>
-            <p:cNvPr id="25" name="tx25"/>
-            <p:cNvSpPr/>
-            <p:nvPr/>
-          </p:nvSpPr>
-          <p:spPr>
-            <a:xfrm>
-              <a:off x="4171876" y="2817462"/>
-              <a:ext cx="329449" cy="109040"/>
-            </a:xfrm>
-            <a:prstGeom prst="rect">
-              <a:avLst/>
-            </a:prstGeom>
-            <a:noFill/>
-          </p:spPr>
-          <p:txBody>
-            <a:bodyPr lIns="0" rIns="0" tIns="0" bIns="0" anchorCtr="1" anchor="ctr" wrap="none"/>
-            <a:lstStyle/>
-            <a:p>
-              <a:pPr algn="l" marL="0" marR="0" indent="0">
-                <a:lnSpc>
-                  <a:spcPts val="1138"/>
-                </a:lnSpc>
-                <a:spcBef>
-                  <a:spcPts val="0"/>
-                </a:spcBef>
-                <a:spcAft>
-                  <a:spcPts val="0"/>
-                </a:spcAft>
-              </a:pPr>
-              <a:r>
-                <a:rPr sz="1138">
-                  <a:solidFill>
-                    <a:srgbClr val="FFFFFF">
-                      <a:alpha val="100000"/>
-                    </a:srgbClr>
-                  </a:solidFill>
-                  <a:latin typeface="Arial"/>
-                  <a:cs typeface="Arial"/>
-                </a:rPr>
-                <a:t>1.8%</a:t>
+                <a:t>19%</a:t>
               </a:r>
             </a:p>
           </p:txBody>
@@ -5225,7 +5228,7 @@
           </p:nvSpPr>
           <p:spPr>
             <a:xfrm>
-              <a:off x="4961154" y="3516378"/>
+              <a:off x="5586312" y="4185492"/>
               <a:ext cx="409835" cy="109040"/>
             </a:xfrm>
             <a:prstGeom prst="rect">
@@ -5258,7 +5261,7 @@
                   <a:latin typeface="Arial"/>
                   <a:cs typeface="Arial"/>
                 </a:rPr>
-                <a:t>39.1%</a:t>
+                <a:t>29.3%</a:t>
               </a:r>
             </a:p>
           </p:txBody>
@@ -5271,7 +5274,53 @@
           </p:nvSpPr>
           <p:spPr>
             <a:xfrm>
-              <a:off x="3272651" y="3973708"/>
+              <a:off x="3908294" y="3769728"/>
+              <a:ext cx="409835" cy="109040"/>
+            </a:xfrm>
+            <a:prstGeom prst="rect">
+              <a:avLst/>
+            </a:prstGeom>
+            <a:noFill/>
+          </p:spPr>
+          <p:txBody>
+            <a:bodyPr lIns="0" rIns="0" tIns="0" bIns="0" anchorCtr="1" anchor="ctr" wrap="none"/>
+            <a:lstStyle/>
+            <a:p>
+              <a:pPr algn="l" marL="0" marR="0" indent="0">
+                <a:lnSpc>
+                  <a:spcPts val="1138"/>
+                </a:lnSpc>
+                <a:spcBef>
+                  <a:spcPts val="0"/>
+                </a:spcBef>
+                <a:spcAft>
+                  <a:spcPts val="0"/>
+                </a:spcAft>
+              </a:pPr>
+              <a:r>
+                <a:rPr sz="1138">
+                  <a:solidFill>
+                    <a:srgbClr val="FFFFFF">
+                      <a:alpha val="100000"/>
+                    </a:srgbClr>
+                  </a:solidFill>
+                  <a:latin typeface="Arial"/>
+                  <a:cs typeface="Arial"/>
+                </a:rPr>
+                <a:t>51.7%</a:t>
+              </a:r>
+            </a:p>
+          </p:txBody>
+        </p:sp>
+        <p:sp>
+          <p:nvSpPr>
+            <p:cNvPr id="28" name="tx28"/>
+            <p:cNvSpPr/>
+            <p:nvPr/>
+          </p:nvSpPr>
+          <p:spPr>
+            <a:xfrm>
+              <a:off x="5377714" y="2975575"/>
               <a:ext cx="289291" cy="109040"/>
             </a:xfrm>
             <a:prstGeom prst="rect">
@@ -5304,53 +5353,7 @@
                   <a:latin typeface="Arial"/>
                   <a:cs typeface="Arial"/>
                 </a:rPr>
-                <a:t>59%</a:t>
-              </a:r>
-            </a:p>
-          </p:txBody>
-        </p:sp>
-        <p:sp>
-          <p:nvSpPr>
-            <p:cNvPr id="28" name="tx28"/>
-            <p:cNvSpPr/>
-            <p:nvPr/>
-          </p:nvSpPr>
-          <p:spPr>
-            <a:xfrm>
-              <a:off x="4171089" y="2821422"/>
-              <a:ext cx="329449" cy="109040"/>
-            </a:xfrm>
-            <a:prstGeom prst="rect">
-              <a:avLst/>
-            </a:prstGeom>
-            <a:noFill/>
-          </p:spPr>
-          <p:txBody>
-            <a:bodyPr lIns="0" rIns="0" tIns="0" bIns="0" anchorCtr="1" anchor="ctr" wrap="none"/>
-            <a:lstStyle/>
-            <a:p>
-              <a:pPr algn="l" marL="0" marR="0" indent="0">
-                <a:lnSpc>
-                  <a:spcPts val="1138"/>
-                </a:lnSpc>
-                <a:spcBef>
-                  <a:spcPts val="0"/>
-                </a:spcBef>
-                <a:spcAft>
-                  <a:spcPts val="0"/>
-                </a:spcAft>
-              </a:pPr>
-              <a:r>
-                <a:rPr sz="1138">
-                  <a:solidFill>
-                    <a:srgbClr val="FFFFFF">
-                      <a:alpha val="100000"/>
-                    </a:srgbClr>
-                  </a:solidFill>
-                  <a:latin typeface="Arial"/>
-                  <a:cs typeface="Arial"/>
-                </a:rPr>
-                <a:t>1.8%</a:t>
+                <a:t>19%</a:t>
               </a:r>
             </a:p>
           </p:txBody>
@@ -5363,7 +5366,7 @@
           </p:nvSpPr>
           <p:spPr>
             <a:xfrm>
-              <a:off x="4960366" y="3520338"/>
+              <a:off x="5585525" y="4189452"/>
               <a:ext cx="409835" cy="109040"/>
             </a:xfrm>
             <a:prstGeom prst="rect">
@@ -5396,7 +5399,7 @@
                   <a:latin typeface="Arial"/>
                   <a:cs typeface="Arial"/>
                 </a:rPr>
-                <a:t>39.1%</a:t>
+                <a:t>29.3%</a:t>
               </a:r>
             </a:p>
           </p:txBody>
@@ -5409,7 +5412,53 @@
           </p:nvSpPr>
           <p:spPr>
             <a:xfrm>
-              <a:off x="3271863" y="3977668"/>
+              <a:off x="3907506" y="3773688"/>
+              <a:ext cx="409835" cy="109040"/>
+            </a:xfrm>
+            <a:prstGeom prst="rect">
+              <a:avLst/>
+            </a:prstGeom>
+            <a:noFill/>
+          </p:spPr>
+          <p:txBody>
+            <a:bodyPr lIns="0" rIns="0" tIns="0" bIns="0" anchorCtr="1" anchor="ctr" wrap="none"/>
+            <a:lstStyle/>
+            <a:p>
+              <a:pPr algn="l" marL="0" marR="0" indent="0">
+                <a:lnSpc>
+                  <a:spcPts val="1138"/>
+                </a:lnSpc>
+                <a:spcBef>
+                  <a:spcPts val="0"/>
+                </a:spcBef>
+                <a:spcAft>
+                  <a:spcPts val="0"/>
+                </a:spcAft>
+              </a:pPr>
+              <a:r>
+                <a:rPr sz="1138">
+                  <a:solidFill>
+                    <a:srgbClr val="FFFFFF">
+                      <a:alpha val="100000"/>
+                    </a:srgbClr>
+                  </a:solidFill>
+                  <a:latin typeface="Arial"/>
+                  <a:cs typeface="Arial"/>
+                </a:rPr>
+                <a:t>51.7%</a:t>
+              </a:r>
+            </a:p>
+          </p:txBody>
+        </p:sp>
+        <p:sp>
+          <p:nvSpPr>
+            <p:cNvPr id="31" name="tx31"/>
+            <p:cNvSpPr/>
+            <p:nvPr/>
+          </p:nvSpPr>
+          <p:spPr>
+            <a:xfrm>
+              <a:off x="5378502" y="2979534"/>
               <a:ext cx="289291" cy="109040"/>
             </a:xfrm>
             <a:prstGeom prst="rect">
@@ -5442,53 +5491,7 @@
                   <a:latin typeface="Arial"/>
                   <a:cs typeface="Arial"/>
                 </a:rPr>
-                <a:t>59%</a:t>
-              </a:r>
-            </a:p>
-          </p:txBody>
-        </p:sp>
-        <p:sp>
-          <p:nvSpPr>
-            <p:cNvPr id="31" name="tx31"/>
-            <p:cNvSpPr/>
-            <p:nvPr/>
-          </p:nvSpPr>
-          <p:spPr>
-            <a:xfrm>
-              <a:off x="4171876" y="2825381"/>
-              <a:ext cx="329449" cy="109040"/>
-            </a:xfrm>
-            <a:prstGeom prst="rect">
-              <a:avLst/>
-            </a:prstGeom>
-            <a:noFill/>
-          </p:spPr>
-          <p:txBody>
-            <a:bodyPr lIns="0" rIns="0" tIns="0" bIns="0" anchorCtr="1" anchor="ctr" wrap="none"/>
-            <a:lstStyle/>
-            <a:p>
-              <a:pPr algn="l" marL="0" marR="0" indent="0">
-                <a:lnSpc>
-                  <a:spcPts val="1138"/>
-                </a:lnSpc>
-                <a:spcBef>
-                  <a:spcPts val="0"/>
-                </a:spcBef>
-                <a:spcAft>
-                  <a:spcPts val="0"/>
-                </a:spcAft>
-              </a:pPr>
-              <a:r>
-                <a:rPr sz="1138">
-                  <a:solidFill>
-                    <a:srgbClr val="FFFFFF">
-                      <a:alpha val="100000"/>
-                    </a:srgbClr>
-                  </a:solidFill>
-                  <a:latin typeface="Arial"/>
-                  <a:cs typeface="Arial"/>
-                </a:rPr>
-                <a:t>1.8%</a:t>
+                <a:t>19%</a:t>
               </a:r>
             </a:p>
           </p:txBody>
@@ -5501,7 +5504,7 @@
           </p:nvSpPr>
           <p:spPr>
             <a:xfrm>
-              <a:off x="4961154" y="3524297"/>
+              <a:off x="5586312" y="4193411"/>
               <a:ext cx="409835" cy="109040"/>
             </a:xfrm>
             <a:prstGeom prst="rect">
@@ -5534,7 +5537,7 @@
                   <a:latin typeface="Arial"/>
                   <a:cs typeface="Arial"/>
                 </a:rPr>
-                <a:t>39.1%</a:t>
+                <a:t>29.3%</a:t>
               </a:r>
             </a:p>
           </p:txBody>
@@ -5547,7 +5550,53 @@
           </p:nvSpPr>
           <p:spPr>
             <a:xfrm>
-              <a:off x="3272651" y="3981627"/>
+              <a:off x="3908294" y="3777647"/>
+              <a:ext cx="409835" cy="109040"/>
+            </a:xfrm>
+            <a:prstGeom prst="rect">
+              <a:avLst/>
+            </a:prstGeom>
+            <a:noFill/>
+          </p:spPr>
+          <p:txBody>
+            <a:bodyPr lIns="0" rIns="0" tIns="0" bIns="0" anchorCtr="1" anchor="ctr" wrap="none"/>
+            <a:lstStyle/>
+            <a:p>
+              <a:pPr algn="l" marL="0" marR="0" indent="0">
+                <a:lnSpc>
+                  <a:spcPts val="1138"/>
+                </a:lnSpc>
+                <a:spcBef>
+                  <a:spcPts val="0"/>
+                </a:spcBef>
+                <a:spcAft>
+                  <a:spcPts val="0"/>
+                </a:spcAft>
+              </a:pPr>
+              <a:r>
+                <a:rPr sz="1138">
+                  <a:solidFill>
+                    <a:srgbClr val="FFFFFF">
+                      <a:alpha val="100000"/>
+                    </a:srgbClr>
+                  </a:solidFill>
+                  <a:latin typeface="Arial"/>
+                  <a:cs typeface="Arial"/>
+                </a:rPr>
+                <a:t>51.7%</a:t>
+              </a:r>
+            </a:p>
+          </p:txBody>
+        </p:sp>
+        <p:sp>
+          <p:nvSpPr>
+            <p:cNvPr id="34" name="tx34"/>
+            <p:cNvSpPr/>
+            <p:nvPr/>
+          </p:nvSpPr>
+          <p:spPr>
+            <a:xfrm>
+              <a:off x="5380744" y="2982891"/>
               <a:ext cx="289291" cy="109040"/>
             </a:xfrm>
             <a:prstGeom prst="rect">
@@ -5580,53 +5629,7 @@
                   <a:latin typeface="Arial"/>
                   <a:cs typeface="Arial"/>
                 </a:rPr>
-                <a:t>59%</a:t>
-              </a:r>
-            </a:p>
-          </p:txBody>
-        </p:sp>
-        <p:sp>
-          <p:nvSpPr>
-            <p:cNvPr id="34" name="tx34"/>
-            <p:cNvSpPr/>
-            <p:nvPr/>
-          </p:nvSpPr>
-          <p:spPr>
-            <a:xfrm>
-              <a:off x="4174119" y="2828738"/>
-              <a:ext cx="329449" cy="109040"/>
-            </a:xfrm>
-            <a:prstGeom prst="rect">
-              <a:avLst/>
-            </a:prstGeom>
-            <a:noFill/>
-          </p:spPr>
-          <p:txBody>
-            <a:bodyPr lIns="0" rIns="0" tIns="0" bIns="0" anchorCtr="1" anchor="ctr" wrap="none"/>
-            <a:lstStyle/>
-            <a:p>
-              <a:pPr algn="l" marL="0" marR="0" indent="0">
-                <a:lnSpc>
-                  <a:spcPts val="1138"/>
-                </a:lnSpc>
-                <a:spcBef>
-                  <a:spcPts val="0"/>
-                </a:spcBef>
-                <a:spcAft>
-                  <a:spcPts val="0"/>
-                </a:spcAft>
-              </a:pPr>
-              <a:r>
-                <a:rPr sz="1138">
-                  <a:solidFill>
-                    <a:srgbClr val="FFFFFF">
-                      <a:alpha val="100000"/>
-                    </a:srgbClr>
-                  </a:solidFill>
-                  <a:latin typeface="Arial"/>
-                  <a:cs typeface="Arial"/>
-                </a:rPr>
-                <a:t>1.8%</a:t>
+                <a:t>19%</a:t>
               </a:r>
             </a:p>
           </p:txBody>
@@ -5639,7 +5642,7 @@
           </p:nvSpPr>
           <p:spPr>
             <a:xfrm>
-              <a:off x="4963397" y="3527654"/>
+              <a:off x="5588555" y="4196768"/>
               <a:ext cx="409835" cy="109040"/>
             </a:xfrm>
             <a:prstGeom prst="rect">
@@ -5672,7 +5675,7 @@
                   <a:latin typeface="Arial"/>
                   <a:cs typeface="Arial"/>
                 </a:rPr>
-                <a:t>39.1%</a:t>
+                <a:t>29.3%</a:t>
               </a:r>
             </a:p>
           </p:txBody>
@@ -5685,7 +5688,53 @@
           </p:nvSpPr>
           <p:spPr>
             <a:xfrm>
-              <a:off x="3274893" y="3984984"/>
+              <a:off x="3910536" y="3781004"/>
+              <a:ext cx="409835" cy="109040"/>
+            </a:xfrm>
+            <a:prstGeom prst="rect">
+              <a:avLst/>
+            </a:prstGeom>
+            <a:noFill/>
+          </p:spPr>
+          <p:txBody>
+            <a:bodyPr lIns="0" rIns="0" tIns="0" bIns="0" anchorCtr="1" anchor="ctr" wrap="none"/>
+            <a:lstStyle/>
+            <a:p>
+              <a:pPr algn="l" marL="0" marR="0" indent="0">
+                <a:lnSpc>
+                  <a:spcPts val="1138"/>
+                </a:lnSpc>
+                <a:spcBef>
+                  <a:spcPts val="0"/>
+                </a:spcBef>
+                <a:spcAft>
+                  <a:spcPts val="0"/>
+                </a:spcAft>
+              </a:pPr>
+              <a:r>
+                <a:rPr sz="1138">
+                  <a:solidFill>
+                    <a:srgbClr val="FFFFFF">
+                      <a:alpha val="100000"/>
+                    </a:srgbClr>
+                  </a:solidFill>
+                  <a:latin typeface="Arial"/>
+                  <a:cs typeface="Arial"/>
+                </a:rPr>
+                <a:t>51.7%</a:t>
+              </a:r>
+            </a:p>
+          </p:txBody>
+        </p:sp>
+        <p:sp>
+          <p:nvSpPr>
+            <p:cNvPr id="37" name="tx37"/>
+            <p:cNvSpPr/>
+            <p:nvPr/>
+          </p:nvSpPr>
+          <p:spPr>
+            <a:xfrm>
+              <a:off x="5384101" y="2985134"/>
               <a:ext cx="289291" cy="109040"/>
             </a:xfrm>
             <a:prstGeom prst="rect">
@@ -5718,53 +5767,7 @@
                   <a:latin typeface="Arial"/>
                   <a:cs typeface="Arial"/>
                 </a:rPr>
-                <a:t>59%</a:t>
-              </a:r>
-            </a:p>
-          </p:txBody>
-        </p:sp>
-        <p:sp>
-          <p:nvSpPr>
-            <p:cNvPr id="37" name="tx37"/>
-            <p:cNvSpPr/>
-            <p:nvPr/>
-          </p:nvSpPr>
-          <p:spPr>
-            <a:xfrm>
-              <a:off x="4177476" y="2830980"/>
-              <a:ext cx="329449" cy="109040"/>
-            </a:xfrm>
-            <a:prstGeom prst="rect">
-              <a:avLst/>
-            </a:prstGeom>
-            <a:noFill/>
-          </p:spPr>
-          <p:txBody>
-            <a:bodyPr lIns="0" rIns="0" tIns="0" bIns="0" anchorCtr="1" anchor="ctr" wrap="none"/>
-            <a:lstStyle/>
-            <a:p>
-              <a:pPr algn="l" marL="0" marR="0" indent="0">
-                <a:lnSpc>
-                  <a:spcPts val="1138"/>
-                </a:lnSpc>
-                <a:spcBef>
-                  <a:spcPts val="0"/>
-                </a:spcBef>
-                <a:spcAft>
-                  <a:spcPts val="0"/>
-                </a:spcAft>
-              </a:pPr>
-              <a:r>
-                <a:rPr sz="1138">
-                  <a:solidFill>
-                    <a:srgbClr val="FFFFFF">
-                      <a:alpha val="100000"/>
-                    </a:srgbClr>
-                  </a:solidFill>
-                  <a:latin typeface="Arial"/>
-                  <a:cs typeface="Arial"/>
-                </a:rPr>
-                <a:t>1.8%</a:t>
+                <a:t>19%</a:t>
               </a:r>
             </a:p>
           </p:txBody>
@@ -5777,7 +5780,7 @@
           </p:nvSpPr>
           <p:spPr>
             <a:xfrm>
-              <a:off x="4966753" y="3529896"/>
+              <a:off x="5591912" y="4199011"/>
               <a:ext cx="409835" cy="109040"/>
             </a:xfrm>
             <a:prstGeom prst="rect">
@@ -5810,7 +5813,7 @@
                   <a:latin typeface="Arial"/>
                   <a:cs typeface="Arial"/>
                 </a:rPr>
-                <a:t>39.1%</a:t>
+                <a:t>29.3%</a:t>
               </a:r>
             </a:p>
           </p:txBody>
@@ -5823,7 +5826,53 @@
           </p:nvSpPr>
           <p:spPr>
             <a:xfrm>
-              <a:off x="3278250" y="3987226"/>
+              <a:off x="3913893" y="3783247"/>
+              <a:ext cx="409835" cy="109040"/>
+            </a:xfrm>
+            <a:prstGeom prst="rect">
+              <a:avLst/>
+            </a:prstGeom>
+            <a:noFill/>
+          </p:spPr>
+          <p:txBody>
+            <a:bodyPr lIns="0" rIns="0" tIns="0" bIns="0" anchorCtr="1" anchor="ctr" wrap="none"/>
+            <a:lstStyle/>
+            <a:p>
+              <a:pPr algn="l" marL="0" marR="0" indent="0">
+                <a:lnSpc>
+                  <a:spcPts val="1138"/>
+                </a:lnSpc>
+                <a:spcBef>
+                  <a:spcPts val="0"/>
+                </a:spcBef>
+                <a:spcAft>
+                  <a:spcPts val="0"/>
+                </a:spcAft>
+              </a:pPr>
+              <a:r>
+                <a:rPr sz="1138">
+                  <a:solidFill>
+                    <a:srgbClr val="FFFFFF">
+                      <a:alpha val="100000"/>
+                    </a:srgbClr>
+                  </a:solidFill>
+                  <a:latin typeface="Arial"/>
+                  <a:cs typeface="Arial"/>
+                </a:rPr>
+                <a:t>51.7%</a:t>
+              </a:r>
+            </a:p>
+          </p:txBody>
+        </p:sp>
+        <p:sp>
+          <p:nvSpPr>
+            <p:cNvPr id="40" name="tx40"/>
+            <p:cNvSpPr/>
+            <p:nvPr/>
+          </p:nvSpPr>
+          <p:spPr>
+            <a:xfrm>
+              <a:off x="5388061" y="2985921"/>
               <a:ext cx="289291" cy="109040"/>
             </a:xfrm>
             <a:prstGeom prst="rect">
@@ -5856,53 +5905,7 @@
                   <a:latin typeface="Arial"/>
                   <a:cs typeface="Arial"/>
                 </a:rPr>
-                <a:t>59%</a:t>
-              </a:r>
-            </a:p>
-          </p:txBody>
-        </p:sp>
-        <p:sp>
-          <p:nvSpPr>
-            <p:cNvPr id="40" name="tx40"/>
-            <p:cNvSpPr/>
-            <p:nvPr/>
-          </p:nvSpPr>
-          <p:spPr>
-            <a:xfrm>
-              <a:off x="4181435" y="2831768"/>
-              <a:ext cx="329449" cy="109040"/>
-            </a:xfrm>
-            <a:prstGeom prst="rect">
-              <a:avLst/>
-            </a:prstGeom>
-            <a:noFill/>
-          </p:spPr>
-          <p:txBody>
-            <a:bodyPr lIns="0" rIns="0" tIns="0" bIns="0" anchorCtr="1" anchor="ctr" wrap="none"/>
-            <a:lstStyle/>
-            <a:p>
-              <a:pPr algn="l" marL="0" marR="0" indent="0">
-                <a:lnSpc>
-                  <a:spcPts val="1138"/>
-                </a:lnSpc>
-                <a:spcBef>
-                  <a:spcPts val="0"/>
-                </a:spcBef>
-                <a:spcAft>
-                  <a:spcPts val="0"/>
-                </a:spcAft>
-              </a:pPr>
-              <a:r>
-                <a:rPr sz="1138">
-                  <a:solidFill>
-                    <a:srgbClr val="FFFFFF">
-                      <a:alpha val="100000"/>
-                    </a:srgbClr>
-                  </a:solidFill>
-                  <a:latin typeface="Arial"/>
-                  <a:cs typeface="Arial"/>
-                </a:rPr>
-                <a:t>1.8%</a:t>
+                <a:t>19%</a:t>
               </a:r>
             </a:p>
           </p:txBody>
@@ -5915,7 +5918,7 @@
           </p:nvSpPr>
           <p:spPr>
             <a:xfrm>
-              <a:off x="4970713" y="3530684"/>
+              <a:off x="5595871" y="4199798"/>
               <a:ext cx="409835" cy="109040"/>
             </a:xfrm>
             <a:prstGeom prst="rect">
@@ -5948,7 +5951,7 @@
                   <a:latin typeface="Arial"/>
                   <a:cs typeface="Arial"/>
                 </a:rPr>
-                <a:t>39.1%</a:t>
+                <a:t>29.3%</a:t>
               </a:r>
             </a:p>
           </p:txBody>
@@ -5961,7 +5964,53 @@
           </p:nvSpPr>
           <p:spPr>
             <a:xfrm>
-              <a:off x="3282210" y="3988014"/>
+              <a:off x="3917852" y="3784034"/>
+              <a:ext cx="409835" cy="109040"/>
+            </a:xfrm>
+            <a:prstGeom prst="rect">
+              <a:avLst/>
+            </a:prstGeom>
+            <a:noFill/>
+          </p:spPr>
+          <p:txBody>
+            <a:bodyPr lIns="0" rIns="0" tIns="0" bIns="0" anchorCtr="1" anchor="ctr" wrap="none"/>
+            <a:lstStyle/>
+            <a:p>
+              <a:pPr algn="l" marL="0" marR="0" indent="0">
+                <a:lnSpc>
+                  <a:spcPts val="1138"/>
+                </a:lnSpc>
+                <a:spcBef>
+                  <a:spcPts val="0"/>
+                </a:spcBef>
+                <a:spcAft>
+                  <a:spcPts val="0"/>
+                </a:spcAft>
+              </a:pPr>
+              <a:r>
+                <a:rPr sz="1138">
+                  <a:solidFill>
+                    <a:srgbClr val="FFFFFF">
+                      <a:alpha val="100000"/>
+                    </a:srgbClr>
+                  </a:solidFill>
+                  <a:latin typeface="Arial"/>
+                  <a:cs typeface="Arial"/>
+                </a:rPr>
+                <a:t>51.7%</a:t>
+              </a:r>
+            </a:p>
+          </p:txBody>
+        </p:sp>
+        <p:sp>
+          <p:nvSpPr>
+            <p:cNvPr id="43" name="tx43"/>
+            <p:cNvSpPr/>
+            <p:nvPr/>
+          </p:nvSpPr>
+          <p:spPr>
+            <a:xfrm>
+              <a:off x="5392020" y="2985134"/>
               <a:ext cx="289291" cy="109040"/>
             </a:xfrm>
             <a:prstGeom prst="rect">
@@ -5994,53 +6043,7 @@
                   <a:latin typeface="Arial"/>
                   <a:cs typeface="Arial"/>
                 </a:rPr>
-                <a:t>59%</a:t>
-              </a:r>
-            </a:p>
-          </p:txBody>
-        </p:sp>
-        <p:sp>
-          <p:nvSpPr>
-            <p:cNvPr id="43" name="tx43"/>
-            <p:cNvSpPr/>
-            <p:nvPr/>
-          </p:nvSpPr>
-          <p:spPr>
-            <a:xfrm>
-              <a:off x="4185394" y="2830980"/>
-              <a:ext cx="329449" cy="109040"/>
-            </a:xfrm>
-            <a:prstGeom prst="rect">
-              <a:avLst/>
-            </a:prstGeom>
-            <a:noFill/>
-          </p:spPr>
-          <p:txBody>
-            <a:bodyPr lIns="0" rIns="0" tIns="0" bIns="0" anchorCtr="1" anchor="ctr" wrap="none"/>
-            <a:lstStyle/>
-            <a:p>
-              <a:pPr algn="l" marL="0" marR="0" indent="0">
-                <a:lnSpc>
-                  <a:spcPts val="1138"/>
-                </a:lnSpc>
-                <a:spcBef>
-                  <a:spcPts val="0"/>
-                </a:spcBef>
-                <a:spcAft>
-                  <a:spcPts val="0"/>
-                </a:spcAft>
-              </a:pPr>
-              <a:r>
-                <a:rPr sz="1138">
-                  <a:solidFill>
-                    <a:srgbClr val="FFFFFF">
-                      <a:alpha val="100000"/>
-                    </a:srgbClr>
-                  </a:solidFill>
-                  <a:latin typeface="Arial"/>
-                  <a:cs typeface="Arial"/>
-                </a:rPr>
-                <a:t>1.8%</a:t>
+                <a:t>19%</a:t>
               </a:r>
             </a:p>
           </p:txBody>
@@ -6053,7 +6056,7 @@
           </p:nvSpPr>
           <p:spPr>
             <a:xfrm>
-              <a:off x="4974672" y="3529896"/>
+              <a:off x="5599831" y="4199011"/>
               <a:ext cx="409835" cy="109040"/>
             </a:xfrm>
             <a:prstGeom prst="rect">
@@ -6086,7 +6089,7 @@
                   <a:latin typeface="Arial"/>
                   <a:cs typeface="Arial"/>
                 </a:rPr>
-                <a:t>39.1%</a:t>
+                <a:t>29.3%</a:t>
               </a:r>
             </a:p>
           </p:txBody>
@@ -6099,7 +6102,53 @@
           </p:nvSpPr>
           <p:spPr>
             <a:xfrm>
-              <a:off x="3286169" y="3987226"/>
+              <a:off x="3921812" y="3783247"/>
+              <a:ext cx="409835" cy="109040"/>
+            </a:xfrm>
+            <a:prstGeom prst="rect">
+              <a:avLst/>
+            </a:prstGeom>
+            <a:noFill/>
+          </p:spPr>
+          <p:txBody>
+            <a:bodyPr lIns="0" rIns="0" tIns="0" bIns="0" anchorCtr="1" anchor="ctr" wrap="none"/>
+            <a:lstStyle/>
+            <a:p>
+              <a:pPr algn="l" marL="0" marR="0" indent="0">
+                <a:lnSpc>
+                  <a:spcPts val="1138"/>
+                </a:lnSpc>
+                <a:spcBef>
+                  <a:spcPts val="0"/>
+                </a:spcBef>
+                <a:spcAft>
+                  <a:spcPts val="0"/>
+                </a:spcAft>
+              </a:pPr>
+              <a:r>
+                <a:rPr sz="1138">
+                  <a:solidFill>
+                    <a:srgbClr val="FFFFFF">
+                      <a:alpha val="100000"/>
+                    </a:srgbClr>
+                  </a:solidFill>
+                  <a:latin typeface="Arial"/>
+                  <a:cs typeface="Arial"/>
+                </a:rPr>
+                <a:t>51.7%</a:t>
+              </a:r>
+            </a:p>
+          </p:txBody>
+        </p:sp>
+        <p:sp>
+          <p:nvSpPr>
+            <p:cNvPr id="46" name="tx46"/>
+            <p:cNvSpPr/>
+            <p:nvPr/>
+          </p:nvSpPr>
+          <p:spPr>
+            <a:xfrm>
+              <a:off x="5395377" y="2982891"/>
               <a:ext cx="289291" cy="109040"/>
             </a:xfrm>
             <a:prstGeom prst="rect">
@@ -6132,53 +6181,7 @@
                   <a:latin typeface="Arial"/>
                   <a:cs typeface="Arial"/>
                 </a:rPr>
-                <a:t>59%</a:t>
-              </a:r>
-            </a:p>
-          </p:txBody>
-        </p:sp>
-        <p:sp>
-          <p:nvSpPr>
-            <p:cNvPr id="46" name="tx46"/>
-            <p:cNvSpPr/>
-            <p:nvPr/>
-          </p:nvSpPr>
-          <p:spPr>
-            <a:xfrm>
-              <a:off x="4188751" y="2828738"/>
-              <a:ext cx="329449" cy="109040"/>
-            </a:xfrm>
-            <a:prstGeom prst="rect">
-              <a:avLst/>
-            </a:prstGeom>
-            <a:noFill/>
-          </p:spPr>
-          <p:txBody>
-            <a:bodyPr lIns="0" rIns="0" tIns="0" bIns="0" anchorCtr="1" anchor="ctr" wrap="none"/>
-            <a:lstStyle/>
-            <a:p>
-              <a:pPr algn="l" marL="0" marR="0" indent="0">
-                <a:lnSpc>
-                  <a:spcPts val="1138"/>
-                </a:lnSpc>
-                <a:spcBef>
-                  <a:spcPts val="0"/>
-                </a:spcBef>
-                <a:spcAft>
-                  <a:spcPts val="0"/>
-                </a:spcAft>
-              </a:pPr>
-              <a:r>
-                <a:rPr sz="1138">
-                  <a:solidFill>
-                    <a:srgbClr val="FFFFFF">
-                      <a:alpha val="100000"/>
-                    </a:srgbClr>
-                  </a:solidFill>
-                  <a:latin typeface="Arial"/>
-                  <a:cs typeface="Arial"/>
-                </a:rPr>
-                <a:t>1.8%</a:t>
+                <a:t>19%</a:t>
               </a:r>
             </a:p>
           </p:txBody>
@@ -6191,7 +6194,7 @@
           </p:nvSpPr>
           <p:spPr>
             <a:xfrm>
-              <a:off x="4978029" y="3527654"/>
+              <a:off x="5603187" y="4196768"/>
               <a:ext cx="409835" cy="109040"/>
             </a:xfrm>
             <a:prstGeom prst="rect">
@@ -6224,7 +6227,7 @@
                   <a:latin typeface="Arial"/>
                   <a:cs typeface="Arial"/>
                 </a:rPr>
-                <a:t>39.1%</a:t>
+                <a:t>29.3%</a:t>
               </a:r>
             </a:p>
           </p:txBody>
@@ -6237,7 +6240,53 @@
           </p:nvSpPr>
           <p:spPr>
             <a:xfrm>
-              <a:off x="3289526" y="3984984"/>
+              <a:off x="3925169" y="3781004"/>
+              <a:ext cx="409835" cy="109040"/>
+            </a:xfrm>
+            <a:prstGeom prst="rect">
+              <a:avLst/>
+            </a:prstGeom>
+            <a:noFill/>
+          </p:spPr>
+          <p:txBody>
+            <a:bodyPr lIns="0" rIns="0" tIns="0" bIns="0" anchorCtr="1" anchor="ctr" wrap="none"/>
+            <a:lstStyle/>
+            <a:p>
+              <a:pPr algn="l" marL="0" marR="0" indent="0">
+                <a:lnSpc>
+                  <a:spcPts val="1138"/>
+                </a:lnSpc>
+                <a:spcBef>
+                  <a:spcPts val="0"/>
+                </a:spcBef>
+                <a:spcAft>
+                  <a:spcPts val="0"/>
+                </a:spcAft>
+              </a:pPr>
+              <a:r>
+                <a:rPr sz="1138">
+                  <a:solidFill>
+                    <a:srgbClr val="FFFFFF">
+                      <a:alpha val="100000"/>
+                    </a:srgbClr>
+                  </a:solidFill>
+                  <a:latin typeface="Arial"/>
+                  <a:cs typeface="Arial"/>
+                </a:rPr>
+                <a:t>51.7%</a:t>
+              </a:r>
+            </a:p>
+          </p:txBody>
+        </p:sp>
+        <p:sp>
+          <p:nvSpPr>
+            <p:cNvPr id="49" name="tx49"/>
+            <p:cNvSpPr/>
+            <p:nvPr/>
+          </p:nvSpPr>
+          <p:spPr>
+            <a:xfrm>
+              <a:off x="5397619" y="2979534"/>
               <a:ext cx="289291" cy="109040"/>
             </a:xfrm>
             <a:prstGeom prst="rect">
@@ -6270,53 +6319,7 @@
                   <a:latin typeface="Arial"/>
                   <a:cs typeface="Arial"/>
                 </a:rPr>
-                <a:t>59%</a:t>
-              </a:r>
-            </a:p>
-          </p:txBody>
-        </p:sp>
-        <p:sp>
-          <p:nvSpPr>
-            <p:cNvPr id="49" name="tx49"/>
-            <p:cNvSpPr/>
-            <p:nvPr/>
-          </p:nvSpPr>
-          <p:spPr>
-            <a:xfrm>
-              <a:off x="4190994" y="2825381"/>
-              <a:ext cx="329449" cy="109040"/>
-            </a:xfrm>
-            <a:prstGeom prst="rect">
-              <a:avLst/>
-            </a:prstGeom>
-            <a:noFill/>
-          </p:spPr>
-          <p:txBody>
-            <a:bodyPr lIns="0" rIns="0" tIns="0" bIns="0" anchorCtr="1" anchor="ctr" wrap="none"/>
-            <a:lstStyle/>
-            <a:p>
-              <a:pPr algn="l" marL="0" marR="0" indent="0">
-                <a:lnSpc>
-                  <a:spcPts val="1138"/>
-                </a:lnSpc>
-                <a:spcBef>
-                  <a:spcPts val="0"/>
-                </a:spcBef>
-                <a:spcAft>
-                  <a:spcPts val="0"/>
-                </a:spcAft>
-              </a:pPr>
-              <a:r>
-                <a:rPr sz="1138">
-                  <a:solidFill>
-                    <a:srgbClr val="FFFFFF">
-                      <a:alpha val="100000"/>
-                    </a:srgbClr>
-                  </a:solidFill>
-                  <a:latin typeface="Arial"/>
-                  <a:cs typeface="Arial"/>
-                </a:rPr>
-                <a:t>1.8%</a:t>
+                <a:t>19%</a:t>
               </a:r>
             </a:p>
           </p:txBody>
@@ -6329,7 +6332,7 @@
           </p:nvSpPr>
           <p:spPr>
             <a:xfrm>
-              <a:off x="4980272" y="3524297"/>
+              <a:off x="5605430" y="4193411"/>
               <a:ext cx="409835" cy="109040"/>
             </a:xfrm>
             <a:prstGeom prst="rect">
@@ -6362,7 +6365,7 @@
                   <a:latin typeface="Arial"/>
                   <a:cs typeface="Arial"/>
                 </a:rPr>
-                <a:t>39.1%</a:t>
+                <a:t>29.3%</a:t>
               </a:r>
             </a:p>
           </p:txBody>
@@ -6375,7 +6378,53 @@
           </p:nvSpPr>
           <p:spPr>
             <a:xfrm>
-              <a:off x="3291768" y="3981627"/>
+              <a:off x="3927411" y="3777647"/>
+              <a:ext cx="409835" cy="109040"/>
+            </a:xfrm>
+            <a:prstGeom prst="rect">
+              <a:avLst/>
+            </a:prstGeom>
+            <a:noFill/>
+          </p:spPr>
+          <p:txBody>
+            <a:bodyPr lIns="0" rIns="0" tIns="0" bIns="0" anchorCtr="1" anchor="ctr" wrap="none"/>
+            <a:lstStyle/>
+            <a:p>
+              <a:pPr algn="l" marL="0" marR="0" indent="0">
+                <a:lnSpc>
+                  <a:spcPts val="1138"/>
+                </a:lnSpc>
+                <a:spcBef>
+                  <a:spcPts val="0"/>
+                </a:spcBef>
+                <a:spcAft>
+                  <a:spcPts val="0"/>
+                </a:spcAft>
+              </a:pPr>
+              <a:r>
+                <a:rPr sz="1138">
+                  <a:solidFill>
+                    <a:srgbClr val="FFFFFF">
+                      <a:alpha val="100000"/>
+                    </a:srgbClr>
+                  </a:solidFill>
+                  <a:latin typeface="Arial"/>
+                  <a:cs typeface="Arial"/>
+                </a:rPr>
+                <a:t>51.7%</a:t>
+              </a:r>
+            </a:p>
+          </p:txBody>
+        </p:sp>
+        <p:sp>
+          <p:nvSpPr>
+            <p:cNvPr id="52" name="tx52"/>
+            <p:cNvSpPr/>
+            <p:nvPr/>
+          </p:nvSpPr>
+          <p:spPr>
+            <a:xfrm>
+              <a:off x="5398407" y="2975575"/>
               <a:ext cx="289291" cy="109040"/>
             </a:xfrm>
             <a:prstGeom prst="rect">
@@ -6408,53 +6457,7 @@
                   <a:latin typeface="Arial"/>
                   <a:cs typeface="Arial"/>
                 </a:rPr>
-                <a:t>59%</a:t>
-              </a:r>
-            </a:p>
-          </p:txBody>
-        </p:sp>
-        <p:sp>
-          <p:nvSpPr>
-            <p:cNvPr id="52" name="tx52"/>
-            <p:cNvSpPr/>
-            <p:nvPr/>
-          </p:nvSpPr>
-          <p:spPr>
-            <a:xfrm>
-              <a:off x="4191781" y="2821422"/>
-              <a:ext cx="329449" cy="109040"/>
-            </a:xfrm>
-            <a:prstGeom prst="rect">
-              <a:avLst/>
-            </a:prstGeom>
-            <a:noFill/>
-          </p:spPr>
-          <p:txBody>
-            <a:bodyPr lIns="0" rIns="0" tIns="0" bIns="0" anchorCtr="1" anchor="ctr" wrap="none"/>
-            <a:lstStyle/>
-            <a:p>
-              <a:pPr algn="l" marL="0" marR="0" indent="0">
-                <a:lnSpc>
-                  <a:spcPts val="1138"/>
-                </a:lnSpc>
-                <a:spcBef>
-                  <a:spcPts val="0"/>
-                </a:spcBef>
-                <a:spcAft>
-                  <a:spcPts val="0"/>
-                </a:spcAft>
-              </a:pPr>
-              <a:r>
-                <a:rPr sz="1138">
-                  <a:solidFill>
-                    <a:srgbClr val="FFFFFF">
-                      <a:alpha val="100000"/>
-                    </a:srgbClr>
-                  </a:solidFill>
-                  <a:latin typeface="Arial"/>
-                  <a:cs typeface="Arial"/>
-                </a:rPr>
-                <a:t>1.8%</a:t>
+                <a:t>19%</a:t>
               </a:r>
             </a:p>
           </p:txBody>
@@ -6467,7 +6470,7 @@
           </p:nvSpPr>
           <p:spPr>
             <a:xfrm>
-              <a:off x="4981059" y="3520338"/>
+              <a:off x="5606218" y="4189452"/>
               <a:ext cx="409835" cy="109040"/>
             </a:xfrm>
             <a:prstGeom prst="rect">
@@ -6500,7 +6503,7 @@
                   <a:latin typeface="Arial"/>
                   <a:cs typeface="Arial"/>
                 </a:rPr>
-                <a:t>39.1%</a:t>
+                <a:t>29.3%</a:t>
               </a:r>
             </a:p>
           </p:txBody>
@@ -6513,7 +6516,53 @@
           </p:nvSpPr>
           <p:spPr>
             <a:xfrm>
-              <a:off x="3292556" y="3977668"/>
+              <a:off x="3928199" y="3773688"/>
+              <a:ext cx="409835" cy="109040"/>
+            </a:xfrm>
+            <a:prstGeom prst="rect">
+              <a:avLst/>
+            </a:prstGeom>
+            <a:noFill/>
+          </p:spPr>
+          <p:txBody>
+            <a:bodyPr lIns="0" rIns="0" tIns="0" bIns="0" anchorCtr="1" anchor="ctr" wrap="none"/>
+            <a:lstStyle/>
+            <a:p>
+              <a:pPr algn="l" marL="0" marR="0" indent="0">
+                <a:lnSpc>
+                  <a:spcPts val="1138"/>
+                </a:lnSpc>
+                <a:spcBef>
+                  <a:spcPts val="0"/>
+                </a:spcBef>
+                <a:spcAft>
+                  <a:spcPts val="0"/>
+                </a:spcAft>
+              </a:pPr>
+              <a:r>
+                <a:rPr sz="1138">
+                  <a:solidFill>
+                    <a:srgbClr val="FFFFFF">
+                      <a:alpha val="100000"/>
+                    </a:srgbClr>
+                  </a:solidFill>
+                  <a:latin typeface="Arial"/>
+                  <a:cs typeface="Arial"/>
+                </a:rPr>
+                <a:t>51.7%</a:t>
+              </a:r>
+            </a:p>
+          </p:txBody>
+        </p:sp>
+        <p:sp>
+          <p:nvSpPr>
+            <p:cNvPr id="55" name="tx55"/>
+            <p:cNvSpPr/>
+            <p:nvPr/>
+          </p:nvSpPr>
+          <p:spPr>
+            <a:xfrm>
+              <a:off x="5388061" y="2975575"/>
               <a:ext cx="289291" cy="109040"/>
             </a:xfrm>
             <a:prstGeom prst="rect">
@@ -6539,52 +6588,6 @@
               <a:r>
                 <a:rPr sz="1138">
                   <a:solidFill>
-                    <a:srgbClr val="FFFFFF">
-                      <a:alpha val="100000"/>
-                    </a:srgbClr>
-                  </a:solidFill>
-                  <a:latin typeface="Arial"/>
-                  <a:cs typeface="Arial"/>
-                </a:rPr>
-                <a:t>59%</a:t>
-              </a:r>
-            </a:p>
-          </p:txBody>
-        </p:sp>
-        <p:sp>
-          <p:nvSpPr>
-            <p:cNvPr id="55" name="tx55"/>
-            <p:cNvSpPr/>
-            <p:nvPr/>
-          </p:nvSpPr>
-          <p:spPr>
-            <a:xfrm>
-              <a:off x="4181435" y="2821422"/>
-              <a:ext cx="329449" cy="109040"/>
-            </a:xfrm>
-            <a:prstGeom prst="rect">
-              <a:avLst/>
-            </a:prstGeom>
-            <a:noFill/>
-          </p:spPr>
-          <p:txBody>
-            <a:bodyPr lIns="0" rIns="0" tIns="0" bIns="0" anchorCtr="1" anchor="ctr" wrap="none"/>
-            <a:lstStyle/>
-            <a:p>
-              <a:pPr algn="l" marL="0" marR="0" indent="0">
-                <a:lnSpc>
-                  <a:spcPts val="1138"/>
-                </a:lnSpc>
-                <a:spcBef>
-                  <a:spcPts val="0"/>
-                </a:spcBef>
-                <a:spcAft>
-                  <a:spcPts val="0"/>
-                </a:spcAft>
-              </a:pPr>
-              <a:r>
-                <a:rPr sz="1138">
-                  <a:solidFill>
                     <a:srgbClr val="619CFF">
                       <a:alpha val="100000"/>
                     </a:srgbClr>
@@ -6592,7 +6595,7 @@
                   <a:latin typeface="Arial"/>
                   <a:cs typeface="Arial"/>
                 </a:rPr>
-                <a:t>1.8%</a:t>
+                <a:t>19%</a:t>
               </a:r>
             </a:p>
           </p:txBody>
@@ -6605,7 +6608,7 @@
           </p:nvSpPr>
           <p:spPr>
             <a:xfrm>
-              <a:off x="4970713" y="3520338"/>
+              <a:off x="5595871" y="4189452"/>
               <a:ext cx="409835" cy="109040"/>
             </a:xfrm>
             <a:prstGeom prst="rect">
@@ -6638,7 +6641,7 @@
                   <a:latin typeface="Arial"/>
                   <a:cs typeface="Arial"/>
                 </a:rPr>
-                <a:t>39.1%</a:t>
+                <a:t>29.3%</a:t>
               </a:r>
             </a:p>
           </p:txBody>
@@ -6651,8 +6654,8 @@
           </p:nvSpPr>
           <p:spPr>
             <a:xfrm>
-              <a:off x="3282210" y="3977668"/>
-              <a:ext cx="289291" cy="109040"/>
+              <a:off x="3917852" y="3773688"/>
+              <a:ext cx="409835" cy="109040"/>
             </a:xfrm>
             <a:prstGeom prst="rect">
               <a:avLst/>
@@ -6684,7 +6687,7 @@
                   <a:latin typeface="Arial"/>
                   <a:cs typeface="Arial"/>
                 </a:rPr>
-                <a:t>59%</a:t>
+                <a:t>51.7%</a:t>
               </a:r>
             </a:p>
           </p:txBody>
@@ -6697,8 +6700,8 @@
           </p:nvSpPr>
           <p:spPr>
             <a:xfrm>
-              <a:off x="6636132" y="3561554"/>
-              <a:ext cx="201456" cy="201456"/>
+              <a:off x="7366966" y="3561554"/>
+              <a:ext cx="201455" cy="201456"/>
             </a:xfrm>
             <a:prstGeom prst="rect">
               <a:avLst/>
@@ -6732,8 +6735,8 @@
           </p:nvSpPr>
           <p:spPr>
             <a:xfrm>
-              <a:off x="6636132" y="3781010"/>
-              <a:ext cx="201456" cy="201456"/>
+              <a:off x="7366966" y="3781010"/>
+              <a:ext cx="201455" cy="201456"/>
             </a:xfrm>
             <a:prstGeom prst="rect">
               <a:avLst/>
@@ -6767,8 +6770,8 @@
           </p:nvSpPr>
           <p:spPr>
             <a:xfrm>
-              <a:off x="6636132" y="4000466"/>
-              <a:ext cx="201456" cy="201456"/>
+              <a:off x="7366966" y="4000466"/>
+              <a:ext cx="201455" cy="201456"/>
             </a:xfrm>
             <a:prstGeom prst="rect">
               <a:avLst/>
@@ -6802,8 +6805,8 @@
           </p:nvSpPr>
           <p:spPr>
             <a:xfrm>
-              <a:off x="6916177" y="3632432"/>
-              <a:ext cx="167640" cy="69850"/>
+              <a:off x="7647011" y="3632432"/>
+              <a:ext cx="251460" cy="69850"/>
             </a:xfrm>
             <a:prstGeom prst="rect">
               <a:avLst/>
@@ -6835,7 +6838,7 @@
                   <a:latin typeface="Arial"/>
                   <a:cs typeface="Arial"/>
                 </a:rPr>
-                <a:t>不会</a:t>
+                <a:t>不清楚</a:t>
               </a:r>
             </a:p>
           </p:txBody>
@@ -6848,8 +6851,8 @@
           </p:nvSpPr>
           <p:spPr>
             <a:xfrm>
-              <a:off x="6916177" y="3851888"/>
-              <a:ext cx="1592579" cy="69850"/>
+              <a:off x="7647011" y="3851888"/>
+              <a:ext cx="251460" cy="69850"/>
             </a:xfrm>
             <a:prstGeom prst="rect">
               <a:avLst/>
@@ -6881,7 +6884,7 @@
                   <a:latin typeface="Arial"/>
                   <a:cs typeface="Arial"/>
                 </a:rPr>
-                <a:t>会，对方向我描述身体问题时有针对性推荐</a:t>
+                <a:t>单菌株</a:t>
               </a:r>
             </a:p>
           </p:txBody>
@@ -6894,8 +6897,8 @@
           </p:nvSpPr>
           <p:spPr>
             <a:xfrm>
-              <a:off x="6916177" y="4071344"/>
-              <a:ext cx="1173479" cy="69850"/>
+              <a:off x="7647011" y="4071344"/>
+              <a:ext cx="251460" cy="69850"/>
             </a:xfrm>
             <a:prstGeom prst="rect">
               <a:avLst/>
@@ -6927,7 +6930,7 @@
                   <a:latin typeface="Arial"/>
                   <a:cs typeface="Arial"/>
                 </a:rPr>
-                <a:t>会，因为有效，经常推荐给他人</a:t>
+                <a:t>多菌株</a:t>
               </a:r>
             </a:p>
           </p:txBody>

--- a/_book/plot/unnamed-chunk-75-1.pptx
+++ b/_book/plot/unnamed-chunk-75-1.pptx
@@ -3192,8 +3192,8 @@
           </p:nvSpPr>
           <p:spPr>
             <a:xfrm>
-              <a:off x="2019661" y="1590617"/>
-              <a:ext cx="6917431" cy="4055309"/>
+              <a:off x="2017917" y="1590617"/>
+              <a:ext cx="6919174" cy="4059006"/>
             </a:xfrm>
             <a:prstGeom prst="rect">
               <a:avLst/>
@@ -3218,15 +3218,15 @@
           </p:nvSpPr>
           <p:spPr>
             <a:xfrm>
-              <a:off x="2765569" y="1590617"/>
-              <a:ext cx="0" cy="4055309"/>
+              <a:off x="2764013" y="1590617"/>
+              <a:ext cx="0" cy="4059006"/>
             </a:xfrm>
             <a:custGeom>
               <a:avLst/>
               <a:pathLst>
-                <a:path w="0" h="4055309">
+                <a:path w="0" h="4059006">
                   <a:moveTo>
-                    <a:pt x="0" y="4055309"/>
+                    <a:pt x="0" y="4059006"/>
                   </a:moveTo>
                   <a:lnTo>
                     <a:pt x="0" y="0"/>
@@ -3261,15 +3261,15 @@
           </p:nvSpPr>
           <p:spPr>
             <a:xfrm>
-              <a:off x="4257385" y="1590617"/>
-              <a:ext cx="0" cy="4055309"/>
+              <a:off x="4256205" y="1590617"/>
+              <a:ext cx="0" cy="4059006"/>
             </a:xfrm>
             <a:custGeom>
               <a:avLst/>
               <a:pathLst>
-                <a:path w="0" h="4055309">
+                <a:path w="0" h="4059006">
                   <a:moveTo>
-                    <a:pt x="0" y="4055309"/>
+                    <a:pt x="0" y="4059006"/>
                   </a:moveTo>
                   <a:lnTo>
                     <a:pt x="0" y="0"/>
@@ -3304,15 +3304,15 @@
           </p:nvSpPr>
           <p:spPr>
             <a:xfrm>
-              <a:off x="5749201" y="1590617"/>
-              <a:ext cx="0" cy="4055309"/>
+              <a:off x="5748397" y="1590617"/>
+              <a:ext cx="0" cy="4059006"/>
             </a:xfrm>
             <a:custGeom>
               <a:avLst/>
               <a:pathLst>
-                <a:path w="0" h="4055309">
+                <a:path w="0" h="4059006">
                   <a:moveTo>
-                    <a:pt x="0" y="4055309"/>
+                    <a:pt x="0" y="4059006"/>
                   </a:moveTo>
                   <a:lnTo>
                     <a:pt x="0" y="0"/>
@@ -3347,15 +3347,15 @@
           </p:nvSpPr>
           <p:spPr>
             <a:xfrm>
-              <a:off x="7241017" y="1590617"/>
-              <a:ext cx="0" cy="4055309"/>
+              <a:off x="7240589" y="1590617"/>
+              <a:ext cx="0" cy="4059006"/>
             </a:xfrm>
             <a:custGeom>
               <a:avLst/>
               <a:pathLst>
-                <a:path w="0" h="4055309">
+                <a:path w="0" h="4059006">
                   <a:moveTo>
-                    <a:pt x="0" y="4055309"/>
+                    <a:pt x="0" y="4059006"/>
                   </a:moveTo>
                   <a:lnTo>
                     <a:pt x="0" y="0"/>
@@ -3390,15 +3390,15 @@
           </p:nvSpPr>
           <p:spPr>
             <a:xfrm>
-              <a:off x="8732833" y="1590617"/>
-              <a:ext cx="0" cy="4055309"/>
+              <a:off x="8732781" y="1590617"/>
+              <a:ext cx="0" cy="4059006"/>
             </a:xfrm>
             <a:custGeom>
               <a:avLst/>
               <a:pathLst>
-                <a:path w="0" h="4055309">
+                <a:path w="0" h="4059006">
                   <a:moveTo>
-                    <a:pt x="0" y="4055309"/>
+                    <a:pt x="0" y="4059006"/>
                   </a:moveTo>
                   <a:lnTo>
                     <a:pt x="0" y="0"/>
@@ -3433,21 +3433,21 @@
           </p:nvSpPr>
           <p:spPr>
             <a:xfrm>
-              <a:off x="2019661" y="5381449"/>
-              <a:ext cx="6917431" cy="0"/>
+              <a:off x="2017917" y="5384905"/>
+              <a:ext cx="6919174" cy="0"/>
             </a:xfrm>
             <a:custGeom>
               <a:avLst/>
               <a:pathLst>
-                <a:path w="6917431" h="0">
+                <a:path w="6919174" h="0">
                   <a:moveTo>
                     <a:pt x="0" y="0"/>
                   </a:moveTo>
                   <a:lnTo>
-                    <a:pt x="6917431" y="0"/>
-                  </a:lnTo>
-                  <a:lnTo>
-                    <a:pt x="6917431" y="0"/>
+                    <a:pt x="6919174" y="0"/>
+                  </a:lnTo>
+                  <a:lnTo>
+                    <a:pt x="6919174" y="0"/>
                   </a:lnTo>
                 </a:path>
               </a:pathLst>
@@ -3476,21 +3476,21 @@
           </p:nvSpPr>
           <p:spPr>
             <a:xfrm>
-              <a:off x="2019661" y="4940655"/>
-              <a:ext cx="6917431" cy="0"/>
+              <a:off x="2017917" y="4943709"/>
+              <a:ext cx="6919174" cy="0"/>
             </a:xfrm>
             <a:custGeom>
               <a:avLst/>
               <a:pathLst>
-                <a:path w="6917431" h="0">
+                <a:path w="6919174" h="0">
                   <a:moveTo>
                     <a:pt x="0" y="0"/>
                   </a:moveTo>
                   <a:lnTo>
-                    <a:pt x="6917431" y="0"/>
-                  </a:lnTo>
-                  <a:lnTo>
-                    <a:pt x="6917431" y="0"/>
+                    <a:pt x="6919174" y="0"/>
+                  </a:lnTo>
+                  <a:lnTo>
+                    <a:pt x="6919174" y="0"/>
                   </a:lnTo>
                 </a:path>
               </a:pathLst>
@@ -3519,21 +3519,21 @@
           </p:nvSpPr>
           <p:spPr>
             <a:xfrm>
-              <a:off x="2019661" y="4499860"/>
-              <a:ext cx="6917431" cy="0"/>
+              <a:off x="2017917" y="4502513"/>
+              <a:ext cx="6919174" cy="0"/>
             </a:xfrm>
             <a:custGeom>
               <a:avLst/>
               <a:pathLst>
-                <a:path w="6917431" h="0">
+                <a:path w="6919174" h="0">
                   <a:moveTo>
                     <a:pt x="0" y="0"/>
                   </a:moveTo>
                   <a:lnTo>
-                    <a:pt x="6917431" y="0"/>
-                  </a:lnTo>
-                  <a:lnTo>
-                    <a:pt x="6917431" y="0"/>
+                    <a:pt x="6919174" y="0"/>
+                  </a:lnTo>
+                  <a:lnTo>
+                    <a:pt x="6919174" y="0"/>
                   </a:lnTo>
                 </a:path>
               </a:pathLst>
@@ -3562,21 +3562,21 @@
           </p:nvSpPr>
           <p:spPr>
             <a:xfrm>
-              <a:off x="2019661" y="4059066"/>
-              <a:ext cx="6917431" cy="0"/>
+              <a:off x="2017917" y="4061316"/>
+              <a:ext cx="6919174" cy="0"/>
             </a:xfrm>
             <a:custGeom>
               <a:avLst/>
               <a:pathLst>
-                <a:path w="6917431" h="0">
+                <a:path w="6919174" h="0">
                   <a:moveTo>
                     <a:pt x="0" y="0"/>
                   </a:moveTo>
                   <a:lnTo>
-                    <a:pt x="6917431" y="0"/>
-                  </a:lnTo>
-                  <a:lnTo>
-                    <a:pt x="6917431" y="0"/>
+                    <a:pt x="6919174" y="0"/>
+                  </a:lnTo>
+                  <a:lnTo>
+                    <a:pt x="6919174" y="0"/>
                   </a:lnTo>
                 </a:path>
               </a:pathLst>
@@ -3605,21 +3605,21 @@
           </p:nvSpPr>
           <p:spPr>
             <a:xfrm>
-              <a:off x="2019661" y="3618271"/>
-              <a:ext cx="6917431" cy="0"/>
+              <a:off x="2017917" y="3620120"/>
+              <a:ext cx="6919174" cy="0"/>
             </a:xfrm>
             <a:custGeom>
               <a:avLst/>
               <a:pathLst>
-                <a:path w="6917431" h="0">
+                <a:path w="6919174" h="0">
                   <a:moveTo>
                     <a:pt x="0" y="0"/>
                   </a:moveTo>
                   <a:lnTo>
-                    <a:pt x="6917431" y="0"/>
-                  </a:lnTo>
-                  <a:lnTo>
-                    <a:pt x="6917431" y="0"/>
+                    <a:pt x="6919174" y="0"/>
+                  </a:lnTo>
+                  <a:lnTo>
+                    <a:pt x="6919174" y="0"/>
                   </a:lnTo>
                 </a:path>
               </a:pathLst>
@@ -3648,21 +3648,21 @@
           </p:nvSpPr>
           <p:spPr>
             <a:xfrm>
-              <a:off x="2019661" y="3177477"/>
-              <a:ext cx="6917431" cy="0"/>
+              <a:off x="2017917" y="3178924"/>
+              <a:ext cx="6919174" cy="0"/>
             </a:xfrm>
             <a:custGeom>
               <a:avLst/>
               <a:pathLst>
-                <a:path w="6917431" h="0">
+                <a:path w="6919174" h="0">
                   <a:moveTo>
                     <a:pt x="0" y="0"/>
                   </a:moveTo>
                   <a:lnTo>
-                    <a:pt x="6917431" y="0"/>
-                  </a:lnTo>
-                  <a:lnTo>
-                    <a:pt x="6917431" y="0"/>
+                    <a:pt x="6919174" y="0"/>
+                  </a:lnTo>
+                  <a:lnTo>
+                    <a:pt x="6919174" y="0"/>
                   </a:lnTo>
                 </a:path>
               </a:pathLst>
@@ -3691,21 +3691,21 @@
           </p:nvSpPr>
           <p:spPr>
             <a:xfrm>
-              <a:off x="2019661" y="2736682"/>
-              <a:ext cx="6917431" cy="0"/>
+              <a:off x="2017917" y="2737727"/>
+              <a:ext cx="6919174" cy="0"/>
             </a:xfrm>
             <a:custGeom>
               <a:avLst/>
               <a:pathLst>
-                <a:path w="6917431" h="0">
+                <a:path w="6919174" h="0">
                   <a:moveTo>
                     <a:pt x="0" y="0"/>
                   </a:moveTo>
                   <a:lnTo>
-                    <a:pt x="6917431" y="0"/>
-                  </a:lnTo>
-                  <a:lnTo>
-                    <a:pt x="6917431" y="0"/>
+                    <a:pt x="6919174" y="0"/>
+                  </a:lnTo>
+                  <a:lnTo>
+                    <a:pt x="6919174" y="0"/>
                   </a:lnTo>
                 </a:path>
               </a:pathLst>
@@ -3734,21 +3734,21 @@
           </p:nvSpPr>
           <p:spPr>
             <a:xfrm>
-              <a:off x="2019661" y="2295888"/>
-              <a:ext cx="6917431" cy="0"/>
+              <a:off x="2017917" y="2296531"/>
+              <a:ext cx="6919174" cy="0"/>
             </a:xfrm>
             <a:custGeom>
               <a:avLst/>
               <a:pathLst>
-                <a:path w="6917431" h="0">
+                <a:path w="6919174" h="0">
                   <a:moveTo>
                     <a:pt x="0" y="0"/>
                   </a:moveTo>
                   <a:lnTo>
-                    <a:pt x="6917431" y="0"/>
-                  </a:lnTo>
-                  <a:lnTo>
-                    <a:pt x="6917431" y="0"/>
+                    <a:pt x="6919174" y="0"/>
+                  </a:lnTo>
+                  <a:lnTo>
+                    <a:pt x="6919174" y="0"/>
                   </a:lnTo>
                 </a:path>
               </a:pathLst>
@@ -3777,21 +3777,21 @@
           </p:nvSpPr>
           <p:spPr>
             <a:xfrm>
-              <a:off x="2019661" y="1855093"/>
-              <a:ext cx="6917431" cy="0"/>
+              <a:off x="2017917" y="1855335"/>
+              <a:ext cx="6919174" cy="0"/>
             </a:xfrm>
             <a:custGeom>
               <a:avLst/>
               <a:pathLst>
-                <a:path w="6917431" h="0">
+                <a:path w="6919174" h="0">
                   <a:moveTo>
                     <a:pt x="0" y="0"/>
                   </a:moveTo>
                   <a:lnTo>
-                    <a:pt x="6917431" y="0"/>
-                  </a:lnTo>
-                  <a:lnTo>
-                    <a:pt x="6917431" y="0"/>
+                    <a:pt x="6919174" y="0"/>
+                  </a:lnTo>
+                  <a:lnTo>
+                    <a:pt x="6919174" y="0"/>
                   </a:lnTo>
                 </a:path>
               </a:pathLst>
@@ -3820,15 +3820,15 @@
           </p:nvSpPr>
           <p:spPr>
             <a:xfrm>
-              <a:off x="2019661" y="1590617"/>
-              <a:ext cx="0" cy="4055309"/>
+              <a:off x="2017917" y="1590617"/>
+              <a:ext cx="0" cy="4059006"/>
             </a:xfrm>
             <a:custGeom>
               <a:avLst/>
               <a:pathLst>
-                <a:path w="0" h="4055309">
+                <a:path w="0" h="4059006">
                   <a:moveTo>
-                    <a:pt x="0" y="4055309"/>
+                    <a:pt x="0" y="4059006"/>
                   </a:moveTo>
                   <a:lnTo>
                     <a:pt x="0" y="0"/>
@@ -3863,15 +3863,15 @@
           </p:nvSpPr>
           <p:spPr>
             <a:xfrm>
-              <a:off x="3511477" y="1590617"/>
-              <a:ext cx="0" cy="4055309"/>
+              <a:off x="3510109" y="1590617"/>
+              <a:ext cx="0" cy="4059006"/>
             </a:xfrm>
             <a:custGeom>
               <a:avLst/>
               <a:pathLst>
-                <a:path w="0" h="4055309">
+                <a:path w="0" h="4059006">
                   <a:moveTo>
-                    <a:pt x="0" y="4055309"/>
+                    <a:pt x="0" y="4059006"/>
                   </a:moveTo>
                   <a:lnTo>
                     <a:pt x="0" y="0"/>
@@ -3906,15 +3906,15 @@
           </p:nvSpPr>
           <p:spPr>
             <a:xfrm>
-              <a:off x="5003293" y="1590617"/>
-              <a:ext cx="0" cy="4055309"/>
+              <a:off x="5002301" y="1590617"/>
+              <a:ext cx="0" cy="4059006"/>
             </a:xfrm>
             <a:custGeom>
               <a:avLst/>
               <a:pathLst>
-                <a:path w="0" h="4055309">
+                <a:path w="0" h="4059006">
                   <a:moveTo>
-                    <a:pt x="0" y="4055309"/>
+                    <a:pt x="0" y="4059006"/>
                   </a:moveTo>
                   <a:lnTo>
                     <a:pt x="0" y="0"/>
@@ -3949,15 +3949,15 @@
           </p:nvSpPr>
           <p:spPr>
             <a:xfrm>
-              <a:off x="6495109" y="1590617"/>
-              <a:ext cx="0" cy="4055309"/>
+              <a:off x="6494493" y="1590617"/>
+              <a:ext cx="0" cy="4059006"/>
             </a:xfrm>
             <a:custGeom>
               <a:avLst/>
               <a:pathLst>
-                <a:path w="0" h="4055309">
+                <a:path w="0" h="4059006">
                   <a:moveTo>
-                    <a:pt x="0" y="4055309"/>
+                    <a:pt x="0" y="4059006"/>
                   </a:moveTo>
                   <a:lnTo>
                     <a:pt x="0" y="0"/>
@@ -3992,15 +3992,15 @@
           </p:nvSpPr>
           <p:spPr>
             <a:xfrm>
-              <a:off x="7986925" y="1590617"/>
-              <a:ext cx="0" cy="4055309"/>
+              <a:off x="7986685" y="1590617"/>
+              <a:ext cx="0" cy="4059006"/>
             </a:xfrm>
             <a:custGeom>
               <a:avLst/>
               <a:pathLst>
-                <a:path w="0" h="4055309">
+                <a:path w="0" h="4059006">
                   <a:moveTo>
-                    <a:pt x="0" y="4055309"/>
+                    <a:pt x="0" y="4059006"/>
                   </a:moveTo>
                   <a:lnTo>
                     <a:pt x="0" y="0"/>
@@ -4035,8 +4035,8 @@
           </p:nvSpPr>
           <p:spPr>
             <a:xfrm>
-              <a:off x="2019661" y="1656736"/>
-              <a:ext cx="6781795" cy="396715"/>
+              <a:off x="2017917" y="1656796"/>
+              <a:ext cx="6783504" cy="397076"/>
             </a:xfrm>
             <a:prstGeom prst="rect">
               <a:avLst/>
@@ -4061,8 +4061,8 @@
           </p:nvSpPr>
           <p:spPr>
             <a:xfrm>
-              <a:off x="2019661" y="2097530"/>
-              <a:ext cx="5728573" cy="396715"/>
+              <a:off x="2017917" y="2097993"/>
+              <a:ext cx="5730017" cy="397076"/>
             </a:xfrm>
             <a:prstGeom prst="rect">
               <a:avLst/>
@@ -4087,8 +4087,8 @@
           </p:nvSpPr>
           <p:spPr>
             <a:xfrm>
-              <a:off x="2019661" y="2538325"/>
-              <a:ext cx="5272077" cy="396715"/>
+              <a:off x="2017917" y="2539189"/>
+              <a:ext cx="5273406" cy="397076"/>
             </a:xfrm>
             <a:prstGeom prst="rect">
               <a:avLst/>
@@ -4113,8 +4113,8 @@
           </p:nvSpPr>
           <p:spPr>
             <a:xfrm>
-              <a:off x="2019661" y="2979119"/>
-              <a:ext cx="4484398" cy="396715"/>
+              <a:off x="2017917" y="2980385"/>
+              <a:ext cx="4485529" cy="397076"/>
             </a:xfrm>
             <a:prstGeom prst="rect">
               <a:avLst/>
@@ -4139,8 +4139,8 @@
           </p:nvSpPr>
           <p:spPr>
             <a:xfrm>
-              <a:off x="2019661" y="3419914"/>
-              <a:ext cx="4132330" cy="396715"/>
+              <a:off x="2017917" y="3421582"/>
+              <a:ext cx="4133371" cy="397076"/>
             </a:xfrm>
             <a:prstGeom prst="rect">
               <a:avLst/>
@@ -4165,8 +4165,8 @@
           </p:nvSpPr>
           <p:spPr>
             <a:xfrm>
-              <a:off x="2019661" y="3860708"/>
-              <a:ext cx="3845901" cy="396715"/>
+              <a:off x="2017917" y="3862778"/>
+              <a:ext cx="3846870" cy="397076"/>
             </a:xfrm>
             <a:prstGeom prst="rect">
               <a:avLst/>
@@ -4191,8 +4191,8 @@
           </p:nvSpPr>
           <p:spPr>
             <a:xfrm>
-              <a:off x="2019661" y="4301503"/>
-              <a:ext cx="2774777" cy="396715"/>
+              <a:off x="2017917" y="4303974"/>
+              <a:ext cx="2775477" cy="397076"/>
             </a:xfrm>
             <a:prstGeom prst="rect">
               <a:avLst/>
@@ -4217,8 +4217,8 @@
           </p:nvSpPr>
           <p:spPr>
             <a:xfrm>
-              <a:off x="2019661" y="4742297"/>
-              <a:ext cx="1781228" cy="396715"/>
+              <a:off x="2017917" y="4745171"/>
+              <a:ext cx="1781677" cy="397076"/>
             </a:xfrm>
             <a:prstGeom prst="rect">
               <a:avLst/>
@@ -4243,8 +4243,8 @@
           </p:nvSpPr>
           <p:spPr>
             <a:xfrm>
-              <a:off x="2019661" y="5183092"/>
-              <a:ext cx="1739457" cy="396715"/>
+              <a:off x="2017917" y="5186367"/>
+              <a:ext cx="1739895" cy="397076"/>
             </a:xfrm>
             <a:prstGeom prst="rect">
               <a:avLst/>
@@ -4269,7 +4269,7 @@
           </p:nvSpPr>
           <p:spPr>
             <a:xfrm>
-              <a:off x="8139724" y="1789812"/>
+              <a:off x="8139658" y="1790053"/>
               <a:ext cx="95701" cy="22019"/>
             </a:xfrm>
             <a:custGeom>
@@ -4360,7 +4360,7 @@
           </p:nvSpPr>
           <p:spPr>
             <a:xfrm>
-              <a:off x="8146076" y="1814796"/>
+              <a:off x="8146010" y="1815037"/>
               <a:ext cx="82997" cy="72411"/>
             </a:xfrm>
             <a:custGeom>
@@ -4415,7 +4415,7 @@
           </p:nvSpPr>
           <p:spPr>
             <a:xfrm>
-              <a:off x="8154545" y="1822418"/>
+              <a:off x="8154479" y="1822660"/>
               <a:ext cx="66059" cy="52932"/>
             </a:xfrm>
             <a:custGeom>
@@ -4458,7 +4458,7 @@
           </p:nvSpPr>
           <p:spPr>
             <a:xfrm>
-              <a:off x="8158780" y="1825806"/>
+              <a:off x="8158714" y="1826047"/>
               <a:ext cx="57166" cy="47003"/>
             </a:xfrm>
             <a:custGeom>
@@ -4627,7 +4627,7 @@
           </p:nvSpPr>
           <p:spPr>
             <a:xfrm>
-              <a:off x="8196044" y="1852907"/>
+              <a:off x="8195978" y="1853148"/>
               <a:ext cx="17785" cy="17361"/>
             </a:xfrm>
             <a:custGeom>
@@ -4724,7 +4724,7 @@
           </p:nvSpPr>
           <p:spPr>
             <a:xfrm>
-              <a:off x="8246012" y="1789812"/>
+              <a:off x="8245946" y="1790053"/>
               <a:ext cx="34723" cy="97395"/>
             </a:xfrm>
             <a:custGeom>
@@ -4920,7 +4920,7 @@
           </p:nvSpPr>
           <p:spPr>
             <a:xfrm>
-              <a:off x="8275231" y="1789812"/>
+              <a:off x="8275165" y="1790053"/>
               <a:ext cx="70717" cy="97395"/>
             </a:xfrm>
             <a:custGeom>
@@ -5230,7 +5230,7 @@
           </p:nvSpPr>
           <p:spPr>
             <a:xfrm>
-              <a:off x="8353994" y="1789812"/>
+              <a:off x="8353928" y="1790053"/>
               <a:ext cx="37264" cy="97395"/>
             </a:xfrm>
             <a:custGeom>
@@ -5522,7 +5522,7 @@
           </p:nvSpPr>
           <p:spPr>
             <a:xfrm>
-              <a:off x="8393799" y="1789389"/>
+              <a:off x="8393733" y="1789630"/>
               <a:ext cx="58860" cy="41075"/>
             </a:xfrm>
             <a:custGeom>
@@ -5601,7 +5601,7 @@
           </p:nvSpPr>
           <p:spPr>
             <a:xfrm>
-              <a:off x="8394222" y="1833428"/>
+              <a:off x="8394156" y="1833669"/>
               <a:ext cx="58860" cy="53779"/>
             </a:xfrm>
             <a:custGeom>
@@ -5818,7 +5818,7 @@
           </p:nvSpPr>
           <p:spPr>
             <a:xfrm>
-              <a:off x="8402268" y="1855025"/>
+              <a:off x="8402202" y="1855266"/>
               <a:ext cx="15244" cy="18632"/>
             </a:xfrm>
             <a:custGeom>
@@ -5915,7 +5915,7 @@
           </p:nvSpPr>
           <p:spPr>
             <a:xfrm>
-              <a:off x="8464093" y="1841474"/>
+              <a:off x="8464027" y="1841715"/>
               <a:ext cx="97395" cy="46580"/>
             </a:xfrm>
             <a:custGeom>
@@ -6114,7 +6114,7 @@
           </p:nvSpPr>
           <p:spPr>
             <a:xfrm>
-              <a:off x="8475102" y="1792776"/>
+              <a:off x="8475036" y="1793018"/>
               <a:ext cx="82997" cy="46580"/>
             </a:xfrm>
             <a:custGeom>
@@ -6403,7 +6403,7 @@
           </p:nvSpPr>
           <p:spPr>
             <a:xfrm>
-              <a:off x="8483572" y="1800822"/>
+              <a:off x="8483506" y="1801063"/>
               <a:ext cx="55896" cy="11009"/>
             </a:xfrm>
             <a:custGeom>
@@ -6446,7 +6446,7 @@
           </p:nvSpPr>
           <p:spPr>
             <a:xfrm>
-              <a:off x="8586472" y="1789812"/>
+              <a:off x="8586406" y="1790053"/>
               <a:ext cx="19479" cy="97395"/>
             </a:xfrm>
             <a:custGeom>
@@ -6555,7 +6555,7 @@
           </p:nvSpPr>
           <p:spPr>
             <a:xfrm>
-              <a:off x="8571651" y="1810985"/>
+              <a:off x="8571585" y="1811226"/>
               <a:ext cx="11009" cy="31759"/>
             </a:xfrm>
             <a:custGeom>
@@ -6652,7 +6652,7 @@
           </p:nvSpPr>
           <p:spPr>
             <a:xfrm>
-              <a:off x="8602563" y="1790236"/>
+              <a:off x="8602497" y="1790477"/>
               <a:ext cx="67753" cy="93160"/>
             </a:xfrm>
             <a:custGeom>
@@ -6848,7 +6848,7 @@
           </p:nvSpPr>
           <p:spPr>
             <a:xfrm>
-              <a:off x="6576554" y="2234418"/>
+              <a:off x="6576223" y="2235061"/>
               <a:ext cx="27948" cy="94007"/>
             </a:xfrm>
             <a:custGeom>
@@ -7146,7 +7146,7 @@
           </p:nvSpPr>
           <p:spPr>
             <a:xfrm>
-              <a:off x="6608737" y="2235265"/>
+              <a:off x="6608406" y="2235908"/>
               <a:ext cx="13550" cy="19055"/>
             </a:xfrm>
             <a:custGeom>
@@ -7243,7 +7243,7 @@
           </p:nvSpPr>
           <p:spPr>
             <a:xfrm>
-              <a:off x="6604926" y="2267871"/>
+              <a:off x="6604594" y="2268514"/>
               <a:ext cx="66906" cy="59283"/>
             </a:xfrm>
             <a:custGeom>
@@ -7454,7 +7454,7 @@
           </p:nvSpPr>
           <p:spPr>
             <a:xfrm>
-              <a:off x="6622288" y="2231030"/>
+              <a:off x="6621956" y="2231673"/>
               <a:ext cx="47850" cy="82574"/>
             </a:xfrm>
             <a:custGeom>
@@ -7806,7 +7806,7 @@
           </p:nvSpPr>
           <p:spPr>
             <a:xfrm>
-              <a:off x="6640920" y="2266601"/>
+              <a:off x="6640588" y="2267244"/>
               <a:ext cx="20325" cy="8045"/>
             </a:xfrm>
             <a:custGeom>
@@ -7849,7 +7849,7 @@
           </p:nvSpPr>
           <p:spPr>
             <a:xfrm>
-              <a:off x="6640920" y="2281422"/>
+              <a:off x="6640588" y="2282065"/>
               <a:ext cx="20325" cy="7198"/>
             </a:xfrm>
             <a:custGeom>
@@ -7892,7 +7892,7 @@
           </p:nvSpPr>
           <p:spPr>
             <a:xfrm>
-              <a:off x="6680301" y="2230607"/>
+              <a:off x="6679970" y="2231250"/>
               <a:ext cx="44462" cy="97395"/>
             </a:xfrm>
             <a:custGeom>
@@ -8088,7 +8088,7 @@
           </p:nvSpPr>
           <p:spPr>
             <a:xfrm>
-              <a:off x="6711637" y="2236112"/>
+              <a:off x="6711306" y="2236755"/>
               <a:ext cx="69870" cy="91466"/>
             </a:xfrm>
             <a:custGeom>
@@ -8443,7 +8443,7 @@
           </p:nvSpPr>
           <p:spPr>
             <a:xfrm>
-              <a:off x="6791670" y="2235688"/>
+              <a:off x="6791339" y="2236331"/>
               <a:ext cx="39804" cy="89772"/>
             </a:xfrm>
             <a:custGeom>
@@ -8732,7 +8732,7 @@
           </p:nvSpPr>
           <p:spPr>
             <a:xfrm>
-              <a:off x="6832746" y="2230607"/>
+              <a:off x="6832414" y="2231250"/>
               <a:ext cx="55896" cy="96971"/>
             </a:xfrm>
             <a:custGeom>
@@ -8979,7 +8979,7 @@
           </p:nvSpPr>
           <p:spPr>
             <a:xfrm>
-              <a:off x="6837404" y="2267871"/>
+              <a:off x="6837072" y="2268514"/>
               <a:ext cx="21172" cy="32182"/>
             </a:xfrm>
             <a:custGeom>
@@ -9076,7 +9076,7 @@
           </p:nvSpPr>
           <p:spPr>
             <a:xfrm>
-              <a:off x="6905580" y="2236535"/>
+              <a:off x="6905249" y="2237178"/>
               <a:ext cx="30065" cy="59707"/>
             </a:xfrm>
             <a:custGeom>
@@ -9119,7 +9119,7 @@
           </p:nvSpPr>
           <p:spPr>
             <a:xfrm>
-              <a:off x="6913626" y="2243734"/>
+              <a:off x="6913295" y="2244377"/>
               <a:ext cx="13974" cy="19055"/>
             </a:xfrm>
             <a:custGeom>
@@ -9162,7 +9162,7 @@
           </p:nvSpPr>
           <p:spPr>
             <a:xfrm>
-              <a:off x="6913626" y="2269988"/>
+              <a:off x="6913295" y="2270631"/>
               <a:ext cx="13974" cy="19055"/>
             </a:xfrm>
             <a:custGeom>
@@ -9205,7 +9205,7 @@
           </p:nvSpPr>
           <p:spPr>
             <a:xfrm>
-              <a:off x="6939033" y="2234418"/>
+              <a:off x="6938702" y="2235061"/>
               <a:ext cx="54202" cy="33029"/>
             </a:xfrm>
             <a:custGeom>
@@ -9494,7 +9494,7 @@
           </p:nvSpPr>
           <p:spPr>
             <a:xfrm>
-              <a:off x="6944962" y="2270412"/>
+              <a:off x="6944630" y="2271055"/>
               <a:ext cx="45309" cy="29218"/>
             </a:xfrm>
             <a:custGeom>
@@ -9537,7 +9537,7 @@
           </p:nvSpPr>
           <p:spPr>
             <a:xfrm>
-              <a:off x="6953431" y="2277610"/>
+              <a:off x="6953100" y="2278253"/>
               <a:ext cx="28795" cy="14820"/>
             </a:xfrm>
             <a:custGeom>
@@ -9580,7 +9580,7 @@
           </p:nvSpPr>
           <p:spPr>
             <a:xfrm>
-              <a:off x="6900075" y="2305982"/>
+              <a:off x="6899744" y="2306625"/>
               <a:ext cx="19902" cy="22443"/>
             </a:xfrm>
             <a:custGeom>
@@ -9677,7 +9677,7 @@
           </p:nvSpPr>
           <p:spPr>
             <a:xfrm>
-              <a:off x="6953854" y="2306406"/>
+              <a:off x="6953523" y="2307049"/>
               <a:ext cx="16514" cy="21596"/>
             </a:xfrm>
             <a:custGeom>
@@ -9774,7 +9774,7 @@
           </p:nvSpPr>
           <p:spPr>
             <a:xfrm>
-              <a:off x="6978415" y="2306829"/>
+              <a:off x="6978084" y="2307472"/>
               <a:ext cx="19902" cy="21596"/>
             </a:xfrm>
             <a:custGeom>
@@ -9871,7 +9871,7 @@
           </p:nvSpPr>
           <p:spPr>
             <a:xfrm>
-              <a:off x="6929717" y="2307676"/>
+              <a:off x="6929386" y="2308319"/>
               <a:ext cx="15667" cy="20325"/>
             </a:xfrm>
             <a:custGeom>
@@ -9968,7 +9968,7 @@
           </p:nvSpPr>
           <p:spPr>
             <a:xfrm>
-              <a:off x="7016526" y="2230607"/>
+              <a:off x="7016195" y="2231250"/>
               <a:ext cx="18632" cy="22443"/>
             </a:xfrm>
             <a:custGeom>
@@ -10065,7 +10065,7 @@
           </p:nvSpPr>
           <p:spPr>
             <a:xfrm>
-              <a:off x="7008480" y="2261943"/>
+              <a:off x="7008149" y="2262586"/>
               <a:ext cx="32606" cy="60554"/>
             </a:xfrm>
             <a:custGeom>
@@ -10150,7 +10150,7 @@
           </p:nvSpPr>
           <p:spPr>
             <a:xfrm>
-              <a:off x="7044898" y="2230607"/>
+              <a:off x="7044566" y="2231250"/>
               <a:ext cx="61824" cy="97395"/>
             </a:xfrm>
             <a:custGeom>
@@ -10505,7 +10505,7 @@
           </p:nvSpPr>
           <p:spPr>
             <a:xfrm>
-              <a:off x="7086820" y="2231030"/>
+              <a:off x="7086489" y="2231673"/>
               <a:ext cx="14397" cy="15667"/>
             </a:xfrm>
             <a:custGeom>
@@ -10602,7 +10602,7 @@
           </p:nvSpPr>
           <p:spPr>
             <a:xfrm>
-              <a:off x="7041510" y="2272952"/>
+              <a:off x="7041179" y="2273595"/>
               <a:ext cx="35570" cy="48274"/>
             </a:xfrm>
             <a:custGeom>
@@ -10750,7 +10750,7 @@
           </p:nvSpPr>
           <p:spPr>
             <a:xfrm>
-              <a:off x="7119426" y="2233994"/>
+              <a:off x="7119095" y="2234637"/>
               <a:ext cx="36417" cy="93584"/>
             </a:xfrm>
             <a:custGeom>
@@ -10970,7 +10970,7 @@
           </p:nvSpPr>
           <p:spPr>
             <a:xfrm>
-              <a:off x="7118156" y="2294125"/>
+              <a:off x="7117824" y="2294768"/>
               <a:ext cx="22019" cy="18632"/>
             </a:xfrm>
             <a:custGeom>
@@ -11067,7 +11067,7 @@
           </p:nvSpPr>
           <p:spPr>
             <a:xfrm>
-              <a:off x="7153726" y="2231877"/>
+              <a:off x="7153395" y="2232520"/>
               <a:ext cx="60130" cy="41922"/>
             </a:xfrm>
             <a:custGeom>
@@ -11266,7 +11266,7 @@
           </p:nvSpPr>
           <p:spPr>
             <a:xfrm>
-              <a:off x="7167277" y="2245851"/>
+              <a:off x="7166945" y="2246494"/>
               <a:ext cx="33453" cy="20325"/>
             </a:xfrm>
             <a:custGeom>
@@ -11360,7 +11360,7 @@
           </p:nvSpPr>
           <p:spPr>
             <a:xfrm>
-              <a:off x="7157537" y="2278881"/>
+              <a:off x="7157206" y="2279524"/>
               <a:ext cx="54202" cy="45309"/>
             </a:xfrm>
             <a:custGeom>
@@ -11469,7 +11469,7 @@
           </p:nvSpPr>
           <p:spPr>
             <a:xfrm>
-              <a:off x="7175322" y="2280151"/>
+              <a:off x="7174991" y="2280794"/>
               <a:ext cx="12703" cy="26254"/>
             </a:xfrm>
             <a:custGeom>
@@ -11566,7 +11566,7 @@
           </p:nvSpPr>
           <p:spPr>
             <a:xfrm>
-              <a:off x="7159231" y="2282692"/>
+              <a:off x="7158900" y="2283335"/>
               <a:ext cx="13974" cy="29218"/>
             </a:xfrm>
             <a:custGeom>
@@ -11663,7 +11663,7 @@
           </p:nvSpPr>
           <p:spPr>
             <a:xfrm>
-              <a:off x="7261284" y="2240770"/>
+              <a:off x="7260953" y="2241413"/>
               <a:ext cx="38111" cy="94430"/>
             </a:xfrm>
             <a:custGeom>
@@ -11880,7 +11880,7 @@
           </p:nvSpPr>
           <p:spPr>
             <a:xfrm>
-              <a:off x="7338724" y="2240876"/>
+              <a:off x="7338393" y="2241519"/>
               <a:ext cx="52138" cy="77386"/>
             </a:xfrm>
             <a:custGeom>
@@ -12115,7 +12115,7 @@
           </p:nvSpPr>
           <p:spPr>
             <a:xfrm>
-              <a:off x="7348569" y="2249292"/>
+              <a:off x="7348238" y="2249935"/>
               <a:ext cx="26360" cy="28636"/>
             </a:xfrm>
             <a:custGeom>
@@ -12395,7 +12395,7 @@
           </p:nvSpPr>
           <p:spPr>
             <a:xfrm>
-              <a:off x="7398749" y="2239764"/>
+              <a:off x="7398418" y="2240407"/>
               <a:ext cx="55631" cy="79556"/>
             </a:xfrm>
             <a:custGeom>
@@ -13212,7 +13212,7 @@
           </p:nvSpPr>
           <p:spPr>
             <a:xfrm>
-              <a:off x="7458562" y="2240876"/>
+              <a:off x="7458231" y="2241519"/>
               <a:ext cx="54096" cy="77386"/>
             </a:xfrm>
             <a:custGeom>
@@ -13267,7 +13267,7 @@
           </p:nvSpPr>
           <p:spPr>
             <a:xfrm>
-              <a:off x="7542566" y="2240770"/>
+              <a:off x="7542234" y="2241413"/>
               <a:ext cx="38111" cy="94430"/>
             </a:xfrm>
             <a:custGeom>
@@ -13484,7 +13484,7 @@
           </p:nvSpPr>
           <p:spPr>
             <a:xfrm>
-              <a:off x="6110478" y="2671401"/>
+              <a:off x="6110031" y="2672446"/>
               <a:ext cx="95701" cy="22019"/>
             </a:xfrm>
             <a:custGeom>
@@ -13575,7 +13575,7 @@
           </p:nvSpPr>
           <p:spPr>
             <a:xfrm>
-              <a:off x="6116830" y="2696385"/>
+              <a:off x="6116383" y="2697430"/>
               <a:ext cx="82997" cy="72411"/>
             </a:xfrm>
             <a:custGeom>
@@ -13630,7 +13630,7 @@
           </p:nvSpPr>
           <p:spPr>
             <a:xfrm>
-              <a:off x="6125299" y="2704007"/>
+              <a:off x="6124852" y="2705052"/>
               <a:ext cx="66059" cy="52932"/>
             </a:xfrm>
             <a:custGeom>
@@ -13673,7 +13673,7 @@
           </p:nvSpPr>
           <p:spPr>
             <a:xfrm>
-              <a:off x="6129533" y="2707395"/>
+              <a:off x="6129087" y="2708440"/>
               <a:ext cx="57166" cy="47003"/>
             </a:xfrm>
             <a:custGeom>
@@ -13842,7 +13842,7 @@
           </p:nvSpPr>
           <p:spPr>
             <a:xfrm>
-              <a:off x="6166798" y="2734496"/>
+              <a:off x="6166351" y="2735541"/>
               <a:ext cx="17785" cy="17361"/>
             </a:xfrm>
             <a:custGeom>
@@ -13939,7 +13939,7 @@
           </p:nvSpPr>
           <p:spPr>
             <a:xfrm>
-              <a:off x="6218883" y="2671401"/>
+              <a:off x="6218436" y="2672446"/>
               <a:ext cx="95701" cy="22019"/>
             </a:xfrm>
             <a:custGeom>
@@ -14030,7 +14030,7 @@
           </p:nvSpPr>
           <p:spPr>
             <a:xfrm>
-              <a:off x="6225235" y="2691727"/>
+              <a:off x="6224788" y="2692772"/>
               <a:ext cx="20325" cy="18208"/>
             </a:xfrm>
             <a:custGeom>
@@ -14127,7 +14127,7 @@
           </p:nvSpPr>
           <p:spPr>
             <a:xfrm>
-              <a:off x="6218036" y="2712477"/>
+              <a:off x="6217589" y="2713521"/>
               <a:ext cx="19055" cy="16938"/>
             </a:xfrm>
             <a:custGeom>
@@ -14224,7 +14224,7 @@
           </p:nvSpPr>
           <p:spPr>
             <a:xfrm>
-              <a:off x="6218459" y="2733649"/>
+              <a:off x="6218013" y="2734694"/>
               <a:ext cx="25407" cy="35993"/>
             </a:xfrm>
             <a:custGeom>
@@ -14321,7 +14321,7 @@
           </p:nvSpPr>
           <p:spPr>
             <a:xfrm>
-              <a:off x="6245561" y="2693421"/>
+              <a:off x="6245114" y="2694466"/>
               <a:ext cx="71140" cy="44462"/>
             </a:xfrm>
             <a:custGeom>
@@ -14613,7 +14613,7 @@
           </p:nvSpPr>
           <p:spPr>
             <a:xfrm>
-              <a:off x="6266733" y="2707395"/>
+              <a:off x="6266287" y="2708440"/>
               <a:ext cx="27948" cy="11433"/>
             </a:xfrm>
             <a:custGeom>
@@ -14737,7 +14737,7 @@
           </p:nvSpPr>
           <p:spPr>
             <a:xfrm>
-              <a:off x="6256994" y="2737461"/>
+              <a:off x="6256547" y="2738505"/>
               <a:ext cx="47850" cy="31335"/>
             </a:xfrm>
             <a:custGeom>
@@ -14792,7 +14792,7 @@
           </p:nvSpPr>
           <p:spPr>
             <a:xfrm>
-              <a:off x="6264616" y="2744659"/>
+              <a:off x="6264170" y="2745704"/>
               <a:ext cx="32182" cy="12280"/>
             </a:xfrm>
             <a:custGeom>
@@ -14835,7 +14835,7 @@
           </p:nvSpPr>
           <p:spPr>
             <a:xfrm>
-              <a:off x="6325594" y="2675636"/>
+              <a:off x="6325148" y="2676681"/>
               <a:ext cx="56319" cy="93160"/>
             </a:xfrm>
             <a:custGeom>
@@ -14986,7 +14986,7 @@
           </p:nvSpPr>
           <p:spPr>
             <a:xfrm>
-              <a:off x="6347614" y="2683681"/>
+              <a:off x="6347167" y="2684726"/>
               <a:ext cx="14397" cy="32182"/>
             </a:xfrm>
             <a:custGeom>
@@ -15029,7 +15029,7 @@
           </p:nvSpPr>
           <p:spPr>
             <a:xfrm>
-              <a:off x="6381490" y="2672248"/>
+              <a:off x="6381044" y="2673293"/>
               <a:ext cx="36840" cy="33876"/>
             </a:xfrm>
             <a:custGeom>
@@ -15126,7 +15126,7 @@
           </p:nvSpPr>
           <p:spPr>
             <a:xfrm>
-              <a:off x="6383608" y="2700620"/>
+              <a:off x="6383161" y="2701665"/>
               <a:ext cx="36840" cy="32606"/>
             </a:xfrm>
             <a:custGeom>
@@ -15223,7 +15223,7 @@
           </p:nvSpPr>
           <p:spPr>
             <a:xfrm>
-              <a:off x="6378526" y="2727721"/>
+              <a:off x="6378080" y="2728766"/>
               <a:ext cx="46156" cy="40651"/>
             </a:xfrm>
             <a:custGeom>
@@ -15320,7 +15320,7 @@
           </p:nvSpPr>
           <p:spPr>
             <a:xfrm>
-              <a:off x="6504293" y="2671401"/>
+              <a:off x="6503846" y="2672446"/>
               <a:ext cx="15244" cy="13974"/>
             </a:xfrm>
             <a:custGeom>
@@ -15417,7 +15417,7 @@
           </p:nvSpPr>
           <p:spPr>
             <a:xfrm>
-              <a:off x="6433576" y="2671401"/>
+              <a:off x="6433129" y="2672446"/>
               <a:ext cx="98665" cy="97395"/>
             </a:xfrm>
             <a:custGeom>
@@ -15746,7 +15746,7 @@
                     <a:pt x="63747" y="69256"/>
                   </a:lnTo>
                   <a:lnTo>
-                    <a:pt x="62400" y="65042"/>
+                    <a:pt x="62400" y="65043"/>
                   </a:lnTo>
                   <a:lnTo>
                     <a:pt x="61172" y="60617"/>
@@ -16129,7 +16129,7 @@
           </p:nvSpPr>
           <p:spPr>
             <a:xfrm>
-              <a:off x="6566541" y="2670554"/>
+              <a:off x="6566095" y="2671599"/>
               <a:ext cx="15244" cy="13974"/>
             </a:xfrm>
             <a:custGeom>
@@ -16226,7 +16226,7 @@
           </p:nvSpPr>
           <p:spPr>
             <a:xfrm>
-              <a:off x="6544945" y="2670554"/>
+              <a:off x="6544498" y="2671599"/>
               <a:ext cx="93584" cy="99088"/>
             </a:xfrm>
             <a:custGeom>
@@ -16371,7 +16371,7 @@
           </p:nvSpPr>
           <p:spPr>
             <a:xfrm>
-              <a:off x="6563577" y="2694691"/>
+              <a:off x="6563130" y="2695736"/>
               <a:ext cx="23713" cy="11009"/>
             </a:xfrm>
             <a:custGeom>
@@ -16414,7 +16414,7 @@
           </p:nvSpPr>
           <p:spPr>
             <a:xfrm>
-              <a:off x="6596183" y="2694691"/>
+              <a:off x="6595737" y="2695736"/>
               <a:ext cx="23713" cy="11009"/>
             </a:xfrm>
             <a:custGeom>
@@ -16457,7 +16457,7 @@
           </p:nvSpPr>
           <p:spPr>
             <a:xfrm>
-              <a:off x="6563577" y="2713747"/>
+              <a:off x="6563130" y="2714792"/>
               <a:ext cx="23713" cy="11009"/>
             </a:xfrm>
             <a:custGeom>
@@ -16500,7 +16500,7 @@
           </p:nvSpPr>
           <p:spPr>
             <a:xfrm>
-              <a:off x="6596183" y="2713747"/>
+              <a:off x="6595737" y="2714792"/>
               <a:ext cx="23713" cy="11009"/>
             </a:xfrm>
             <a:custGeom>
@@ -16543,7 +16543,7 @@
           </p:nvSpPr>
           <p:spPr>
             <a:xfrm>
-              <a:off x="6650386" y="2671401"/>
+              <a:off x="6649939" y="2672446"/>
               <a:ext cx="34300" cy="97395"/>
             </a:xfrm>
             <a:custGeom>
@@ -16679,7 +16679,7 @@
           </p:nvSpPr>
           <p:spPr>
             <a:xfrm>
-              <a:off x="6682992" y="2670978"/>
+              <a:off x="6682545" y="2672023"/>
               <a:ext cx="63095" cy="26677"/>
             </a:xfrm>
             <a:custGeom>
@@ -16788,7 +16788,7 @@
           </p:nvSpPr>
           <p:spPr>
             <a:xfrm>
-              <a:off x="6679604" y="2701467"/>
+              <a:off x="6679158" y="2702512"/>
               <a:ext cx="69446" cy="63095"/>
             </a:xfrm>
             <a:custGeom>
@@ -16897,7 +16897,7 @@
           </p:nvSpPr>
           <p:spPr>
             <a:xfrm>
-              <a:off x="6688073" y="2703584"/>
+              <a:off x="6687627" y="2704629"/>
               <a:ext cx="18208" cy="47850"/>
             </a:xfrm>
             <a:custGeom>
@@ -16994,7 +16994,7 @@
           </p:nvSpPr>
           <p:spPr>
             <a:xfrm>
-              <a:off x="6796055" y="2681564"/>
+              <a:off x="6795608" y="2682609"/>
               <a:ext cx="38111" cy="94430"/>
             </a:xfrm>
             <a:custGeom>
@@ -17211,7 +17211,7 @@
           </p:nvSpPr>
           <p:spPr>
             <a:xfrm>
-              <a:off x="6869578" y="2680558"/>
+              <a:off x="6869131" y="2681603"/>
               <a:ext cx="55631" cy="79556"/>
             </a:xfrm>
             <a:custGeom>
@@ -18028,7 +18028,7 @@
           </p:nvSpPr>
           <p:spPr>
             <a:xfrm>
-              <a:off x="6938866" y="2681670"/>
+              <a:off x="6938419" y="2682715"/>
               <a:ext cx="40175" cy="77386"/>
             </a:xfrm>
             <a:custGeom>
@@ -18089,7 +18089,7 @@
           </p:nvSpPr>
           <p:spPr>
             <a:xfrm>
-              <a:off x="6991321" y="2681564"/>
+              <a:off x="6990875" y="2682609"/>
               <a:ext cx="56160" cy="78551"/>
             </a:xfrm>
             <a:custGeom>
@@ -18558,7 +18558,7 @@
           </p:nvSpPr>
           <p:spPr>
             <a:xfrm>
-              <a:off x="7086070" y="2681564"/>
+              <a:off x="7085623" y="2682609"/>
               <a:ext cx="38111" cy="94430"/>
             </a:xfrm>
             <a:custGeom>
@@ -18775,7 +18775,7 @@
           </p:nvSpPr>
           <p:spPr>
             <a:xfrm>
-              <a:off x="6166696" y="3112196"/>
+              <a:off x="6166051" y="3113642"/>
               <a:ext cx="24983" cy="31335"/>
             </a:xfrm>
             <a:custGeom>
@@ -18872,7 +18872,7 @@
           </p:nvSpPr>
           <p:spPr>
             <a:xfrm>
-              <a:off x="6165426" y="3135909"/>
+              <a:off x="6164781" y="3137356"/>
               <a:ext cx="28371" cy="73681"/>
             </a:xfrm>
             <a:custGeom>
@@ -19008,7 +19008,7 @@
           </p:nvSpPr>
           <p:spPr>
             <a:xfrm>
-              <a:off x="6188716" y="3113043"/>
+              <a:off x="6188071" y="3114489"/>
               <a:ext cx="75375" cy="96971"/>
             </a:xfrm>
             <a:custGeom>
@@ -19372,7 +19372,7 @@
           </p:nvSpPr>
           <p:spPr>
             <a:xfrm>
-              <a:off x="6221322" y="3157082"/>
+              <a:off x="6220677" y="3158529"/>
               <a:ext cx="30065" cy="8469"/>
             </a:xfrm>
             <a:custGeom>
@@ -19415,7 +19415,7 @@
           </p:nvSpPr>
           <p:spPr>
             <a:xfrm>
-              <a:off x="6221322" y="3172750"/>
+              <a:off x="6220677" y="3174197"/>
               <a:ext cx="30065" cy="8469"/>
             </a:xfrm>
             <a:custGeom>
@@ -19458,7 +19458,7 @@
           </p:nvSpPr>
           <p:spPr>
             <a:xfrm>
-              <a:off x="6221322" y="3187995"/>
+              <a:off x="6220677" y="3189441"/>
               <a:ext cx="30065" cy="8469"/>
             </a:xfrm>
             <a:custGeom>
@@ -19501,7 +19501,7 @@
           </p:nvSpPr>
           <p:spPr>
             <a:xfrm>
-              <a:off x="6282723" y="3112196"/>
+              <a:off x="6282078" y="3113642"/>
               <a:ext cx="17361" cy="21596"/>
             </a:xfrm>
             <a:custGeom>
@@ -19598,7 +19598,7 @@
           </p:nvSpPr>
           <p:spPr>
             <a:xfrm>
-              <a:off x="6275101" y="3143532"/>
+              <a:off x="6274456" y="3144978"/>
               <a:ext cx="32182" cy="60554"/>
             </a:xfrm>
             <a:custGeom>
@@ -19710,7 +19710,7 @@
           </p:nvSpPr>
           <p:spPr>
             <a:xfrm>
-              <a:off x="6303896" y="3117701"/>
+              <a:off x="6303251" y="3119147"/>
               <a:ext cx="69023" cy="88079"/>
             </a:xfrm>
             <a:custGeom>
@@ -19801,7 +19801,7 @@
           </p:nvSpPr>
           <p:spPr>
             <a:xfrm>
-              <a:off x="5626242" y="3552990"/>
+              <a:off x="5625508" y="3554839"/>
               <a:ext cx="84691" cy="97395"/>
             </a:xfrm>
             <a:custGeom>
@@ -19916,7 +19916,7 @@
           </p:nvSpPr>
           <p:spPr>
             <a:xfrm>
-              <a:off x="5727448" y="3556378"/>
+              <a:off x="5726714" y="3558226"/>
               <a:ext cx="96548" cy="94430"/>
             </a:xfrm>
             <a:custGeom>
@@ -20025,7 +20025,7 @@
           </p:nvSpPr>
           <p:spPr>
             <a:xfrm>
-              <a:off x="5838235" y="3562147"/>
+              <a:off x="5837501" y="3563996"/>
               <a:ext cx="55631" cy="79556"/>
             </a:xfrm>
             <a:custGeom>
@@ -20842,7 +20842,7 @@
           </p:nvSpPr>
           <p:spPr>
             <a:xfrm>
-              <a:off x="5907523" y="3563259"/>
+              <a:off x="5906790" y="3565108"/>
               <a:ext cx="40175" cy="77386"/>
             </a:xfrm>
             <a:custGeom>
@@ -20903,7 +20903,7 @@
           </p:nvSpPr>
           <p:spPr>
             <a:xfrm>
-              <a:off x="5959979" y="3563153"/>
+              <a:off x="5959245" y="3565002"/>
               <a:ext cx="56160" cy="78551"/>
             </a:xfrm>
             <a:custGeom>
@@ -21372,7 +21372,7 @@
           </p:nvSpPr>
           <p:spPr>
             <a:xfrm>
-              <a:off x="5312236" y="3993785"/>
+              <a:off x="5311430" y="3996035"/>
               <a:ext cx="95701" cy="22019"/>
             </a:xfrm>
             <a:custGeom>
@@ -21463,7 +21463,7 @@
           </p:nvSpPr>
           <p:spPr>
             <a:xfrm>
-              <a:off x="5318587" y="4018769"/>
+              <a:off x="5317782" y="4021019"/>
               <a:ext cx="82997" cy="72411"/>
             </a:xfrm>
             <a:custGeom>
@@ -21518,7 +21518,7 @@
           </p:nvSpPr>
           <p:spPr>
             <a:xfrm>
-              <a:off x="5327057" y="4026391"/>
+              <a:off x="5326251" y="4028641"/>
               <a:ext cx="66059" cy="52932"/>
             </a:xfrm>
             <a:custGeom>
@@ -21561,7 +21561,7 @@
           </p:nvSpPr>
           <p:spPr>
             <a:xfrm>
-              <a:off x="5331291" y="4029779"/>
+              <a:off x="5330485" y="4032029"/>
               <a:ext cx="57166" cy="47003"/>
             </a:xfrm>
             <a:custGeom>
@@ -21730,7 +21730,7 @@
           </p:nvSpPr>
           <p:spPr>
             <a:xfrm>
-              <a:off x="5368555" y="4056880"/>
+              <a:off x="5367749" y="4059130"/>
               <a:ext cx="17785" cy="17361"/>
             </a:xfrm>
             <a:custGeom>
@@ -21827,7 +21827,7 @@
           </p:nvSpPr>
           <p:spPr>
             <a:xfrm>
-              <a:off x="5418523" y="3993785"/>
+              <a:off x="5417717" y="3996035"/>
               <a:ext cx="34723" cy="97395"/>
             </a:xfrm>
             <a:custGeom>
@@ -22023,7 +22023,7 @@
           </p:nvSpPr>
           <p:spPr>
             <a:xfrm>
-              <a:off x="5447742" y="3993785"/>
+              <a:off x="5446936" y="3996035"/>
               <a:ext cx="70717" cy="97395"/>
             </a:xfrm>
             <a:custGeom>
@@ -22333,7 +22333,7 @@
           </p:nvSpPr>
           <p:spPr>
             <a:xfrm>
-              <a:off x="5529046" y="3993785"/>
+              <a:off x="5528240" y="3996035"/>
               <a:ext cx="35146" cy="67329"/>
             </a:xfrm>
             <a:custGeom>
@@ -22649,7 +22649,7 @@
           </p:nvSpPr>
           <p:spPr>
             <a:xfrm>
-              <a:off x="5528199" y="4065349"/>
+              <a:off x="5527393" y="4067599"/>
               <a:ext cx="33029" cy="16938"/>
             </a:xfrm>
             <a:custGeom>
@@ -22746,7 +22746,7 @@
           </p:nvSpPr>
           <p:spPr>
             <a:xfrm>
-              <a:off x="5559111" y="3993361"/>
+              <a:off x="5558305" y="3995612"/>
               <a:ext cx="63518" cy="97395"/>
             </a:xfrm>
             <a:custGeom>
@@ -22894,7 +22894,7 @@
           </p:nvSpPr>
           <p:spPr>
             <a:xfrm>
-              <a:off x="5575202" y="4012417"/>
+              <a:off x="5574396" y="4014667"/>
               <a:ext cx="39381" cy="11009"/>
             </a:xfrm>
             <a:custGeom>
@@ -22937,7 +22937,7 @@
           </p:nvSpPr>
           <p:spPr>
             <a:xfrm>
-              <a:off x="5577743" y="4039518"/>
+              <a:off x="5576937" y="4041768"/>
               <a:ext cx="46156" cy="52085"/>
             </a:xfrm>
             <a:custGeom>
@@ -23166,7 +23166,7 @@
           </p:nvSpPr>
           <p:spPr>
             <a:xfrm>
-              <a:off x="5585365" y="4047140"/>
+              <a:off x="5584559" y="4049391"/>
               <a:ext cx="5504" cy="11856"/>
             </a:xfrm>
             <a:custGeom>
@@ -23209,7 +23209,7 @@
           </p:nvSpPr>
           <p:spPr>
             <a:xfrm>
-              <a:off x="5598069" y="4047140"/>
+              <a:off x="5597263" y="4049391"/>
               <a:ext cx="5504" cy="11856"/>
             </a:xfrm>
             <a:custGeom>
@@ -23252,7 +23252,7 @@
           </p:nvSpPr>
           <p:spPr>
             <a:xfrm>
-              <a:off x="5610349" y="4047140"/>
+              <a:off x="5609543" y="4049391"/>
               <a:ext cx="5928" cy="11856"/>
             </a:xfrm>
             <a:custGeom>
@@ -23295,7 +23295,7 @@
           </p:nvSpPr>
           <p:spPr>
             <a:xfrm>
-              <a:off x="5648884" y="3997596"/>
+              <a:off x="5648078" y="3999846"/>
               <a:ext cx="70293" cy="29218"/>
             </a:xfrm>
             <a:custGeom>
@@ -23338,7 +23338,7 @@
           </p:nvSpPr>
           <p:spPr>
             <a:xfrm>
-              <a:off x="5657353" y="4005641"/>
+              <a:off x="5656547" y="4007892"/>
               <a:ext cx="53355" cy="13127"/>
             </a:xfrm>
             <a:custGeom>
@@ -23381,7 +23381,7 @@
           </p:nvSpPr>
           <p:spPr>
             <a:xfrm>
-              <a:off x="5636604" y="4034437"/>
+              <a:off x="5635798" y="4036687"/>
               <a:ext cx="97395" cy="56743"/>
             </a:xfrm>
             <a:custGeom>
@@ -23622,7 +23622,7 @@
           </p:nvSpPr>
           <p:spPr>
             <a:xfrm>
-              <a:off x="4926849" y="4449072"/>
+              <a:off x="4925836" y="4451724"/>
               <a:ext cx="33453" cy="45309"/>
             </a:xfrm>
             <a:custGeom>
@@ -23758,7 +23758,7 @@
           </p:nvSpPr>
           <p:spPr>
             <a:xfrm>
-              <a:off x="4957338" y="4452460"/>
+              <a:off x="4956325" y="4455112"/>
               <a:ext cx="65635" cy="40228"/>
             </a:xfrm>
             <a:custGeom>
@@ -24146,7 +24146,7 @@
           </p:nvSpPr>
           <p:spPr>
             <a:xfrm>
-              <a:off x="4939976" y="4498193"/>
+              <a:off x="4938963" y="4500845"/>
               <a:ext cx="69023" cy="32606"/>
             </a:xfrm>
             <a:custGeom>
@@ -24201,7 +24201,7 @@
           </p:nvSpPr>
           <p:spPr>
             <a:xfrm>
-              <a:off x="4929389" y="4509203"/>
+              <a:off x="4928377" y="4511855"/>
               <a:ext cx="50814" cy="38958"/>
             </a:xfrm>
             <a:custGeom>
@@ -24358,7 +24358,7 @@
           </p:nvSpPr>
           <p:spPr>
             <a:xfrm>
-              <a:off x="4978934" y="4528258"/>
+              <a:off x="4977921" y="4530911"/>
               <a:ext cx="40228" cy="19902"/>
             </a:xfrm>
             <a:custGeom>
@@ -24455,7 +24455,7 @@
           </p:nvSpPr>
           <p:spPr>
             <a:xfrm>
-              <a:off x="5033983" y="4498193"/>
+              <a:off x="5032971" y="4500845"/>
               <a:ext cx="98242" cy="49121"/>
             </a:xfrm>
             <a:custGeom>
@@ -24648,7 +24648,7 @@
           </p:nvSpPr>
           <p:spPr>
             <a:xfrm>
-              <a:off x="5034407" y="4449072"/>
+              <a:off x="5033394" y="4451724"/>
               <a:ext cx="48697" cy="49967"/>
             </a:xfrm>
             <a:custGeom>
@@ -25033,7 +25033,7 @@
           </p:nvSpPr>
           <p:spPr>
             <a:xfrm>
-              <a:off x="5091150" y="4457541"/>
+              <a:off x="5090138" y="4460193"/>
               <a:ext cx="35146" cy="36417"/>
             </a:xfrm>
             <a:custGeom>
@@ -25076,7 +25076,7 @@
           </p:nvSpPr>
           <p:spPr>
             <a:xfrm>
-              <a:off x="5099619" y="4465587"/>
+              <a:off x="5098607" y="4468239"/>
               <a:ext cx="18632" cy="20749"/>
             </a:xfrm>
             <a:custGeom>
@@ -25119,7 +25119,7 @@
           </p:nvSpPr>
           <p:spPr>
             <a:xfrm>
-              <a:off x="5190239" y="4452883"/>
+              <a:off x="5189227" y="4455535"/>
               <a:ext cx="46156" cy="94007"/>
             </a:xfrm>
             <a:custGeom>
@@ -25381,7 +25381,7 @@
           </p:nvSpPr>
           <p:spPr>
             <a:xfrm>
-              <a:off x="5209294" y="4460929"/>
+              <a:off x="5208282" y="4463581"/>
               <a:ext cx="18632" cy="17785"/>
             </a:xfrm>
             <a:custGeom>
@@ -25424,7 +25424,7 @@
           </p:nvSpPr>
           <p:spPr>
             <a:xfrm>
-              <a:off x="5209294" y="4486336"/>
+              <a:off x="5208282" y="4488989"/>
               <a:ext cx="18632" cy="17785"/>
             </a:xfrm>
             <a:custGeom>
@@ -25467,7 +25467,7 @@
           </p:nvSpPr>
           <p:spPr>
             <a:xfrm>
-              <a:off x="5142812" y="4449495"/>
+              <a:off x="5141799" y="4452148"/>
               <a:ext cx="52932" cy="74104"/>
             </a:xfrm>
             <a:custGeom>
@@ -25558,7 +25558,7 @@
           </p:nvSpPr>
           <p:spPr>
             <a:xfrm>
-              <a:off x="5161020" y="4469821"/>
+              <a:off x="5160008" y="4472474"/>
               <a:ext cx="17785" cy="10586"/>
             </a:xfrm>
             <a:custGeom>
@@ -25601,7 +25601,7 @@
           </p:nvSpPr>
           <p:spPr>
             <a:xfrm>
-              <a:off x="5161020" y="4487607"/>
+              <a:off x="5160008" y="4490259"/>
               <a:ext cx="17785" cy="10586"/>
             </a:xfrm>
             <a:custGeom>
@@ -25644,7 +25644,7 @@
           </p:nvSpPr>
           <p:spPr>
             <a:xfrm>
-              <a:off x="5161020" y="4505392"/>
+              <a:off x="5160008" y="4508044"/>
               <a:ext cx="17785" cy="10586"/>
             </a:xfrm>
             <a:custGeom>
@@ -25687,7 +25687,7 @@
           </p:nvSpPr>
           <p:spPr>
             <a:xfrm>
-              <a:off x="5144082" y="4525718"/>
+              <a:off x="5143070" y="4528370"/>
               <a:ext cx="22866" cy="21596"/>
             </a:xfrm>
             <a:custGeom>
@@ -25784,7 +25784,7 @@
           </p:nvSpPr>
           <p:spPr>
             <a:xfrm>
-              <a:off x="5173301" y="4525718"/>
+              <a:off x="5172288" y="4528370"/>
               <a:ext cx="15667" cy="17361"/>
             </a:xfrm>
             <a:custGeom>
@@ -25881,7 +25881,7 @@
           </p:nvSpPr>
           <p:spPr>
             <a:xfrm>
-              <a:off x="5252328" y="4458653"/>
+              <a:off x="5251316" y="4461305"/>
               <a:ext cx="55631" cy="79556"/>
             </a:xfrm>
             <a:custGeom>
@@ -26698,7 +26698,7 @@
           </p:nvSpPr>
           <p:spPr>
             <a:xfrm>
-              <a:off x="5321616" y="4459764"/>
+              <a:off x="5320604" y="4462417"/>
               <a:ext cx="40175" cy="77386"/>
             </a:xfrm>
             <a:custGeom>
@@ -26759,7 +26759,7 @@
           </p:nvSpPr>
           <p:spPr>
             <a:xfrm>
-              <a:off x="5374072" y="4459658"/>
+              <a:off x="5373060" y="4462311"/>
               <a:ext cx="56160" cy="78551"/>
             </a:xfrm>
             <a:custGeom>
@@ -27228,7 +27228,7 @@
           </p:nvSpPr>
           <p:spPr>
             <a:xfrm>
-              <a:off x="3964635" y="4890290"/>
+              <a:off x="3963372" y="4893344"/>
               <a:ext cx="65212" cy="97395"/>
             </a:xfrm>
             <a:custGeom>
@@ -27481,7 +27481,7 @@
           </p:nvSpPr>
           <p:spPr>
             <a:xfrm>
-              <a:off x="3940921" y="4894525"/>
+              <a:off x="3939659" y="4897579"/>
               <a:ext cx="38958" cy="77916"/>
             </a:xfrm>
             <a:custGeom>
@@ -27587,7 +27587,7 @@
           </p:nvSpPr>
           <p:spPr>
             <a:xfrm>
-              <a:off x="3959977" y="4900453"/>
+              <a:off x="3958714" y="4903507"/>
               <a:ext cx="24983" cy="33876"/>
             </a:xfrm>
             <a:custGeom>
@@ -27684,7 +27684,7 @@
           </p:nvSpPr>
           <p:spPr>
             <a:xfrm>
-              <a:off x="4043821" y="4891984"/>
+              <a:off x="4042559" y="4895038"/>
               <a:ext cx="92313" cy="91043"/>
             </a:xfrm>
             <a:custGeom>
@@ -27751,7 +27751,7 @@
           </p:nvSpPr>
           <p:spPr>
             <a:xfrm>
-              <a:off x="4150109" y="4889867"/>
+              <a:off x="4148846" y="4892921"/>
               <a:ext cx="94430" cy="98242"/>
             </a:xfrm>
             <a:custGeom>
@@ -28130,7 +28130,7 @@
           </p:nvSpPr>
           <p:spPr>
             <a:xfrm>
-              <a:off x="4180175" y="4930518"/>
+              <a:off x="4178912" y="4933573"/>
               <a:ext cx="47427" cy="10162"/>
             </a:xfrm>
             <a:custGeom>
@@ -28173,7 +28173,7 @@
           </p:nvSpPr>
           <p:spPr>
             <a:xfrm>
-              <a:off x="4180175" y="4948304"/>
+              <a:off x="4178912" y="4951358"/>
               <a:ext cx="47427" cy="9739"/>
             </a:xfrm>
             <a:custGeom>
@@ -28216,7 +28216,7 @@
           </p:nvSpPr>
           <p:spPr>
             <a:xfrm>
-              <a:off x="4264019" y="4890713"/>
+              <a:off x="4262756" y="4893768"/>
               <a:ext cx="26254" cy="19902"/>
             </a:xfrm>
             <a:custGeom>
@@ -28313,7 +28313,7 @@
           </p:nvSpPr>
           <p:spPr>
             <a:xfrm>
-              <a:off x="4258938" y="4916121"/>
+              <a:off x="4257675" y="4919175"/>
               <a:ext cx="24983" cy="19055"/>
             </a:xfrm>
             <a:custGeom>
@@ -28410,7 +28410,7 @@
           </p:nvSpPr>
           <p:spPr>
             <a:xfrm>
-              <a:off x="4257667" y="4943646"/>
+              <a:off x="4256405" y="4946700"/>
               <a:ext cx="27524" cy="44039"/>
             </a:xfrm>
             <a:custGeom>
@@ -28507,7 +28507,7 @@
           </p:nvSpPr>
           <p:spPr>
             <a:xfrm>
-              <a:off x="4288156" y="4893678"/>
+              <a:off x="4286893" y="4896732"/>
               <a:ext cx="66059" cy="40228"/>
             </a:xfrm>
             <a:custGeom>
@@ -28772,7 +28772,7 @@
           </p:nvSpPr>
           <p:spPr>
             <a:xfrm>
-              <a:off x="4283498" y="4936023"/>
+              <a:off x="4282235" y="4939077"/>
               <a:ext cx="71987" cy="52085"/>
             </a:xfrm>
             <a:custGeom>
@@ -28998,7 +28998,7 @@
           </p:nvSpPr>
           <p:spPr>
             <a:xfrm>
-              <a:off x="4303824" y="4943646"/>
+              <a:off x="4302561" y="4946700"/>
               <a:ext cx="32182" cy="22019"/>
             </a:xfrm>
             <a:custGeom>
@@ -29092,7 +29092,7 @@
           </p:nvSpPr>
           <p:spPr>
             <a:xfrm>
-              <a:off x="4366919" y="4889867"/>
+              <a:off x="4365656" y="4892921"/>
               <a:ext cx="94430" cy="98242"/>
             </a:xfrm>
             <a:custGeom>
@@ -29471,7 +29471,7 @@
           </p:nvSpPr>
           <p:spPr>
             <a:xfrm>
-              <a:off x="4396985" y="4930518"/>
+              <a:off x="4395722" y="4933573"/>
               <a:ext cx="47427" cy="10162"/>
             </a:xfrm>
             <a:custGeom>
@@ -29514,7 +29514,7 @@
           </p:nvSpPr>
           <p:spPr>
             <a:xfrm>
-              <a:off x="4396985" y="4948304"/>
+              <a:off x="4395722" y="4951358"/>
               <a:ext cx="47427" cy="9739"/>
             </a:xfrm>
             <a:custGeom>
@@ -29557,7 +29557,7 @@
           </p:nvSpPr>
           <p:spPr>
             <a:xfrm>
-              <a:off x="4502425" y="4891137"/>
+              <a:off x="4501163" y="4894191"/>
               <a:ext cx="68600" cy="96548"/>
             </a:xfrm>
             <a:custGeom>
@@ -29774,7 +29774,7 @@
           </p:nvSpPr>
           <p:spPr>
             <a:xfrm>
-              <a:off x="4477441" y="4899606"/>
+              <a:off x="4476179" y="4902660"/>
               <a:ext cx="28795" cy="70717"/>
             </a:xfrm>
             <a:custGeom>
@@ -29829,7 +29829,7 @@
           </p:nvSpPr>
           <p:spPr>
             <a:xfrm>
-              <a:off x="4485487" y="4907652"/>
+              <a:off x="4484224" y="4910706"/>
               <a:ext cx="12280" cy="44039"/>
             </a:xfrm>
             <a:custGeom>
@@ -29872,7 +29872,7 @@
           </p:nvSpPr>
           <p:spPr>
             <a:xfrm>
-              <a:off x="4584153" y="4892831"/>
+              <a:off x="4582890" y="4895885"/>
               <a:ext cx="21172" cy="20325"/>
             </a:xfrm>
             <a:custGeom>
@@ -29969,7 +29969,7 @@
           </p:nvSpPr>
           <p:spPr>
             <a:xfrm>
-              <a:off x="4582459" y="4927978"/>
+              <a:off x="4581196" y="4931032"/>
               <a:ext cx="98242" cy="58860"/>
             </a:xfrm>
             <a:custGeom>
@@ -30180,7 +30180,7 @@
           </p:nvSpPr>
           <p:spPr>
             <a:xfrm>
-              <a:off x="4615912" y="4890713"/>
+              <a:off x="4614649" y="4893768"/>
               <a:ext cx="63095" cy="81727"/>
             </a:xfrm>
             <a:custGeom>
@@ -30427,7 +30427,7 @@
           </p:nvSpPr>
           <p:spPr>
             <a:xfrm>
-              <a:off x="4618029" y="4923743"/>
+              <a:off x="4616766" y="4926797"/>
               <a:ext cx="18632" cy="28371"/>
             </a:xfrm>
             <a:custGeom>
@@ -30524,7 +30524,7 @@
           </p:nvSpPr>
           <p:spPr>
             <a:xfrm>
-              <a:off x="3892375" y="5334049"/>
+              <a:off x="3891102" y="5337505"/>
               <a:ext cx="21172" cy="26254"/>
             </a:xfrm>
             <a:custGeom>
@@ -30621,7 +30621,7 @@
           </p:nvSpPr>
           <p:spPr>
             <a:xfrm>
-              <a:off x="3890681" y="5381899"/>
+              <a:off x="3889408" y="5385355"/>
               <a:ext cx="22866" cy="44462"/>
             </a:xfrm>
             <a:custGeom>
@@ -30718,7 +30718,7 @@
           </p:nvSpPr>
           <p:spPr>
             <a:xfrm>
-              <a:off x="3915665" y="5331084"/>
+              <a:off x="3914392" y="5334540"/>
               <a:ext cx="73258" cy="45309"/>
             </a:xfrm>
             <a:custGeom>
@@ -30881,7 +30881,7 @@
           </p:nvSpPr>
           <p:spPr>
             <a:xfrm>
-              <a:off x="3943614" y="5361573"/>
+              <a:off x="3942340" y="5365029"/>
               <a:ext cx="18208" cy="16514"/>
             </a:xfrm>
             <a:custGeom>
@@ -30978,7 +30978,7 @@
           </p:nvSpPr>
           <p:spPr>
             <a:xfrm>
-              <a:off x="3926252" y="5383170"/>
+              <a:off x="3924979" y="5386626"/>
               <a:ext cx="52085" cy="45733"/>
             </a:xfrm>
             <a:custGeom>
@@ -31150,7 +31150,7 @@
           </p:nvSpPr>
           <p:spPr>
             <a:xfrm>
-              <a:off x="3997816" y="5331084"/>
+              <a:off x="3996543" y="5334540"/>
               <a:ext cx="32182" cy="34723"/>
             </a:xfrm>
             <a:custGeom>
@@ -31286,7 +31286,7 @@
           </p:nvSpPr>
           <p:spPr>
             <a:xfrm>
-              <a:off x="4000780" y="5361573"/>
+              <a:off x="3999507" y="5365029"/>
               <a:ext cx="29218" cy="64365"/>
             </a:xfrm>
             <a:custGeom>
@@ -31428,7 +31428,7 @@
           </p:nvSpPr>
           <p:spPr>
             <a:xfrm>
-              <a:off x="4056253" y="5330661"/>
+              <a:off x="4054980" y="5334117"/>
               <a:ext cx="40228" cy="85114"/>
             </a:xfrm>
             <a:custGeom>
@@ -31633,7 +31633,7 @@
           </p:nvSpPr>
           <p:spPr>
             <a:xfrm>
-              <a:off x="4032963" y="5335742"/>
+              <a:off x="4031690" y="5339199"/>
               <a:ext cx="13550" cy="19055"/>
             </a:xfrm>
             <a:custGeom>
@@ -31730,7 +31730,7 @@
           </p:nvSpPr>
           <p:spPr>
             <a:xfrm>
-              <a:off x="4029152" y="5368349"/>
+              <a:off x="4027879" y="5371805"/>
               <a:ext cx="66906" cy="59283"/>
             </a:xfrm>
             <a:custGeom>
@@ -31941,7 +31941,7 @@
           </p:nvSpPr>
           <p:spPr>
             <a:xfrm>
-              <a:off x="4140521" y="5331084"/>
+              <a:off x="4139248" y="5334540"/>
               <a:ext cx="63095" cy="96124"/>
             </a:xfrm>
             <a:custGeom>
@@ -32389,7 +32389,7 @@
           </p:nvSpPr>
           <p:spPr>
             <a:xfrm>
-              <a:off x="4105798" y="5331084"/>
+              <a:off x="4104524" y="5334540"/>
               <a:ext cx="37264" cy="97395"/>
             </a:xfrm>
             <a:custGeom>
@@ -32681,7 +32681,7 @@
           </p:nvSpPr>
           <p:spPr>
             <a:xfrm>
-              <a:off x="4219708" y="5331931"/>
+              <a:off x="4218434" y="5335387"/>
               <a:ext cx="22866" cy="19479"/>
             </a:xfrm>
             <a:custGeom>
@@ -32778,7 +32778,7 @@
           </p:nvSpPr>
           <p:spPr>
             <a:xfrm>
-              <a:off x="4215473" y="5358186"/>
+              <a:off x="4214200" y="5361642"/>
               <a:ext cx="21596" cy="17785"/>
             </a:xfrm>
             <a:custGeom>
@@ -32875,7 +32875,7 @@
           </p:nvSpPr>
           <p:spPr>
             <a:xfrm>
-              <a:off x="4215050" y="5384863"/>
+              <a:off x="4213776" y="5388320"/>
               <a:ext cx="23290" cy="43616"/>
             </a:xfrm>
             <a:custGeom>
@@ -32972,7 +32972,7 @@
           </p:nvSpPr>
           <p:spPr>
             <a:xfrm>
-              <a:off x="4247232" y="5330661"/>
+              <a:off x="4245959" y="5334117"/>
               <a:ext cx="64365" cy="50814"/>
             </a:xfrm>
             <a:custGeom>
@@ -33303,7 +33303,7 @@
           </p:nvSpPr>
           <p:spPr>
             <a:xfrm>
-              <a:off x="4240033" y="5382323"/>
+              <a:off x="4238760" y="5385779"/>
               <a:ext cx="24983" cy="46580"/>
             </a:xfrm>
             <a:custGeom>
@@ -33460,7 +33460,7 @@
           </p:nvSpPr>
           <p:spPr>
             <a:xfrm>
-              <a:off x="4290001" y="5384017"/>
+              <a:off x="4288728" y="5387473"/>
               <a:ext cx="23713" cy="43616"/>
             </a:xfrm>
             <a:custGeom>
@@ -33713,7 +33713,7 @@
           </p:nvSpPr>
           <p:spPr>
             <a:xfrm>
-              <a:off x="4273063" y="5384440"/>
+              <a:off x="4271790" y="5387896"/>
               <a:ext cx="8045" cy="44039"/>
             </a:xfrm>
             <a:custGeom>
@@ -33756,8 +33756,8 @@
           </p:nvSpPr>
           <p:spPr>
             <a:xfrm>
-              <a:off x="2019661" y="1590617"/>
-              <a:ext cx="6917431" cy="4055309"/>
+              <a:off x="2017917" y="1590617"/>
+              <a:ext cx="6919174" cy="4059006"/>
             </a:xfrm>
             <a:prstGeom prst="rect">
               <a:avLst/>
@@ -33786,7 +33786,7 @@
           </p:nvSpPr>
           <p:spPr>
             <a:xfrm>
-              <a:off x="1926585" y="5341859"/>
+              <a:off x="1924841" y="5345315"/>
               <a:ext cx="54133" cy="79126"/>
             </a:xfrm>
             <a:custGeom>
@@ -34660,7 +34660,7 @@
           </p:nvSpPr>
           <p:spPr>
             <a:xfrm>
-              <a:off x="1942138" y="5353864"/>
+              <a:off x="1940394" y="5357320"/>
               <a:ext cx="22373" cy="27939"/>
             </a:xfrm>
             <a:custGeom>
@@ -35171,7 +35171,7 @@
           </p:nvSpPr>
           <p:spPr>
             <a:xfrm>
-              <a:off x="1926258" y="4901064"/>
+              <a:off x="1924514" y="4904118"/>
               <a:ext cx="55170" cy="79126"/>
             </a:xfrm>
             <a:custGeom>
@@ -36168,7 +36168,7 @@
           </p:nvSpPr>
           <p:spPr>
             <a:xfrm>
-              <a:off x="1943720" y="4911814"/>
+              <a:off x="1941977" y="4914869"/>
               <a:ext cx="20027" cy="21555"/>
             </a:xfrm>
             <a:custGeom>
@@ -36679,7 +36679,7 @@
           </p:nvSpPr>
           <p:spPr>
             <a:xfrm>
-              <a:off x="1942028" y="4944120"/>
+              <a:off x="1940285" y="4947174"/>
               <a:ext cx="23519" cy="25266"/>
             </a:xfrm>
             <a:custGeom>
@@ -37190,7 +37190,7 @@
           </p:nvSpPr>
           <p:spPr>
             <a:xfrm>
-              <a:off x="1927513" y="4461416"/>
+              <a:off x="1925769" y="4464068"/>
               <a:ext cx="52442" cy="76889"/>
             </a:xfrm>
             <a:custGeom>
@@ -37476,7 +37476,7 @@
           </p:nvSpPr>
           <p:spPr>
             <a:xfrm>
-              <a:off x="1926803" y="4019475"/>
+              <a:off x="1925060" y="4021726"/>
               <a:ext cx="54024" cy="79126"/>
             </a:xfrm>
             <a:custGeom>
@@ -38170,7 +38170,7 @@
           </p:nvSpPr>
           <p:spPr>
             <a:xfrm>
-              <a:off x="1942902" y="4059311"/>
+              <a:off x="1941158" y="4061562"/>
               <a:ext cx="22537" cy="27339"/>
             </a:xfrm>
             <a:custGeom>
@@ -38621,7 +38621,7 @@
           </p:nvSpPr>
           <p:spPr>
             <a:xfrm>
-              <a:off x="1926148" y="3579827"/>
+              <a:off x="1924405" y="3581675"/>
               <a:ext cx="55607" cy="77980"/>
             </a:xfrm>
             <a:custGeom>
@@ -39453,7 +39453,7 @@
           </p:nvSpPr>
           <p:spPr>
             <a:xfrm>
-              <a:off x="1924402" y="3139032"/>
+              <a:off x="1922659" y="3140479"/>
               <a:ext cx="59863" cy="76889"/>
             </a:xfrm>
             <a:custGeom>
@@ -39517,7 +39517,7 @@
           </p:nvSpPr>
           <p:spPr>
             <a:xfrm>
-              <a:off x="1936899" y="3153018"/>
+              <a:off x="1935155" y="3154465"/>
               <a:ext cx="22952" cy="35836"/>
             </a:xfrm>
             <a:custGeom>
@@ -39669,7 +39669,7 @@
                     <a:pt x="22327" y="1184"/>
                   </a:lnTo>
                   <a:lnTo>
-                    <a:pt x="22217" y="1396"/>
+                    <a:pt x="22217" y="1397"/>
                   </a:lnTo>
                   <a:lnTo>
                     <a:pt x="22100" y="1620"/>
@@ -39794,7 +39794,7 @@
           </p:nvSpPr>
           <p:spPr>
             <a:xfrm>
-              <a:off x="1925275" y="2697092"/>
+              <a:off x="1923532" y="2698137"/>
               <a:ext cx="55552" cy="79290"/>
             </a:xfrm>
             <a:custGeom>
@@ -40717,7 +40717,7 @@
                     <a:pt x="26919" y="13"/>
                   </a:lnTo>
                   <a:lnTo>
-                    <a:pt x="27939" y="0"/>
+                    <a:pt x="27940" y="0"/>
                   </a:lnTo>
                   <a:lnTo>
                     <a:pt x="29274" y="16"/>
@@ -41103,7 +41103,7 @@
           </p:nvSpPr>
           <p:spPr>
             <a:xfrm>
-              <a:off x="1926585" y="2256297"/>
+              <a:off x="1924841" y="2256940"/>
               <a:ext cx="53806" cy="78035"/>
             </a:xfrm>
             <a:custGeom>
@@ -41869,7 +41869,7 @@
           </p:nvSpPr>
           <p:spPr>
             <a:xfrm>
-              <a:off x="1929750" y="1816649"/>
+              <a:off x="1928007" y="1816890"/>
               <a:ext cx="52005" cy="76889"/>
             </a:xfrm>
             <a:custGeom>
@@ -41933,7 +41933,7 @@
           </p:nvSpPr>
           <p:spPr>
             <a:xfrm>
-              <a:off x="1984866" y="5381449"/>
+              <a:off x="1983123" y="5384905"/>
               <a:ext cx="34794" cy="0"/>
             </a:xfrm>
             <a:custGeom>
@@ -41973,7 +41973,7 @@
           </p:nvSpPr>
           <p:spPr>
             <a:xfrm>
-              <a:off x="1984866" y="4940655"/>
+              <a:off x="1983123" y="4943709"/>
               <a:ext cx="34794" cy="0"/>
             </a:xfrm>
             <a:custGeom>
@@ -42013,7 +42013,7 @@
           </p:nvSpPr>
           <p:spPr>
             <a:xfrm>
-              <a:off x="1984866" y="4499860"/>
+              <a:off x="1983123" y="4502513"/>
               <a:ext cx="34794" cy="0"/>
             </a:xfrm>
             <a:custGeom>
@@ -42053,7 +42053,7 @@
           </p:nvSpPr>
           <p:spPr>
             <a:xfrm>
-              <a:off x="1984866" y="4059066"/>
+              <a:off x="1983123" y="4061316"/>
               <a:ext cx="34794" cy="0"/>
             </a:xfrm>
             <a:custGeom>
@@ -42093,7 +42093,7 @@
           </p:nvSpPr>
           <p:spPr>
             <a:xfrm>
-              <a:off x="1984866" y="3618271"/>
+              <a:off x="1983123" y="3620120"/>
               <a:ext cx="34794" cy="0"/>
             </a:xfrm>
             <a:custGeom>
@@ -42133,7 +42133,7 @@
           </p:nvSpPr>
           <p:spPr>
             <a:xfrm>
-              <a:off x="1984866" y="3177477"/>
+              <a:off x="1983123" y="3178924"/>
               <a:ext cx="34794" cy="0"/>
             </a:xfrm>
             <a:custGeom>
@@ -42173,7 +42173,7 @@
           </p:nvSpPr>
           <p:spPr>
             <a:xfrm>
-              <a:off x="1984866" y="2736682"/>
+              <a:off x="1983123" y="2737727"/>
               <a:ext cx="34794" cy="0"/>
             </a:xfrm>
             <a:custGeom>
@@ -42213,7 +42213,7 @@
           </p:nvSpPr>
           <p:spPr>
             <a:xfrm>
-              <a:off x="1984866" y="2295888"/>
+              <a:off x="1983123" y="2296531"/>
               <a:ext cx="34794" cy="0"/>
             </a:xfrm>
             <a:custGeom>
@@ -42253,7 +42253,7 @@
           </p:nvSpPr>
           <p:spPr>
             <a:xfrm>
-              <a:off x="1984866" y="1855093"/>
+              <a:off x="1983123" y="1855335"/>
               <a:ext cx="34794" cy="0"/>
             </a:xfrm>
             <a:custGeom>
@@ -42293,7 +42293,7 @@
           </p:nvSpPr>
           <p:spPr>
             <a:xfrm>
-              <a:off x="2019661" y="5645926"/>
+              <a:off x="2017917" y="5649623"/>
               <a:ext cx="0" cy="34794"/>
             </a:xfrm>
             <a:custGeom>
@@ -42333,7 +42333,7 @@
           </p:nvSpPr>
           <p:spPr>
             <a:xfrm>
-              <a:off x="3511477" y="5645926"/>
+              <a:off x="3510109" y="5649623"/>
               <a:ext cx="0" cy="34794"/>
             </a:xfrm>
             <a:custGeom>
@@ -42373,7 +42373,7 @@
           </p:nvSpPr>
           <p:spPr>
             <a:xfrm>
-              <a:off x="5003293" y="5645926"/>
+              <a:off x="5002301" y="5649623"/>
               <a:ext cx="0" cy="34794"/>
             </a:xfrm>
             <a:custGeom>
@@ -42413,7 +42413,7 @@
           </p:nvSpPr>
           <p:spPr>
             <a:xfrm>
-              <a:off x="6495109" y="5645926"/>
+              <a:off x="6494493" y="5649623"/>
               <a:ext cx="0" cy="34794"/>
             </a:xfrm>
             <a:custGeom>
@@ -42453,7 +42453,7 @@
           </p:nvSpPr>
           <p:spPr>
             <a:xfrm>
-              <a:off x="7986925" y="5645926"/>
+              <a:off x="7986685" y="5649623"/>
               <a:ext cx="0" cy="34794"/>
             </a:xfrm>
             <a:custGeom>
@@ -42493,7 +42493,7 @@
           </p:nvSpPr>
           <p:spPr>
             <a:xfrm>
-              <a:off x="1992948" y="5707410"/>
+              <a:off x="1991205" y="5711107"/>
               <a:ext cx="53424" cy="79126"/>
             </a:xfrm>
             <a:custGeom>
@@ -42936,7 +42936,7 @@
                     <a:pt x="48312" y="12306"/>
                   </a:lnTo>
                   <a:lnTo>
-                    <a:pt x="48894" y="13492"/>
+                    <a:pt x="48895" y="13492"/>
                   </a:lnTo>
                   <a:lnTo>
                     <a:pt x="49447" y="14740"/>
@@ -43004,7 +43004,7 @@
           </p:nvSpPr>
           <p:spPr>
             <a:xfrm>
-              <a:off x="2002880" y="5715377"/>
+              <a:off x="2001137" y="5719075"/>
               <a:ext cx="33506" cy="63137"/>
             </a:xfrm>
             <a:custGeom>
@@ -43515,7 +43515,7 @@
           </p:nvSpPr>
           <p:spPr>
             <a:xfrm>
-              <a:off x="3422718" y="5708556"/>
+              <a:off x="3421350" y="5712253"/>
               <a:ext cx="52987" cy="77980"/>
             </a:xfrm>
             <a:custGeom>
@@ -44467,7 +44467,7 @@
           </p:nvSpPr>
           <p:spPr>
             <a:xfrm>
-              <a:off x="3484764" y="5707410"/>
+              <a:off x="3483397" y="5711107"/>
               <a:ext cx="53424" cy="79126"/>
             </a:xfrm>
             <a:custGeom>
@@ -44978,7 +44978,7 @@
           </p:nvSpPr>
           <p:spPr>
             <a:xfrm>
-              <a:off x="3494696" y="5715377"/>
+              <a:off x="3493329" y="5719075"/>
               <a:ext cx="33506" cy="63137"/>
             </a:xfrm>
             <a:custGeom>
@@ -45489,7 +45489,7 @@
           </p:nvSpPr>
           <p:spPr>
             <a:xfrm>
-              <a:off x="3546920" y="5707410"/>
+              <a:off x="3545553" y="5711107"/>
               <a:ext cx="53424" cy="79126"/>
             </a:xfrm>
             <a:custGeom>
@@ -46000,7 +46000,7 @@
           </p:nvSpPr>
           <p:spPr>
             <a:xfrm>
-              <a:off x="3556852" y="5715377"/>
+              <a:off x="3555484" y="5719075"/>
               <a:ext cx="33506" cy="63137"/>
             </a:xfrm>
             <a:custGeom>
@@ -46511,7 +46511,7 @@
           </p:nvSpPr>
           <p:spPr>
             <a:xfrm>
-              <a:off x="4887494" y="5708556"/>
+              <a:off x="4886503" y="5712253"/>
               <a:ext cx="48185" cy="76889"/>
             </a:xfrm>
             <a:custGeom>
@@ -46575,7 +46575,7 @@
           </p:nvSpPr>
           <p:spPr>
             <a:xfrm>
-              <a:off x="4945503" y="5707410"/>
+              <a:off x="4944511" y="5711107"/>
               <a:ext cx="53424" cy="79126"/>
             </a:xfrm>
             <a:custGeom>
@@ -47086,7 +47086,7 @@
           </p:nvSpPr>
           <p:spPr>
             <a:xfrm>
-              <a:off x="4955434" y="5715377"/>
+              <a:off x="4954443" y="5719075"/>
               <a:ext cx="33506" cy="63137"/>
             </a:xfrm>
             <a:custGeom>
@@ -47597,7 +47597,7 @@
           </p:nvSpPr>
           <p:spPr>
             <a:xfrm>
-              <a:off x="5007658" y="5707410"/>
+              <a:off x="5006667" y="5711107"/>
               <a:ext cx="53424" cy="79126"/>
             </a:xfrm>
             <a:custGeom>
@@ -48108,7 +48108,7 @@
           </p:nvSpPr>
           <p:spPr>
             <a:xfrm>
-              <a:off x="5017590" y="5715377"/>
+              <a:off x="5016598" y="5719075"/>
               <a:ext cx="33506" cy="63137"/>
             </a:xfrm>
             <a:custGeom>
@@ -48619,7 +48619,7 @@
           </p:nvSpPr>
           <p:spPr>
             <a:xfrm>
-              <a:off x="5069814" y="5707410"/>
+              <a:off x="5068822" y="5711107"/>
               <a:ext cx="53424" cy="79126"/>
             </a:xfrm>
             <a:custGeom>
@@ -49130,7 +49130,7 @@
           </p:nvSpPr>
           <p:spPr>
             <a:xfrm>
-              <a:off x="5079746" y="5715377"/>
+              <a:off x="5078754" y="5719075"/>
               <a:ext cx="33506" cy="63137"/>
             </a:xfrm>
             <a:custGeom>
@@ -49641,7 +49641,7 @@
           </p:nvSpPr>
           <p:spPr>
             <a:xfrm>
-              <a:off x="6379310" y="5708556"/>
+              <a:off x="6378695" y="5712253"/>
               <a:ext cx="48185" cy="76889"/>
             </a:xfrm>
             <a:custGeom>
@@ -49705,7 +49705,7 @@
           </p:nvSpPr>
           <p:spPr>
             <a:xfrm>
-              <a:off x="6437428" y="5708556"/>
+              <a:off x="6436812" y="5712253"/>
               <a:ext cx="52987" cy="77980"/>
             </a:xfrm>
             <a:custGeom>
@@ -50022,7 +50022,7 @@
                     <a:pt x="14960" y="66777"/>
                   </a:lnTo>
                   <a:lnTo>
-                    <a:pt x="15366" y="67075"/>
+                    <a:pt x="15367" y="67075"/>
                   </a:lnTo>
                   <a:lnTo>
                     <a:pt x="15789" y="67362"/>
@@ -50657,7 +50657,7 @@
           </p:nvSpPr>
           <p:spPr>
             <a:xfrm>
-              <a:off x="6499474" y="5707410"/>
+              <a:off x="6498859" y="5711107"/>
               <a:ext cx="53424" cy="79126"/>
             </a:xfrm>
             <a:custGeom>
@@ -51168,7 +51168,7 @@
           </p:nvSpPr>
           <p:spPr>
             <a:xfrm>
-              <a:off x="6509406" y="5715377"/>
+              <a:off x="6508790" y="5719075"/>
               <a:ext cx="33506" cy="63137"/>
             </a:xfrm>
             <a:custGeom>
@@ -51679,7 +51679,7 @@
           </p:nvSpPr>
           <p:spPr>
             <a:xfrm>
-              <a:off x="6561630" y="5707410"/>
+              <a:off x="6561014" y="5711107"/>
               <a:ext cx="53424" cy="79126"/>
             </a:xfrm>
             <a:custGeom>
@@ -52190,7 +52190,7 @@
           </p:nvSpPr>
           <p:spPr>
             <a:xfrm>
-              <a:off x="6571562" y="5715377"/>
+              <a:off x="6570946" y="5719075"/>
               <a:ext cx="33506" cy="63137"/>
             </a:xfrm>
             <a:custGeom>
@@ -52701,7 +52701,7 @@
           </p:nvSpPr>
           <p:spPr>
             <a:xfrm>
-              <a:off x="7868234" y="5707410"/>
+              <a:off x="7867995" y="5711107"/>
               <a:ext cx="50914" cy="78035"/>
             </a:xfrm>
             <a:custGeom>
@@ -53647,7 +53647,7 @@
           </p:nvSpPr>
           <p:spPr>
             <a:xfrm>
-              <a:off x="7929135" y="5707410"/>
+              <a:off x="7928895" y="5711107"/>
               <a:ext cx="53424" cy="79126"/>
             </a:xfrm>
             <a:custGeom>
@@ -54158,7 +54158,7 @@
           </p:nvSpPr>
           <p:spPr>
             <a:xfrm>
-              <a:off x="7939066" y="5715377"/>
+              <a:off x="7938827" y="5719075"/>
               <a:ext cx="33506" cy="63137"/>
             </a:xfrm>
             <a:custGeom>
@@ -54669,7 +54669,7 @@
           </p:nvSpPr>
           <p:spPr>
             <a:xfrm>
-              <a:off x="7991290" y="5707410"/>
+              <a:off x="7991051" y="5711107"/>
               <a:ext cx="53424" cy="79126"/>
             </a:xfrm>
             <a:custGeom>
@@ -55180,7 +55180,7 @@
           </p:nvSpPr>
           <p:spPr>
             <a:xfrm>
-              <a:off x="8001222" y="5715377"/>
+              <a:off x="8000982" y="5719075"/>
               <a:ext cx="33506" cy="63137"/>
             </a:xfrm>
             <a:custGeom>
@@ -55691,7 +55691,7 @@
           </p:nvSpPr>
           <p:spPr>
             <a:xfrm>
-              <a:off x="8053446" y="5707410"/>
+              <a:off x="8053206" y="5711107"/>
               <a:ext cx="53424" cy="79126"/>
             </a:xfrm>
             <a:custGeom>
@@ -56202,7 +56202,7 @@
           </p:nvSpPr>
           <p:spPr>
             <a:xfrm>
-              <a:off x="8063378" y="5715377"/>
+              <a:off x="8063138" y="5719075"/>
               <a:ext cx="33506" cy="63137"/>
             </a:xfrm>
             <a:custGeom>
